--- a/Y3-Sem2/ITゼミ演習II/2024年度_11月報告会_Sk3a04_文家俊.pptx
+++ b/Y3-Sem2/ITゼミ演習II/2024年度_11月報告会_Sk3a04_文家俊.pptx
@@ -5,15 +5,18 @@
     <p:sldMasterId id="2147483648" r:id="rId1"/>
   </p:sldMasterIdLst>
   <p:notesMasterIdLst>
-    <p:notesMasterId r:id="rId8"/>
+    <p:notesMasterId r:id="rId11"/>
   </p:notesMasterIdLst>
   <p:sldIdLst>
     <p:sldId id="256" r:id="rId2"/>
     <p:sldId id="257" r:id="rId3"/>
     <p:sldId id="258" r:id="rId4"/>
     <p:sldId id="260" r:id="rId5"/>
-    <p:sldId id="261" r:id="rId6"/>
-    <p:sldId id="263" r:id="rId7"/>
+    <p:sldId id="266" r:id="rId6"/>
+    <p:sldId id="261" r:id="rId7"/>
+    <p:sldId id="265" r:id="rId8"/>
+    <p:sldId id="263" r:id="rId9"/>
+    <p:sldId id="264" r:id="rId10"/>
   </p:sldIdLst>
   <p:sldSz cx="12192000" cy="6858000"/>
   <p:notesSz cx="6858000" cy="9144000"/>
@@ -1023,20 +1026,20 @@
         <a:p>
           <a:pPr algn="ctr"/>
           <a:r>
-            <a:rPr lang="ja-JP" altLang="en-US" sz="2200" b="0" i="0">
+            <a:rPr lang="ja-JP" altLang="en-US" sz="2400">
               <a:latin typeface="Meiryo UI" panose="020B0604030504040204" pitchFamily="34" charset="-128"/>
               <a:ea typeface="Meiryo UI" panose="020B0604030504040204" pitchFamily="34" charset="-128"/>
             </a:rPr>
-            <a:t>スマートコントラクトの</a:t>
+            <a:t>　　　</a:t>
           </a:r>
           <a:r>
-            <a:rPr lang="zh-HK" altLang="en-US" sz="2200" b="0" i="0" dirty="0">
+            <a:rPr lang="zh-HK" altLang="en-US" sz="2400" dirty="0">
               <a:latin typeface="Meiryo UI" panose="020B0604030504040204" pitchFamily="34" charset="-128"/>
               <a:ea typeface="Meiryo UI" panose="020B0604030504040204" pitchFamily="34" charset="-128"/>
             </a:rPr>
-            <a:t>脆弱性に集中</a:t>
+            <a:t>前回の研究コードを整理</a:t>
           </a:r>
-          <a:endParaRPr lang="zh-TW" altLang="en-US" sz="2200" dirty="0">
+          <a:endParaRPr lang="zh-TW" altLang="en-US" sz="2400" dirty="0">
             <a:latin typeface="Meiryo UI" panose="020B0604030504040204" pitchFamily="34" charset="-128"/>
             <a:ea typeface="Meiryo UI" panose="020B0604030504040204" pitchFamily="34" charset="-128"/>
           </a:endParaRPr>
@@ -1074,145 +1077,20 @@
         <a:p>
           <a:pPr algn="ctr"/>
           <a:r>
-            <a:rPr lang="zh-HK" altLang="en-US" sz="2000" b="0" i="0" dirty="0">
+            <a:rPr lang="ja-JP" altLang="en-US" sz="2400">
               <a:latin typeface="Meiryo UI" panose="020B0604030504040204" pitchFamily="34" charset="-128"/>
               <a:ea typeface="Meiryo UI" panose="020B0604030504040204" pitchFamily="34" charset="-128"/>
             </a:rPr>
-            <a:t>論文で資料</a:t>
+            <a:t>　　　　　</a:t>
           </a:r>
           <a:r>
-            <a:rPr lang="ja-JP" altLang="en-US" sz="2000" b="0" i="0">
+            <a:rPr lang="zh-HK" altLang="en-US" sz="2400" dirty="0">
               <a:latin typeface="Meiryo UI" panose="020B0604030504040204" pitchFamily="34" charset="-128"/>
               <a:ea typeface="Meiryo UI" panose="020B0604030504040204" pitchFamily="34" charset="-128"/>
             </a:rPr>
-            <a:t>を</a:t>
+            <a:t>ハッシュンのコードと監視のツールを調べる</a:t>
           </a:r>
-          <a:r>
-            <a:rPr lang="zh-HK" altLang="en-US" sz="2000" b="0" i="0" dirty="0">
-              <a:latin typeface="Meiryo UI" panose="020B0604030504040204" pitchFamily="34" charset="-128"/>
-              <a:ea typeface="Meiryo UI" panose="020B0604030504040204" pitchFamily="34" charset="-128"/>
-            </a:rPr>
-            <a:t>確保</a:t>
-          </a:r>
-          <a:r>
-            <a:rPr lang="ja-JP" altLang="en-US" sz="2000" b="0" i="0">
-              <a:latin typeface="Meiryo UI" panose="020B0604030504040204" pitchFamily="34" charset="-128"/>
-              <a:ea typeface="Meiryo UI" panose="020B0604030504040204" pitchFamily="34" charset="-128"/>
-            </a:rPr>
-            <a:t>できるためにドメイン</a:t>
-          </a:r>
-          <a:r>
-            <a:rPr lang="zh-TW" altLang="en-US" sz="2000" b="0" i="0" dirty="0">
-              <a:latin typeface="Meiryo UI" panose="020B0604030504040204" pitchFamily="34" charset="-128"/>
-              <a:ea typeface="Meiryo UI" panose="020B0604030504040204" pitchFamily="34" charset="-128"/>
-            </a:rPr>
-            <a:t>固有言語</a:t>
-          </a:r>
-          <a:r>
-            <a:rPr lang="en-US" altLang="zh-TW" sz="2000" b="0" i="0" dirty="0">
-              <a:latin typeface="Meiryo UI" panose="020B0604030504040204" pitchFamily="34" charset="-128"/>
-              <a:ea typeface="Meiryo UI" panose="020B0604030504040204" pitchFamily="34" charset="-128"/>
-            </a:rPr>
-            <a:t>(</a:t>
-          </a:r>
-          <a:r>
-            <a:rPr lang="en-US" sz="2000" b="0" i="0" dirty="0">
-              <a:latin typeface="Meiryo UI" panose="020B0604030504040204" pitchFamily="34" charset="-128"/>
-              <a:ea typeface="Meiryo UI" panose="020B0604030504040204" pitchFamily="34" charset="-128"/>
-            </a:rPr>
-            <a:t>DSL</a:t>
-          </a:r>
-          <a:r>
-            <a:rPr lang="en-US" altLang="zh-TW" sz="2000" b="0" i="0" dirty="0">
-              <a:latin typeface="Meiryo UI" panose="020B0604030504040204" pitchFamily="34" charset="-128"/>
-              <a:ea typeface="Meiryo UI" panose="020B0604030504040204" pitchFamily="34" charset="-128"/>
-            </a:rPr>
-            <a:t>)</a:t>
-          </a:r>
-          <a:r>
-            <a:rPr lang="ja-JP" altLang="en-US" sz="2000" b="0" i="0">
-              <a:latin typeface="Meiryo UI" panose="020B0604030504040204" pitchFamily="34" charset="-128"/>
-              <a:ea typeface="Meiryo UI" panose="020B0604030504040204" pitchFamily="34" charset="-128"/>
-            </a:rPr>
-            <a:t>という</a:t>
-          </a:r>
-          <a:r>
-            <a:rPr lang="zh-HK" altLang="en-US" sz="2000" b="0" i="0" dirty="0">
-              <a:latin typeface="Meiryo UI" panose="020B0604030504040204" pitchFamily="34" charset="-128"/>
-              <a:ea typeface="Meiryo UI" panose="020B0604030504040204" pitchFamily="34" charset="-128"/>
-            </a:rPr>
-            <a:t>意見＠４</a:t>
-          </a:r>
-          <a:br>
-            <a:rPr lang="en-US" altLang="zh-HK" sz="2000" b="0" i="0" dirty="0">
-              <a:latin typeface="Meiryo UI" panose="020B0604030504040204" pitchFamily="34" charset="-128"/>
-              <a:ea typeface="Meiryo UI" panose="020B0604030504040204" pitchFamily="34" charset="-128"/>
-            </a:rPr>
-          </a:br>
-          <a:r>
-            <a:rPr lang="en-US" altLang="zh-HK" sz="2000" b="0" i="0" dirty="0">
-              <a:latin typeface="Meiryo UI" panose="020B0604030504040204" pitchFamily="34" charset="-128"/>
-              <a:ea typeface="Meiryo UI" panose="020B0604030504040204" pitchFamily="34" charset="-128"/>
-            </a:rPr>
-            <a:t>DSL</a:t>
-          </a:r>
-          <a:r>
-            <a:rPr lang="zh-HK" altLang="en-US" sz="2000" b="0" i="0" dirty="0">
-              <a:latin typeface="Meiryo UI" panose="020B0604030504040204" pitchFamily="34" charset="-128"/>
-              <a:ea typeface="Meiryo UI" panose="020B0604030504040204" pitchFamily="34" charset="-128"/>
-            </a:rPr>
-            <a:t>の例：</a:t>
-          </a:r>
-          <a:r>
-            <a:rPr lang="en-US" altLang="zh-HK" sz="2000" b="0" i="0" dirty="0">
-              <a:latin typeface="Meiryo UI" panose="020B0604030504040204" pitchFamily="34" charset="-128"/>
-              <a:ea typeface="Meiryo UI" panose="020B0604030504040204" pitchFamily="34" charset="-128"/>
-            </a:rPr>
-            <a:t>HTML</a:t>
-          </a:r>
-          <a:r>
-            <a:rPr lang="zh-HK" altLang="en-US" sz="2000" b="0" i="0" dirty="0">
-              <a:latin typeface="Meiryo UI" panose="020B0604030504040204" pitchFamily="34" charset="-128"/>
-              <a:ea typeface="Meiryo UI" panose="020B0604030504040204" pitchFamily="34" charset="-128"/>
-            </a:rPr>
-            <a:t>，</a:t>
-          </a:r>
-          <a:r>
-            <a:rPr lang="en-US" altLang="zh-HK" sz="2000" b="0" i="0" dirty="0">
-              <a:latin typeface="Meiryo UI" panose="020B0604030504040204" pitchFamily="34" charset="-128"/>
-              <a:ea typeface="Meiryo UI" panose="020B0604030504040204" pitchFamily="34" charset="-128"/>
-            </a:rPr>
-            <a:t>CSS</a:t>
-          </a:r>
-          <a:r>
-            <a:rPr lang="zh-HK" altLang="en-US" sz="2000" b="0" i="0" dirty="0">
-              <a:latin typeface="Meiryo UI" panose="020B0604030504040204" pitchFamily="34" charset="-128"/>
-              <a:ea typeface="Meiryo UI" panose="020B0604030504040204" pitchFamily="34" charset="-128"/>
-            </a:rPr>
-            <a:t>，</a:t>
-          </a:r>
-          <a:r>
-            <a:rPr lang="en-US" altLang="zh-HK" sz="2000" b="0" i="0" dirty="0">
-              <a:latin typeface="Meiryo UI" panose="020B0604030504040204" pitchFamily="34" charset="-128"/>
-              <a:ea typeface="Meiryo UI" panose="020B0604030504040204" pitchFamily="34" charset="-128"/>
-            </a:rPr>
-            <a:t>SVG</a:t>
-          </a:r>
-          <a:r>
-            <a:rPr lang="zh-HK" altLang="en-US" sz="2000" b="0" i="0" dirty="0">
-              <a:latin typeface="Meiryo UI" panose="020B0604030504040204" pitchFamily="34" charset="-128"/>
-              <a:ea typeface="Meiryo UI" panose="020B0604030504040204" pitchFamily="34" charset="-128"/>
-            </a:rPr>
-            <a:t>，</a:t>
-          </a:r>
-          <a:r>
-            <a:rPr lang="en-US" altLang="en-US" sz="2000" b="0" i="0" dirty="0">
-              <a:latin typeface="Meiryo UI" panose="020B0604030504040204" pitchFamily="34" charset="-128"/>
-              <a:ea typeface="Meiryo UI" panose="020B0604030504040204" pitchFamily="34" charset="-128"/>
-            </a:rPr>
-            <a:t>Unity Script</a:t>
-          </a:r>
-          <a:endParaRPr lang="zh-TW" altLang="en-US" sz="2000" dirty="0">
+          <a:endParaRPr lang="zh-TW" altLang="en-US" sz="2400" dirty="0">
             <a:latin typeface="Meiryo UI" panose="020B0604030504040204" pitchFamily="34" charset="-128"/>
             <a:ea typeface="Meiryo UI" panose="020B0604030504040204" pitchFamily="34" charset="-128"/>
           </a:endParaRPr>
@@ -1241,123 +1119,6 @@
         </a:p>
       </dgm:t>
     </dgm:pt>
-    <dgm:pt modelId="{C4DBACA1-0E5A-F045-A947-3597E43CFED1}">
-      <dgm:prSet custT="1"/>
-      <dgm:spPr/>
-      <dgm:t>
-        <a:bodyPr/>
-        <a:lstStyle/>
-        <a:p>
-          <a:pPr algn="ctr"/>
-          <a:r>
-            <a:rPr kumimoji="1" lang="en-US" altLang="zh-HK" sz="2200" dirty="0">
-              <a:latin typeface="Meiryo UI" panose="020B0604030504040204" pitchFamily="34" charset="-128"/>
-              <a:ea typeface="Meiryo UI" panose="020B0604030504040204" pitchFamily="34" charset="-128"/>
-            </a:rPr>
-            <a:t>Golang</a:t>
-          </a:r>
-          <a:r>
-            <a:rPr kumimoji="1" lang="zh-HK" altLang="en-US" sz="2200" dirty="0">
-              <a:latin typeface="Meiryo UI" panose="020B0604030504040204" pitchFamily="34" charset="-128"/>
-              <a:ea typeface="Meiryo UI" panose="020B0604030504040204" pitchFamily="34" charset="-128"/>
-            </a:rPr>
-            <a:t>でブロックチェーンの基本コードを学習＠６</a:t>
-          </a:r>
-          <a:endParaRPr lang="zh-TW" altLang="en-US" sz="2200" dirty="0"/>
-        </a:p>
-      </dgm:t>
-    </dgm:pt>
-    <dgm:pt modelId="{0AE8A8E4-482E-B94B-8793-E5A925430FC9}" type="parTrans" cxnId="{085E7C99-D045-7E4B-8A08-9E906BBEE084}">
-      <dgm:prSet/>
-      <dgm:spPr/>
-      <dgm:t>
-        <a:bodyPr/>
-        <a:lstStyle/>
-        <a:p>
-          <a:endParaRPr lang="zh-TW" altLang="en-US"/>
-        </a:p>
-      </dgm:t>
-    </dgm:pt>
-    <dgm:pt modelId="{65B0AF98-7F0E-D64C-928E-57BBBDEE7C6F}" type="sibTrans" cxnId="{085E7C99-D045-7E4B-8A08-9E906BBEE084}">
-      <dgm:prSet/>
-      <dgm:spPr/>
-      <dgm:t>
-        <a:bodyPr/>
-        <a:lstStyle/>
-        <a:p>
-          <a:endParaRPr lang="zh-TW" altLang="en-US"/>
-        </a:p>
-      </dgm:t>
-    </dgm:pt>
-    <dgm:pt modelId="{D434EFC2-9AC4-754D-9955-14C93A4D1246}">
-      <dgm:prSet phldrT="[文字]" custT="1"/>
-      <dgm:spPr/>
-      <dgm:t>
-        <a:bodyPr/>
-        <a:lstStyle/>
-        <a:p>
-          <a:pPr algn="ctr"/>
-          <a:r>
-            <a:rPr lang="zh-HK" altLang="en-US" sz="2200" b="0" i="0" dirty="0">
-              <a:latin typeface="Meiryo UI" panose="020B0604030504040204" pitchFamily="34" charset="-128"/>
-              <a:ea typeface="Meiryo UI" panose="020B0604030504040204" pitchFamily="34" charset="-128"/>
-            </a:rPr>
-            <a:t>現在</a:t>
-          </a:r>
-          <a:r>
-            <a:rPr lang="ja-JP" altLang="en-US" sz="2200" b="0" i="0">
-              <a:latin typeface="Meiryo UI" panose="020B0604030504040204" pitchFamily="34" charset="-128"/>
-              <a:ea typeface="Meiryo UI" panose="020B0604030504040204" pitchFamily="34" charset="-128"/>
-            </a:rPr>
-            <a:t>である</a:t>
-          </a:r>
-          <a:r>
-            <a:rPr lang="en-US" sz="2200" b="0" i="0" dirty="0">
-              <a:latin typeface="Meiryo UI" panose="020B0604030504040204" pitchFamily="34" charset="-128"/>
-              <a:ea typeface="Meiryo UI" panose="020B0604030504040204" pitchFamily="34" charset="-128"/>
-            </a:rPr>
-            <a:t>NFT</a:t>
-          </a:r>
-          <a:r>
-            <a:rPr lang="ja-JP" altLang="en-US" sz="2200" b="0" i="0">
-              <a:latin typeface="Meiryo UI" panose="020B0604030504040204" pitchFamily="34" charset="-128"/>
-              <a:ea typeface="Meiryo UI" panose="020B0604030504040204" pitchFamily="34" charset="-128"/>
-            </a:rPr>
-            <a:t>のコードがあるサイトに</a:t>
-          </a:r>
-          <a:r>
-            <a:rPr lang="zh-HK" altLang="en-US" sz="2200" b="0" i="0" dirty="0">
-              <a:latin typeface="Meiryo UI" panose="020B0604030504040204" pitchFamily="34" charset="-128"/>
-              <a:ea typeface="Meiryo UI" panose="020B0604030504040204" pitchFamily="34" charset="-128"/>
-            </a:rPr>
-            <a:t>参考＠５</a:t>
-          </a:r>
-          <a:endParaRPr lang="zh-TW" altLang="en-US" sz="2200" dirty="0"/>
-        </a:p>
-      </dgm:t>
-    </dgm:pt>
-    <dgm:pt modelId="{37FF4BEF-2175-5645-92EA-9DA5099E05E6}" type="sibTrans" cxnId="{93CF6D0A-6C68-E646-930A-B75CC3BD36E3}">
-      <dgm:prSet/>
-      <dgm:spPr/>
-      <dgm:t>
-        <a:bodyPr/>
-        <a:lstStyle/>
-        <a:p>
-          <a:endParaRPr lang="zh-TW" altLang="en-US"/>
-        </a:p>
-      </dgm:t>
-    </dgm:pt>
-    <dgm:pt modelId="{D396F268-EC93-EA49-9EA2-C974DFE5E200}" type="parTrans" cxnId="{93CF6D0A-6C68-E646-930A-B75CC3BD36E3}">
-      <dgm:prSet/>
-      <dgm:spPr/>
-      <dgm:t>
-        <a:bodyPr/>
-        <a:lstStyle/>
-        <a:p>
-          <a:endParaRPr lang="zh-TW" altLang="en-US"/>
-        </a:p>
-      </dgm:t>
-    </dgm:pt>
     <dgm:pt modelId="{BE0BA1F6-1DBD-7348-9E61-C2B9827CA8E4}">
       <dgm:prSet custT="1"/>
       <dgm:spPr/>
@@ -1367,69 +1128,23 @@
         <a:p>
           <a:pPr algn="ctr"/>
           <a:r>
-            <a:rPr lang="zh-HK" altLang="en-US" sz="2200" dirty="0">
+            <a:rPr lang="ja-JP" altLang="en-US" sz="2400">
               <a:latin typeface="Meiryo UI" panose="020B0604030504040204" pitchFamily="34" charset="-128"/>
               <a:ea typeface="Meiryo UI" panose="020B0604030504040204" pitchFamily="34" charset="-128"/>
             </a:rPr>
-            <a:t>ブロックチェーン</a:t>
+            <a:t>　　　</a:t>
           </a:r>
           <a:r>
-            <a:rPr lang="ja-JP" altLang="en-US" sz="2200">
+            <a:rPr lang="zh-HK" altLang="en-US" sz="2400" dirty="0">
               <a:latin typeface="Meiryo UI" panose="020B0604030504040204" pitchFamily="34" charset="-128"/>
               <a:ea typeface="Meiryo UI" panose="020B0604030504040204" pitchFamily="34" charset="-128"/>
             </a:rPr>
-            <a:t>を</a:t>
+            <a:t>テーマの範囲を決める</a:t>
           </a:r>
-          <a:r>
-            <a:rPr lang="zh-HK" altLang="en-US" sz="2200" dirty="0">
-              <a:latin typeface="Meiryo UI" panose="020B0604030504040204" pitchFamily="34" charset="-128"/>
-              <a:ea typeface="Meiryo UI" panose="020B0604030504040204" pitchFamily="34" charset="-128"/>
-            </a:rPr>
-            <a:t>学習し、分析して</a:t>
-          </a:r>
-          <a:r>
-            <a:rPr lang="zh-TW" altLang="en-US" sz="2200" dirty="0">
-              <a:latin typeface="Meiryo UI" panose="020B0604030504040204" pitchFamily="34" charset="-128"/>
-              <a:ea typeface="Meiryo UI" panose="020B0604030504040204" pitchFamily="34" charset="-128"/>
-            </a:rPr>
-            <a:t>絞</a:t>
-          </a:r>
-          <a:r>
-            <a:rPr lang="ja-JP" altLang="en-US" sz="2200">
-              <a:latin typeface="Meiryo UI" panose="020B0604030504040204" pitchFamily="34" charset="-128"/>
-              <a:ea typeface="Meiryo UI" panose="020B0604030504040204" pitchFamily="34" charset="-128"/>
-            </a:rPr>
-            <a:t>り</a:t>
-          </a:r>
-          <a:r>
-            <a:rPr lang="zh-TW" altLang="en-US" sz="2200" dirty="0">
-              <a:latin typeface="Meiryo UI" panose="020B0604030504040204" pitchFamily="34" charset="-128"/>
-              <a:ea typeface="Meiryo UI" panose="020B0604030504040204" pitchFamily="34" charset="-128"/>
-            </a:rPr>
-            <a:t>込</a:t>
-          </a:r>
-          <a:r>
-            <a:rPr lang="zh-HK" altLang="en-US" sz="2200" dirty="0">
-              <a:latin typeface="Meiryo UI" panose="020B0604030504040204" pitchFamily="34" charset="-128"/>
-              <a:ea typeface="Meiryo UI" panose="020B0604030504040204" pitchFamily="34" charset="-128"/>
-            </a:rPr>
-            <a:t>んで＠</a:t>
-          </a:r>
-          <a:r>
-            <a:rPr lang="en-US" altLang="zh-HK" sz="2200" dirty="0">
-              <a:latin typeface="Meiryo UI" panose="020B0604030504040204" pitchFamily="34" charset="-128"/>
-              <a:ea typeface="Meiryo UI" panose="020B0604030504040204" pitchFamily="34" charset="-128"/>
-            </a:rPr>
-            <a:t>1−</a:t>
-          </a:r>
-          <a:r>
-            <a:rPr lang="zh-HK" altLang="en-US" sz="2200" dirty="0">
-              <a:latin typeface="Meiryo UI" panose="020B0604030504040204" pitchFamily="34" charset="-128"/>
-              <a:ea typeface="Meiryo UI" panose="020B0604030504040204" pitchFamily="34" charset="-128"/>
-            </a:rPr>
-            <a:t>３</a:t>
-          </a:r>
-          <a:endParaRPr lang="zh-TW" altLang="en-US" sz="2200" dirty="0"/>
+          <a:endParaRPr lang="zh-TW" altLang="en-US" sz="2400" dirty="0">
+            <a:latin typeface="Meiryo UI" panose="020B0604030504040204" pitchFamily="34" charset="-128"/>
+            <a:ea typeface="Meiryo UI" panose="020B0604030504040204" pitchFamily="34" charset="-128"/>
+          </a:endParaRPr>
         </a:p>
       </dgm:t>
     </dgm:pt>
@@ -1471,112 +1186,64 @@
       </dgm:prSet>
       <dgm:spPr/>
     </dgm:pt>
-    <dgm:pt modelId="{C4563D0E-4158-8F43-A060-BFDF6D85E8E3}" type="pres">
-      <dgm:prSet presAssocID="{A9229A3D-E090-AA4C-A6BA-89D66306354F}" presName="FiveNodes_1" presStyleLbl="node1" presStyleIdx="0" presStyleCnt="5">
+    <dgm:pt modelId="{236C09B4-12DB-D845-BBAA-F5C88BBCB65D}" type="pres">
+      <dgm:prSet presAssocID="{A9229A3D-E090-AA4C-A6BA-89D66306354F}" presName="ThreeNodes_1" presStyleLbl="node1" presStyleIdx="0" presStyleCnt="3" custLinFactNeighborX="-10019" custLinFactNeighborY="-43191">
         <dgm:presLayoutVars>
           <dgm:bulletEnabled val="1"/>
         </dgm:presLayoutVars>
       </dgm:prSet>
       <dgm:spPr/>
     </dgm:pt>
-    <dgm:pt modelId="{374E5E08-6AF1-2340-A7B2-A1ED59DEA5B1}" type="pres">
-      <dgm:prSet presAssocID="{A9229A3D-E090-AA4C-A6BA-89D66306354F}" presName="FiveNodes_2" presStyleLbl="node1" presStyleIdx="1" presStyleCnt="5">
+    <dgm:pt modelId="{CD607992-CE5A-FF4C-8C85-39698BECE336}" type="pres">
+      <dgm:prSet presAssocID="{A9229A3D-E090-AA4C-A6BA-89D66306354F}" presName="ThreeNodes_2" presStyleLbl="node1" presStyleIdx="1" presStyleCnt="3">
         <dgm:presLayoutVars>
           <dgm:bulletEnabled val="1"/>
         </dgm:presLayoutVars>
       </dgm:prSet>
       <dgm:spPr/>
     </dgm:pt>
-    <dgm:pt modelId="{D1E0279E-0B7D-4A46-915D-58A666877C65}" type="pres">
-      <dgm:prSet presAssocID="{A9229A3D-E090-AA4C-A6BA-89D66306354F}" presName="FiveNodes_3" presStyleLbl="node1" presStyleIdx="2" presStyleCnt="5">
+    <dgm:pt modelId="{9D6494C2-40E9-1B47-8B9A-BB85D9560F0F}" type="pres">
+      <dgm:prSet presAssocID="{A9229A3D-E090-AA4C-A6BA-89D66306354F}" presName="ThreeNodes_3" presStyleLbl="node1" presStyleIdx="2" presStyleCnt="3">
         <dgm:presLayoutVars>
           <dgm:bulletEnabled val="1"/>
         </dgm:presLayoutVars>
       </dgm:prSet>
       <dgm:spPr/>
     </dgm:pt>
-    <dgm:pt modelId="{BBBCF3DB-D71D-344A-984D-4735EDA8F9D5}" type="pres">
-      <dgm:prSet presAssocID="{A9229A3D-E090-AA4C-A6BA-89D66306354F}" presName="FiveNodes_4" presStyleLbl="node1" presStyleIdx="3" presStyleCnt="5">
+    <dgm:pt modelId="{7D1AED19-E9A5-C941-BD86-E937A7A31B8F}" type="pres">
+      <dgm:prSet presAssocID="{A9229A3D-E090-AA4C-A6BA-89D66306354F}" presName="ThreeConn_1-2" presStyleLbl="fgAccFollowNode1" presStyleIdx="0" presStyleCnt="2">
         <dgm:presLayoutVars>
           <dgm:bulletEnabled val="1"/>
         </dgm:presLayoutVars>
       </dgm:prSet>
       <dgm:spPr/>
     </dgm:pt>
-    <dgm:pt modelId="{D276763F-24E8-9546-9981-DD4471FB9684}" type="pres">
-      <dgm:prSet presAssocID="{A9229A3D-E090-AA4C-A6BA-89D66306354F}" presName="FiveNodes_5" presStyleLbl="node1" presStyleIdx="4" presStyleCnt="5">
+    <dgm:pt modelId="{F735CAE4-F68C-9A46-AA22-0D931832B3A9}" type="pres">
+      <dgm:prSet presAssocID="{A9229A3D-E090-AA4C-A6BA-89D66306354F}" presName="ThreeConn_2-3" presStyleLbl="fgAccFollowNode1" presStyleIdx="1" presStyleCnt="2">
         <dgm:presLayoutVars>
           <dgm:bulletEnabled val="1"/>
         </dgm:presLayoutVars>
       </dgm:prSet>
       <dgm:spPr/>
     </dgm:pt>
-    <dgm:pt modelId="{B0388D05-54B5-FE44-9375-47C1B3E127BA}" type="pres">
-      <dgm:prSet presAssocID="{A9229A3D-E090-AA4C-A6BA-89D66306354F}" presName="FiveConn_1-2" presStyleLbl="fgAccFollowNode1" presStyleIdx="0" presStyleCnt="4">
+    <dgm:pt modelId="{9F78ED61-4598-7C4F-93CE-17B6EDAFF535}" type="pres">
+      <dgm:prSet presAssocID="{A9229A3D-E090-AA4C-A6BA-89D66306354F}" presName="ThreeNodes_1_text" presStyleLbl="node1" presStyleIdx="2" presStyleCnt="3">
         <dgm:presLayoutVars>
           <dgm:bulletEnabled val="1"/>
         </dgm:presLayoutVars>
       </dgm:prSet>
       <dgm:spPr/>
     </dgm:pt>
-    <dgm:pt modelId="{89E79A14-C6F5-2B4B-B03B-720B6429821B}" type="pres">
-      <dgm:prSet presAssocID="{A9229A3D-E090-AA4C-A6BA-89D66306354F}" presName="FiveConn_2-3" presStyleLbl="fgAccFollowNode1" presStyleIdx="1" presStyleCnt="4">
+    <dgm:pt modelId="{8D60323C-7388-4947-B343-916D8524970D}" type="pres">
+      <dgm:prSet presAssocID="{A9229A3D-E090-AA4C-A6BA-89D66306354F}" presName="ThreeNodes_2_text" presStyleLbl="node1" presStyleIdx="2" presStyleCnt="3">
         <dgm:presLayoutVars>
           <dgm:bulletEnabled val="1"/>
         </dgm:presLayoutVars>
       </dgm:prSet>
       <dgm:spPr/>
     </dgm:pt>
-    <dgm:pt modelId="{6CB7D3DF-ED30-C744-8EF9-574F4A7A0C95}" type="pres">
-      <dgm:prSet presAssocID="{A9229A3D-E090-AA4C-A6BA-89D66306354F}" presName="FiveConn_3-4" presStyleLbl="fgAccFollowNode1" presStyleIdx="2" presStyleCnt="4">
-        <dgm:presLayoutVars>
-          <dgm:bulletEnabled val="1"/>
-        </dgm:presLayoutVars>
-      </dgm:prSet>
-      <dgm:spPr/>
-    </dgm:pt>
-    <dgm:pt modelId="{F41A6DE8-C852-9946-B7D5-255DFED1346B}" type="pres">
-      <dgm:prSet presAssocID="{A9229A3D-E090-AA4C-A6BA-89D66306354F}" presName="FiveConn_4-5" presStyleLbl="fgAccFollowNode1" presStyleIdx="3" presStyleCnt="4">
-        <dgm:presLayoutVars>
-          <dgm:bulletEnabled val="1"/>
-        </dgm:presLayoutVars>
-      </dgm:prSet>
-      <dgm:spPr/>
-    </dgm:pt>
-    <dgm:pt modelId="{4E617FCE-C8A4-3A48-9960-D925CA6D6642}" type="pres">
-      <dgm:prSet presAssocID="{A9229A3D-E090-AA4C-A6BA-89D66306354F}" presName="FiveNodes_1_text" presStyleLbl="node1" presStyleIdx="4" presStyleCnt="5">
-        <dgm:presLayoutVars>
-          <dgm:bulletEnabled val="1"/>
-        </dgm:presLayoutVars>
-      </dgm:prSet>
-      <dgm:spPr/>
-    </dgm:pt>
-    <dgm:pt modelId="{065CD4BF-3226-6041-8F99-521244E2656D}" type="pres">
-      <dgm:prSet presAssocID="{A9229A3D-E090-AA4C-A6BA-89D66306354F}" presName="FiveNodes_2_text" presStyleLbl="node1" presStyleIdx="4" presStyleCnt="5">
-        <dgm:presLayoutVars>
-          <dgm:bulletEnabled val="1"/>
-        </dgm:presLayoutVars>
-      </dgm:prSet>
-      <dgm:spPr/>
-    </dgm:pt>
-    <dgm:pt modelId="{AB4DD0E2-E585-E343-A73F-76A42BD07070}" type="pres">
-      <dgm:prSet presAssocID="{A9229A3D-E090-AA4C-A6BA-89D66306354F}" presName="FiveNodes_3_text" presStyleLbl="node1" presStyleIdx="4" presStyleCnt="5">
-        <dgm:presLayoutVars>
-          <dgm:bulletEnabled val="1"/>
-        </dgm:presLayoutVars>
-      </dgm:prSet>
-      <dgm:spPr/>
-    </dgm:pt>
-    <dgm:pt modelId="{57F33C53-F4CB-4141-9955-E84DF368F4BE}" type="pres">
-      <dgm:prSet presAssocID="{A9229A3D-E090-AA4C-A6BA-89D66306354F}" presName="FiveNodes_4_text" presStyleLbl="node1" presStyleIdx="4" presStyleCnt="5">
-        <dgm:presLayoutVars>
-          <dgm:bulletEnabled val="1"/>
-        </dgm:presLayoutVars>
-      </dgm:prSet>
-      <dgm:spPr/>
-    </dgm:pt>
-    <dgm:pt modelId="{A4D1B772-93AE-AD45-AF53-DB550F36D8AA}" type="pres">
-      <dgm:prSet presAssocID="{A9229A3D-E090-AA4C-A6BA-89D66306354F}" presName="FiveNodes_5_text" presStyleLbl="node1" presStyleIdx="4" presStyleCnt="5">
+    <dgm:pt modelId="{1D6B94D4-A3EB-CE40-938F-A5E0760C190D}" type="pres">
+      <dgm:prSet presAssocID="{A9229A3D-E090-AA4C-A6BA-89D66306354F}" presName="ThreeNodes_3_text" presStyleLbl="node1" presStyleIdx="2" presStyleCnt="3">
         <dgm:presLayoutVars>
           <dgm:bulletEnabled val="1"/>
         </dgm:presLayoutVars>
@@ -1585,41 +1252,27 @@
     </dgm:pt>
   </dgm:ptLst>
   <dgm:cxnLst>
-    <dgm:cxn modelId="{93CF6D0A-6C68-E646-930A-B75CC3BD36E3}" srcId="{A9229A3D-E090-AA4C-A6BA-89D66306354F}" destId="{D434EFC2-9AC4-754D-9955-14C93A4D1246}" srcOrd="3" destOrd="0" parTransId="{D396F268-EC93-EA49-9EA2-C974DFE5E200}" sibTransId="{37FF4BEF-2175-5645-92EA-9DA5099E05E6}"/>
-    <dgm:cxn modelId="{A2F7E618-1A5D-974E-A0A7-E9E1BA5075F0}" type="presOf" srcId="{C4DBACA1-0E5A-F045-A947-3597E43CFED1}" destId="{A4D1B772-93AE-AD45-AF53-DB550F36D8AA}" srcOrd="1" destOrd="0" presId="urn:microsoft.com/office/officeart/2005/8/layout/vProcess5"/>
-    <dgm:cxn modelId="{87009F1E-E148-E847-83D8-A45224EBC2A7}" type="presOf" srcId="{05B7333D-CFB4-4D49-90B8-A098F815E272}" destId="{374E5E08-6AF1-2340-A7B2-A1ED59DEA5B1}" srcOrd="0" destOrd="0" presId="urn:microsoft.com/office/officeart/2005/8/layout/vProcess5"/>
-    <dgm:cxn modelId="{9EF5A01F-EDE9-CD4D-A7BA-F58F9B5480AF}" type="presOf" srcId="{ACD1D631-75F5-1643-A89B-C929A90C0830}" destId="{D1E0279E-0B7D-4A46-915D-58A666877C65}" srcOrd="0" destOrd="0" presId="urn:microsoft.com/office/officeart/2005/8/layout/vProcess5"/>
+    <dgm:cxn modelId="{40467A16-6E58-EF46-A2DB-EB3D714F5DDE}" type="presOf" srcId="{05B7333D-CFB4-4D49-90B8-A098F815E272}" destId="{CD607992-CE5A-FF4C-8C85-39698BECE336}" srcOrd="0" destOrd="0" presId="urn:microsoft.com/office/officeart/2005/8/layout/vProcess5"/>
+    <dgm:cxn modelId="{2AB27E1D-FA1F-F549-A17E-573BE4B941F3}" type="presOf" srcId="{BE0BA1F6-1DBD-7348-9E61-C2B9827CA8E4}" destId="{9F78ED61-4598-7C4F-93CE-17B6EDAFF535}" srcOrd="1" destOrd="0" presId="urn:microsoft.com/office/officeart/2005/8/layout/vProcess5"/>
     <dgm:cxn modelId="{08A26A25-6A2A-BA4A-A71A-6C04E61FBDCC}" type="presOf" srcId="{A9229A3D-E090-AA4C-A6BA-89D66306354F}" destId="{DAE7AB72-7692-E34B-8E71-CFFBD3DE9881}" srcOrd="0" destOrd="0" presId="urn:microsoft.com/office/officeart/2005/8/layout/vProcess5"/>
+    <dgm:cxn modelId="{CAAD433B-FA9F-F54C-996F-91F89CB12B30}" type="presOf" srcId="{BE0BA1F6-1DBD-7348-9E61-C2B9827CA8E4}" destId="{236C09B4-12DB-D845-BBAA-F5C88BBCB65D}" srcOrd="0" destOrd="0" presId="urn:microsoft.com/office/officeart/2005/8/layout/vProcess5"/>
     <dgm:cxn modelId="{6FFCAD42-244A-5840-9ADA-86AF270EE864}" srcId="{A9229A3D-E090-AA4C-A6BA-89D66306354F}" destId="{05B7333D-CFB4-4D49-90B8-A098F815E272}" srcOrd="1" destOrd="0" parTransId="{D4A6376B-18E8-8D42-B806-5A5BAA189F23}" sibTransId="{042F6D26-50BD-4744-8985-A06E7E534712}"/>
-    <dgm:cxn modelId="{9E29D842-44E8-2D4F-A530-AE7CCE552B2A}" type="presOf" srcId="{BE0BA1F6-1DBD-7348-9E61-C2B9827CA8E4}" destId="{4E617FCE-C8A4-3A48-9960-D925CA6D6642}" srcOrd="1" destOrd="0" presId="urn:microsoft.com/office/officeart/2005/8/layout/vProcess5"/>
-    <dgm:cxn modelId="{9DEEAA4D-A044-CC47-95D5-2E5D78366162}" type="presOf" srcId="{ACD1D631-75F5-1643-A89B-C929A90C0830}" destId="{AB4DD0E2-E585-E343-A73F-76A42BD07070}" srcOrd="1" destOrd="0" presId="urn:microsoft.com/office/officeart/2005/8/layout/vProcess5"/>
+    <dgm:cxn modelId="{C119B64F-83A7-B441-83FA-14A3ABF7D63B}" type="presOf" srcId="{ACD1D631-75F5-1643-A89B-C929A90C0830}" destId="{1D6B94D4-A3EB-CE40-938F-A5E0760C190D}" srcOrd="1" destOrd="0" presId="urn:microsoft.com/office/officeart/2005/8/layout/vProcess5"/>
+    <dgm:cxn modelId="{E49DF45D-4DDB-8240-BF6A-AD692A41908F}" type="presOf" srcId="{05B7333D-CFB4-4D49-90B8-A098F815E272}" destId="{8D60323C-7388-4947-B343-916D8524970D}" srcOrd="1" destOrd="0" presId="urn:microsoft.com/office/officeart/2005/8/layout/vProcess5"/>
+    <dgm:cxn modelId="{6C499462-F3CC-A34A-B7E7-9378B8034323}" type="presOf" srcId="{042F6D26-50BD-4744-8985-A06E7E534712}" destId="{F735CAE4-F68C-9A46-AA22-0D931832B3A9}" srcOrd="0" destOrd="0" presId="urn:microsoft.com/office/officeart/2005/8/layout/vProcess5"/>
     <dgm:cxn modelId="{8B229473-A47B-0041-A430-E1236AAB5E03}" srcId="{A9229A3D-E090-AA4C-A6BA-89D66306354F}" destId="{ACD1D631-75F5-1643-A89B-C929A90C0830}" srcOrd="2" destOrd="0" parTransId="{EBECC0D0-CAB0-5747-9878-475E620E0791}" sibTransId="{B6CA2A18-39DE-2246-A28D-26793466C417}"/>
-    <dgm:cxn modelId="{77423577-7CFA-824E-95AC-B677B47FA0A9}" type="presOf" srcId="{D434EFC2-9AC4-754D-9955-14C93A4D1246}" destId="{57F33C53-F4CB-4141-9955-E84DF368F4BE}" srcOrd="1" destOrd="0" presId="urn:microsoft.com/office/officeart/2005/8/layout/vProcess5"/>
-    <dgm:cxn modelId="{515BDE8C-3011-6140-821A-2838143889DF}" type="presOf" srcId="{05B7333D-CFB4-4D49-90B8-A098F815E272}" destId="{065CD4BF-3226-6041-8F99-521244E2656D}" srcOrd="1" destOrd="0" presId="urn:microsoft.com/office/officeart/2005/8/layout/vProcess5"/>
-    <dgm:cxn modelId="{C8F11990-3A1F-9D40-9AB1-06620DDAEA5B}" type="presOf" srcId="{042F6D26-50BD-4744-8985-A06E7E534712}" destId="{89E79A14-C6F5-2B4B-B03B-720B6429821B}" srcOrd="0" destOrd="0" presId="urn:microsoft.com/office/officeart/2005/8/layout/vProcess5"/>
-    <dgm:cxn modelId="{400DE594-DCCB-F34F-91EC-3B6BDDE9D9BD}" type="presOf" srcId="{B6CA2A18-39DE-2246-A28D-26793466C417}" destId="{6CB7D3DF-ED30-C744-8EF9-574F4A7A0C95}" srcOrd="0" destOrd="0" presId="urn:microsoft.com/office/officeart/2005/8/layout/vProcess5"/>
-    <dgm:cxn modelId="{085E7C99-D045-7E4B-8A08-9E906BBEE084}" srcId="{A9229A3D-E090-AA4C-A6BA-89D66306354F}" destId="{C4DBACA1-0E5A-F045-A947-3597E43CFED1}" srcOrd="4" destOrd="0" parTransId="{0AE8A8E4-482E-B94B-8793-E5A925430FC9}" sibTransId="{65B0AF98-7F0E-D64C-928E-57BBBDEE7C6F}"/>
-    <dgm:cxn modelId="{BB94D19A-8168-964D-B443-F40E152042FC}" type="presOf" srcId="{C188B9F0-E883-F447-B26B-0C7CDBB809E1}" destId="{B0388D05-54B5-FE44-9375-47C1B3E127BA}" srcOrd="0" destOrd="0" presId="urn:microsoft.com/office/officeart/2005/8/layout/vProcess5"/>
-    <dgm:cxn modelId="{304B34B0-9881-D84A-91D4-8E2BFED4E7A8}" type="presOf" srcId="{C4DBACA1-0E5A-F045-A947-3597E43CFED1}" destId="{D276763F-24E8-9546-9981-DD4471FB9684}" srcOrd="0" destOrd="0" presId="urn:microsoft.com/office/officeart/2005/8/layout/vProcess5"/>
-    <dgm:cxn modelId="{F6D17FB4-0CF6-F046-A441-2312442C1440}" type="presOf" srcId="{D434EFC2-9AC4-754D-9955-14C93A4D1246}" destId="{BBBCF3DB-D71D-344A-984D-4735EDA8F9D5}" srcOrd="0" destOrd="0" presId="urn:microsoft.com/office/officeart/2005/8/layout/vProcess5"/>
-    <dgm:cxn modelId="{68DEA2C9-A8D7-0649-8D0A-D27EE3BA6475}" type="presOf" srcId="{BE0BA1F6-1DBD-7348-9E61-C2B9827CA8E4}" destId="{C4563D0E-4158-8F43-A060-BFDF6D85E8E3}" srcOrd="0" destOrd="0" presId="urn:microsoft.com/office/officeart/2005/8/layout/vProcess5"/>
+    <dgm:cxn modelId="{1A92B3C0-F821-3945-9471-3A9155ABB44C}" type="presOf" srcId="{ACD1D631-75F5-1643-A89B-C929A90C0830}" destId="{9D6494C2-40E9-1B47-8B9A-BB85D9560F0F}" srcOrd="0" destOrd="0" presId="urn:microsoft.com/office/officeart/2005/8/layout/vProcess5"/>
     <dgm:cxn modelId="{CC1A63E7-9EE8-044F-B437-03B5F1673A4A}" srcId="{A9229A3D-E090-AA4C-A6BA-89D66306354F}" destId="{BE0BA1F6-1DBD-7348-9E61-C2B9827CA8E4}" srcOrd="0" destOrd="0" parTransId="{BAED1780-EC3E-264A-8908-ADBC6AE54E15}" sibTransId="{C188B9F0-E883-F447-B26B-0C7CDBB809E1}"/>
-    <dgm:cxn modelId="{7D9FBEEA-73B4-D348-B8EC-44472BFD7146}" type="presOf" srcId="{37FF4BEF-2175-5645-92EA-9DA5099E05E6}" destId="{F41A6DE8-C852-9946-B7D5-255DFED1346B}" srcOrd="0" destOrd="0" presId="urn:microsoft.com/office/officeart/2005/8/layout/vProcess5"/>
+    <dgm:cxn modelId="{17A144F8-A7A5-944C-8AAF-C9C4D161322A}" type="presOf" srcId="{C188B9F0-E883-F447-B26B-0C7CDBB809E1}" destId="{7D1AED19-E9A5-C941-BD86-E937A7A31B8F}" srcOrd="0" destOrd="0" presId="urn:microsoft.com/office/officeart/2005/8/layout/vProcess5"/>
     <dgm:cxn modelId="{CF560E24-3455-6346-8A36-C814778B8831}" type="presParOf" srcId="{DAE7AB72-7692-E34B-8E71-CFFBD3DE9881}" destId="{CEA69B49-3AFC-2E47-B5B7-A5B56DA3FAE3}" srcOrd="0" destOrd="0" presId="urn:microsoft.com/office/officeart/2005/8/layout/vProcess5"/>
-    <dgm:cxn modelId="{8D8D4A00-1805-454F-8816-EEB0350F310E}" type="presParOf" srcId="{DAE7AB72-7692-E34B-8E71-CFFBD3DE9881}" destId="{C4563D0E-4158-8F43-A060-BFDF6D85E8E3}" srcOrd="1" destOrd="0" presId="urn:microsoft.com/office/officeart/2005/8/layout/vProcess5"/>
-    <dgm:cxn modelId="{C24692BF-2383-CE4D-A8B1-A09F6885D5D8}" type="presParOf" srcId="{DAE7AB72-7692-E34B-8E71-CFFBD3DE9881}" destId="{374E5E08-6AF1-2340-A7B2-A1ED59DEA5B1}" srcOrd="2" destOrd="0" presId="urn:microsoft.com/office/officeart/2005/8/layout/vProcess5"/>
-    <dgm:cxn modelId="{A7F7A8CF-0255-D04B-B196-EB7804506A90}" type="presParOf" srcId="{DAE7AB72-7692-E34B-8E71-CFFBD3DE9881}" destId="{D1E0279E-0B7D-4A46-915D-58A666877C65}" srcOrd="3" destOrd="0" presId="urn:microsoft.com/office/officeart/2005/8/layout/vProcess5"/>
-    <dgm:cxn modelId="{4D68D555-F086-4443-A74F-F502D1AAF06E}" type="presParOf" srcId="{DAE7AB72-7692-E34B-8E71-CFFBD3DE9881}" destId="{BBBCF3DB-D71D-344A-984D-4735EDA8F9D5}" srcOrd="4" destOrd="0" presId="urn:microsoft.com/office/officeart/2005/8/layout/vProcess5"/>
-    <dgm:cxn modelId="{FDE1F7A8-206E-6C4D-BFA8-98289F658EEB}" type="presParOf" srcId="{DAE7AB72-7692-E34B-8E71-CFFBD3DE9881}" destId="{D276763F-24E8-9546-9981-DD4471FB9684}" srcOrd="5" destOrd="0" presId="urn:microsoft.com/office/officeart/2005/8/layout/vProcess5"/>
-    <dgm:cxn modelId="{664F9E34-5E8C-4C42-BD1B-570FEC3FFCA6}" type="presParOf" srcId="{DAE7AB72-7692-E34B-8E71-CFFBD3DE9881}" destId="{B0388D05-54B5-FE44-9375-47C1B3E127BA}" srcOrd="6" destOrd="0" presId="urn:microsoft.com/office/officeart/2005/8/layout/vProcess5"/>
-    <dgm:cxn modelId="{BBA5DCD5-C90A-5147-B560-28F9227F01AC}" type="presParOf" srcId="{DAE7AB72-7692-E34B-8E71-CFFBD3DE9881}" destId="{89E79A14-C6F5-2B4B-B03B-720B6429821B}" srcOrd="7" destOrd="0" presId="urn:microsoft.com/office/officeart/2005/8/layout/vProcess5"/>
-    <dgm:cxn modelId="{0ABDA7D0-9F97-9646-B0F0-FA25D8FD785C}" type="presParOf" srcId="{DAE7AB72-7692-E34B-8E71-CFFBD3DE9881}" destId="{6CB7D3DF-ED30-C744-8EF9-574F4A7A0C95}" srcOrd="8" destOrd="0" presId="urn:microsoft.com/office/officeart/2005/8/layout/vProcess5"/>
-    <dgm:cxn modelId="{96D0D7D2-0666-3140-8994-5A8E04FFA77C}" type="presParOf" srcId="{DAE7AB72-7692-E34B-8E71-CFFBD3DE9881}" destId="{F41A6DE8-C852-9946-B7D5-255DFED1346B}" srcOrd="9" destOrd="0" presId="urn:microsoft.com/office/officeart/2005/8/layout/vProcess5"/>
-    <dgm:cxn modelId="{2B94FEED-FCD8-C242-B568-60B45E7ED56F}" type="presParOf" srcId="{DAE7AB72-7692-E34B-8E71-CFFBD3DE9881}" destId="{4E617FCE-C8A4-3A48-9960-D925CA6D6642}" srcOrd="10" destOrd="0" presId="urn:microsoft.com/office/officeart/2005/8/layout/vProcess5"/>
-    <dgm:cxn modelId="{CAD611AE-5129-2A4E-B81C-2F400C28DFDC}" type="presParOf" srcId="{DAE7AB72-7692-E34B-8E71-CFFBD3DE9881}" destId="{065CD4BF-3226-6041-8F99-521244E2656D}" srcOrd="11" destOrd="0" presId="urn:microsoft.com/office/officeart/2005/8/layout/vProcess5"/>
-    <dgm:cxn modelId="{7393BA6F-B87E-CC4A-8CEE-A2253E71CB56}" type="presParOf" srcId="{DAE7AB72-7692-E34B-8E71-CFFBD3DE9881}" destId="{AB4DD0E2-E585-E343-A73F-76A42BD07070}" srcOrd="12" destOrd="0" presId="urn:microsoft.com/office/officeart/2005/8/layout/vProcess5"/>
-    <dgm:cxn modelId="{875038A5-C466-FE42-B39E-6C07FF472636}" type="presParOf" srcId="{DAE7AB72-7692-E34B-8E71-CFFBD3DE9881}" destId="{57F33C53-F4CB-4141-9955-E84DF368F4BE}" srcOrd="13" destOrd="0" presId="urn:microsoft.com/office/officeart/2005/8/layout/vProcess5"/>
-    <dgm:cxn modelId="{CD7A7274-9F2A-1E4F-BCD9-32C180DF632F}" type="presParOf" srcId="{DAE7AB72-7692-E34B-8E71-CFFBD3DE9881}" destId="{A4D1B772-93AE-AD45-AF53-DB550F36D8AA}" srcOrd="14" destOrd="0" presId="urn:microsoft.com/office/officeart/2005/8/layout/vProcess5"/>
+    <dgm:cxn modelId="{6C5807B3-295D-0044-89FB-1A4CACCE0D2D}" type="presParOf" srcId="{DAE7AB72-7692-E34B-8E71-CFFBD3DE9881}" destId="{236C09B4-12DB-D845-BBAA-F5C88BBCB65D}" srcOrd="1" destOrd="0" presId="urn:microsoft.com/office/officeart/2005/8/layout/vProcess5"/>
+    <dgm:cxn modelId="{1B64969D-2CEE-FD48-AE76-7E401F96A6FA}" type="presParOf" srcId="{DAE7AB72-7692-E34B-8E71-CFFBD3DE9881}" destId="{CD607992-CE5A-FF4C-8C85-39698BECE336}" srcOrd="2" destOrd="0" presId="urn:microsoft.com/office/officeart/2005/8/layout/vProcess5"/>
+    <dgm:cxn modelId="{25791706-A3AC-DA49-9ED9-3A4936233CFD}" type="presParOf" srcId="{DAE7AB72-7692-E34B-8E71-CFFBD3DE9881}" destId="{9D6494C2-40E9-1B47-8B9A-BB85D9560F0F}" srcOrd="3" destOrd="0" presId="urn:microsoft.com/office/officeart/2005/8/layout/vProcess5"/>
+    <dgm:cxn modelId="{C451275D-54AB-AC4D-BEA1-924BA7687EF7}" type="presParOf" srcId="{DAE7AB72-7692-E34B-8E71-CFFBD3DE9881}" destId="{7D1AED19-E9A5-C941-BD86-E937A7A31B8F}" srcOrd="4" destOrd="0" presId="urn:microsoft.com/office/officeart/2005/8/layout/vProcess5"/>
+    <dgm:cxn modelId="{88B6BCB5-7F71-DB40-9012-4762D8FF1E96}" type="presParOf" srcId="{DAE7AB72-7692-E34B-8E71-CFFBD3DE9881}" destId="{F735CAE4-F68C-9A46-AA22-0D931832B3A9}" srcOrd="5" destOrd="0" presId="urn:microsoft.com/office/officeart/2005/8/layout/vProcess5"/>
+    <dgm:cxn modelId="{871F9FC6-1AFC-1340-A689-9DE8664F6B1C}" type="presParOf" srcId="{DAE7AB72-7692-E34B-8E71-CFFBD3DE9881}" destId="{9F78ED61-4598-7C4F-93CE-17B6EDAFF535}" srcOrd="6" destOrd="0" presId="urn:microsoft.com/office/officeart/2005/8/layout/vProcess5"/>
+    <dgm:cxn modelId="{B46B8705-6136-F943-B04E-620F4BEDFD94}" type="presParOf" srcId="{DAE7AB72-7692-E34B-8E71-CFFBD3DE9881}" destId="{8D60323C-7388-4947-B343-916D8524970D}" srcOrd="7" destOrd="0" presId="urn:microsoft.com/office/officeart/2005/8/layout/vProcess5"/>
+    <dgm:cxn modelId="{6BCEADBB-0784-5546-97C0-86056958F5AE}" type="presParOf" srcId="{DAE7AB72-7692-E34B-8E71-CFFBD3DE9881}" destId="{1D6B94D4-A3EB-CE40-938F-A5E0760C190D}" srcOrd="8" destOrd="0" presId="urn:microsoft.com/office/officeart/2005/8/layout/vProcess5"/>
   </dgm:cxnLst>
   <dgm:bg/>
   <dgm:whole/>
@@ -1639,7 +1292,7 @@
       <dsp:cNvGrpSpPr/>
     </dsp:nvGrpSpPr>
     <dsp:grpSpPr/>
-    <dsp:sp modelId="{C4563D0E-4158-8F43-A060-BFDF6D85E8E3}">
+    <dsp:sp modelId="{236C09B4-12DB-D845-BBAA-F5C88BBCB65D}">
       <dsp:nvSpPr>
         <dsp:cNvPr id="0" name=""/>
         <dsp:cNvSpPr/>
@@ -1647,7 +1300,7 @@
       <dsp:spPr>
         <a:xfrm>
           <a:off x="0" y="0"/>
-          <a:ext cx="8642486" cy="790403"/>
+          <a:ext cx="7542225" cy="1130460"/>
         </a:xfrm>
         <a:prstGeom prst="roundRect">
           <a:avLst>
@@ -1691,12 +1344,12 @@
         </a:fontRef>
       </dsp:style>
       <dsp:txBody>
-        <a:bodyPr spcFirstLastPara="0" vert="horz" wrap="square" lIns="83820" tIns="83820" rIns="83820" bIns="83820" numCol="1" spcCol="1270" anchor="ctr" anchorCtr="0">
+        <a:bodyPr spcFirstLastPara="0" vert="horz" wrap="square" lIns="91440" tIns="91440" rIns="91440" bIns="91440" numCol="1" spcCol="1270" anchor="ctr" anchorCtr="0">
           <a:noAutofit/>
         </a:bodyPr>
         <a:lstStyle/>
         <a:p>
-          <a:pPr marL="0" lvl="0" indent="0" algn="ctr" defTabSz="977900">
+          <a:pPr marL="0" lvl="0" indent="0" algn="ctr" defTabSz="1066800">
             <a:lnSpc>
               <a:spcPct val="90000"/>
             </a:lnSpc>
@@ -1709,179 +1362,39 @@
             <a:buNone/>
           </a:pPr>
           <a:r>
-            <a:rPr lang="zh-HK" altLang="en-US" sz="2200" kern="1200" dirty="0">
+            <a:rPr lang="ja-JP" altLang="en-US" sz="2400" kern="1200">
               <a:latin typeface="Meiryo UI" panose="020B0604030504040204" pitchFamily="34" charset="-128"/>
               <a:ea typeface="Meiryo UI" panose="020B0604030504040204" pitchFamily="34" charset="-128"/>
             </a:rPr>
-            <a:t>ブロックチェーン</a:t>
+            <a:t>　　　</a:t>
           </a:r>
           <a:r>
-            <a:rPr lang="ja-JP" altLang="en-US" sz="2200" kern="1200">
+            <a:rPr lang="zh-HK" altLang="en-US" sz="2400" kern="1200" dirty="0">
               <a:latin typeface="Meiryo UI" panose="020B0604030504040204" pitchFamily="34" charset="-128"/>
               <a:ea typeface="Meiryo UI" panose="020B0604030504040204" pitchFamily="34" charset="-128"/>
             </a:rPr>
-            <a:t>を</a:t>
+            <a:t>テーマの範囲を決める</a:t>
           </a:r>
-          <a:r>
-            <a:rPr lang="zh-HK" altLang="en-US" sz="2200" kern="1200" dirty="0">
-              <a:latin typeface="Meiryo UI" panose="020B0604030504040204" pitchFamily="34" charset="-128"/>
-              <a:ea typeface="Meiryo UI" panose="020B0604030504040204" pitchFamily="34" charset="-128"/>
-            </a:rPr>
-            <a:t>学習し、分析して</a:t>
-          </a:r>
-          <a:r>
-            <a:rPr lang="zh-TW" altLang="en-US" sz="2200" kern="1200" dirty="0">
-              <a:latin typeface="Meiryo UI" panose="020B0604030504040204" pitchFamily="34" charset="-128"/>
-              <a:ea typeface="Meiryo UI" panose="020B0604030504040204" pitchFamily="34" charset="-128"/>
-            </a:rPr>
-            <a:t>絞</a:t>
-          </a:r>
-          <a:r>
-            <a:rPr lang="ja-JP" altLang="en-US" sz="2200" kern="1200">
-              <a:latin typeface="Meiryo UI" panose="020B0604030504040204" pitchFamily="34" charset="-128"/>
-              <a:ea typeface="Meiryo UI" panose="020B0604030504040204" pitchFamily="34" charset="-128"/>
-            </a:rPr>
-            <a:t>り</a:t>
-          </a:r>
-          <a:r>
-            <a:rPr lang="zh-TW" altLang="en-US" sz="2200" kern="1200" dirty="0">
-              <a:latin typeface="Meiryo UI" panose="020B0604030504040204" pitchFamily="34" charset="-128"/>
-              <a:ea typeface="Meiryo UI" panose="020B0604030504040204" pitchFamily="34" charset="-128"/>
-            </a:rPr>
-            <a:t>込</a:t>
-          </a:r>
-          <a:r>
-            <a:rPr lang="zh-HK" altLang="en-US" sz="2200" kern="1200" dirty="0">
-              <a:latin typeface="Meiryo UI" panose="020B0604030504040204" pitchFamily="34" charset="-128"/>
-              <a:ea typeface="Meiryo UI" panose="020B0604030504040204" pitchFamily="34" charset="-128"/>
-            </a:rPr>
-            <a:t>んで＠</a:t>
-          </a:r>
-          <a:r>
-            <a:rPr lang="en-US" altLang="zh-HK" sz="2200" kern="1200" dirty="0">
-              <a:latin typeface="Meiryo UI" panose="020B0604030504040204" pitchFamily="34" charset="-128"/>
-              <a:ea typeface="Meiryo UI" panose="020B0604030504040204" pitchFamily="34" charset="-128"/>
-            </a:rPr>
-            <a:t>1−</a:t>
-          </a:r>
-          <a:r>
-            <a:rPr lang="zh-HK" altLang="en-US" sz="2200" kern="1200" dirty="0">
-              <a:latin typeface="Meiryo UI" panose="020B0604030504040204" pitchFamily="34" charset="-128"/>
-              <a:ea typeface="Meiryo UI" panose="020B0604030504040204" pitchFamily="34" charset="-128"/>
-            </a:rPr>
-            <a:t>３</a:t>
-          </a:r>
-          <a:endParaRPr lang="zh-TW" altLang="en-US" sz="2200" kern="1200" dirty="0"/>
+          <a:endParaRPr lang="zh-TW" altLang="en-US" sz="2400" kern="1200" dirty="0">
+            <a:latin typeface="Meiryo UI" panose="020B0604030504040204" pitchFamily="34" charset="-128"/>
+            <a:ea typeface="Meiryo UI" panose="020B0604030504040204" pitchFamily="34" charset="-128"/>
+          </a:endParaRPr>
         </a:p>
       </dsp:txBody>
       <dsp:txXfrm>
-        <a:off x="23150" y="23150"/>
-        <a:ext cx="7697103" cy="744103"/>
+        <a:off x="33110" y="33110"/>
+        <a:ext cx="6322369" cy="1064240"/>
       </dsp:txXfrm>
     </dsp:sp>
-    <dsp:sp modelId="{374E5E08-6AF1-2340-A7B2-A1ED59DEA5B1}">
+    <dsp:sp modelId="{CD607992-CE5A-FF4C-8C85-39698BECE336}">
       <dsp:nvSpPr>
         <dsp:cNvPr id="0" name=""/>
         <dsp:cNvSpPr/>
       </dsp:nvSpPr>
       <dsp:spPr>
         <a:xfrm>
-          <a:off x="645380" y="900181"/>
-          <a:ext cx="8642486" cy="790403"/>
-        </a:xfrm>
-        <a:prstGeom prst="roundRect">
-          <a:avLst>
-            <a:gd name="adj" fmla="val 10000"/>
-          </a:avLst>
-        </a:prstGeom>
-        <a:solidFill>
-          <a:schemeClr val="accent1">
-            <a:alpha val="90000"/>
-            <a:hueOff val="0"/>
-            <a:satOff val="0"/>
-            <a:lumOff val="0"/>
-            <a:alphaOff val="-10000"/>
-          </a:schemeClr>
-        </a:solidFill>
-        <a:ln w="19050" cap="rnd" cmpd="sng" algn="ctr">
-          <a:solidFill>
-            <a:schemeClr val="lt1">
-              <a:hueOff val="0"/>
-              <a:satOff val="0"/>
-              <a:lumOff val="0"/>
-              <a:alphaOff val="0"/>
-            </a:schemeClr>
-          </a:solidFill>
-          <a:prstDash val="solid"/>
-        </a:ln>
-        <a:effectLst/>
-      </dsp:spPr>
-      <dsp:style>
-        <a:lnRef idx="2">
-          <a:scrgbClr r="0" g="0" b="0"/>
-        </a:lnRef>
-        <a:fillRef idx="1">
-          <a:scrgbClr r="0" g="0" b="0"/>
-        </a:fillRef>
-        <a:effectRef idx="0">
-          <a:scrgbClr r="0" g="0" b="0"/>
-        </a:effectRef>
-        <a:fontRef idx="minor">
-          <a:schemeClr val="lt1"/>
-        </a:fontRef>
-      </dsp:style>
-      <dsp:txBody>
-        <a:bodyPr spcFirstLastPara="0" vert="horz" wrap="square" lIns="83820" tIns="83820" rIns="83820" bIns="83820" numCol="1" spcCol="1270" anchor="ctr" anchorCtr="0">
-          <a:noAutofit/>
-        </a:bodyPr>
-        <a:lstStyle/>
-        <a:p>
-          <a:pPr marL="0" lvl="0" indent="0" algn="ctr" defTabSz="977900">
-            <a:lnSpc>
-              <a:spcPct val="90000"/>
-            </a:lnSpc>
-            <a:spcBef>
-              <a:spcPct val="0"/>
-            </a:spcBef>
-            <a:spcAft>
-              <a:spcPct val="35000"/>
-            </a:spcAft>
-            <a:buNone/>
-          </a:pPr>
-          <a:r>
-            <a:rPr lang="ja-JP" altLang="en-US" sz="2200" b="0" i="0" kern="1200">
-              <a:latin typeface="Meiryo UI" panose="020B0604030504040204" pitchFamily="34" charset="-128"/>
-              <a:ea typeface="Meiryo UI" panose="020B0604030504040204" pitchFamily="34" charset="-128"/>
-            </a:rPr>
-            <a:t>スマートコントラクトの</a:t>
-          </a:r>
-          <a:r>
-            <a:rPr lang="zh-HK" altLang="en-US" sz="2200" b="0" i="0" kern="1200" dirty="0">
-              <a:latin typeface="Meiryo UI" panose="020B0604030504040204" pitchFamily="34" charset="-128"/>
-              <a:ea typeface="Meiryo UI" panose="020B0604030504040204" pitchFamily="34" charset="-128"/>
-            </a:rPr>
-            <a:t>脆弱性に集中</a:t>
-          </a:r>
-          <a:endParaRPr lang="zh-TW" altLang="en-US" sz="2200" kern="1200" dirty="0">
-            <a:latin typeface="Meiryo UI" panose="020B0604030504040204" pitchFamily="34" charset="-128"/>
-            <a:ea typeface="Meiryo UI" panose="020B0604030504040204" pitchFamily="34" charset="-128"/>
-          </a:endParaRPr>
-        </a:p>
-      </dsp:txBody>
-      <dsp:txXfrm>
-        <a:off x="668530" y="923331"/>
-        <a:ext cx="7437044" cy="744103"/>
-      </dsp:txXfrm>
-    </dsp:sp>
-    <dsp:sp modelId="{D1E0279E-0B7D-4A46-915D-58A666877C65}">
-      <dsp:nvSpPr>
-        <dsp:cNvPr id="0" name=""/>
-        <dsp:cNvSpPr/>
-      </dsp:nvSpPr>
-      <dsp:spPr>
-        <a:xfrm>
-          <a:off x="1290761" y="1800363"/>
-          <a:ext cx="8642486" cy="790403"/>
+          <a:off x="665490" y="1318871"/>
+          <a:ext cx="7542225" cy="1130460"/>
         </a:xfrm>
         <a:prstGeom prst="roundRect">
           <a:avLst>
@@ -1925,12 +1438,12 @@
         </a:fontRef>
       </dsp:style>
       <dsp:txBody>
-        <a:bodyPr spcFirstLastPara="0" vert="horz" wrap="square" lIns="76200" tIns="76200" rIns="76200" bIns="76200" numCol="1" spcCol="1270" anchor="ctr" anchorCtr="0">
+        <a:bodyPr spcFirstLastPara="0" vert="horz" wrap="square" lIns="91440" tIns="91440" rIns="91440" bIns="91440" numCol="1" spcCol="1270" anchor="ctr" anchorCtr="0">
           <a:noAutofit/>
         </a:bodyPr>
         <a:lstStyle/>
         <a:p>
-          <a:pPr marL="0" lvl="0" indent="0" algn="ctr" defTabSz="889000">
+          <a:pPr marL="0" lvl="0" indent="0" algn="ctr" defTabSz="1066800">
             <a:lnSpc>
               <a:spcPct val="90000"/>
             </a:lnSpc>
@@ -1943,276 +1456,39 @@
             <a:buNone/>
           </a:pPr>
           <a:r>
-            <a:rPr lang="zh-HK" altLang="en-US" sz="2000" b="0" i="0" kern="1200" dirty="0">
+            <a:rPr lang="ja-JP" altLang="en-US" sz="2400" kern="1200">
               <a:latin typeface="Meiryo UI" panose="020B0604030504040204" pitchFamily="34" charset="-128"/>
               <a:ea typeface="Meiryo UI" panose="020B0604030504040204" pitchFamily="34" charset="-128"/>
             </a:rPr>
-            <a:t>論文で資料</a:t>
+            <a:t>　　　</a:t>
           </a:r>
           <a:r>
-            <a:rPr lang="ja-JP" altLang="en-US" sz="2000" b="0" i="0" kern="1200">
+            <a:rPr lang="zh-HK" altLang="en-US" sz="2400" kern="1200" dirty="0">
               <a:latin typeface="Meiryo UI" panose="020B0604030504040204" pitchFamily="34" charset="-128"/>
               <a:ea typeface="Meiryo UI" panose="020B0604030504040204" pitchFamily="34" charset="-128"/>
             </a:rPr>
-            <a:t>を</a:t>
+            <a:t>前回の研究コードを整理</a:t>
           </a:r>
-          <a:r>
-            <a:rPr lang="zh-HK" altLang="en-US" sz="2000" b="0" i="0" kern="1200" dirty="0">
-              <a:latin typeface="Meiryo UI" panose="020B0604030504040204" pitchFamily="34" charset="-128"/>
-              <a:ea typeface="Meiryo UI" panose="020B0604030504040204" pitchFamily="34" charset="-128"/>
-            </a:rPr>
-            <a:t>確保</a:t>
-          </a:r>
-          <a:r>
-            <a:rPr lang="ja-JP" altLang="en-US" sz="2000" b="0" i="0" kern="1200">
-              <a:latin typeface="Meiryo UI" panose="020B0604030504040204" pitchFamily="34" charset="-128"/>
-              <a:ea typeface="Meiryo UI" panose="020B0604030504040204" pitchFamily="34" charset="-128"/>
-            </a:rPr>
-            <a:t>できるためにドメイン</a:t>
-          </a:r>
-          <a:r>
-            <a:rPr lang="zh-TW" altLang="en-US" sz="2000" b="0" i="0" kern="1200" dirty="0">
-              <a:latin typeface="Meiryo UI" panose="020B0604030504040204" pitchFamily="34" charset="-128"/>
-              <a:ea typeface="Meiryo UI" panose="020B0604030504040204" pitchFamily="34" charset="-128"/>
-            </a:rPr>
-            <a:t>固有言語</a:t>
-          </a:r>
-          <a:r>
-            <a:rPr lang="en-US" altLang="zh-TW" sz="2000" b="0" i="0" kern="1200" dirty="0">
-              <a:latin typeface="Meiryo UI" panose="020B0604030504040204" pitchFamily="34" charset="-128"/>
-              <a:ea typeface="Meiryo UI" panose="020B0604030504040204" pitchFamily="34" charset="-128"/>
-            </a:rPr>
-            <a:t>(</a:t>
-          </a:r>
-          <a:r>
-            <a:rPr lang="en-US" sz="2000" b="0" i="0" kern="1200" dirty="0">
-              <a:latin typeface="Meiryo UI" panose="020B0604030504040204" pitchFamily="34" charset="-128"/>
-              <a:ea typeface="Meiryo UI" panose="020B0604030504040204" pitchFamily="34" charset="-128"/>
-            </a:rPr>
-            <a:t>DSL</a:t>
-          </a:r>
-          <a:r>
-            <a:rPr lang="en-US" altLang="zh-TW" sz="2000" b="0" i="0" kern="1200" dirty="0">
-              <a:latin typeface="Meiryo UI" panose="020B0604030504040204" pitchFamily="34" charset="-128"/>
-              <a:ea typeface="Meiryo UI" panose="020B0604030504040204" pitchFamily="34" charset="-128"/>
-            </a:rPr>
-            <a:t>)</a:t>
-          </a:r>
-          <a:r>
-            <a:rPr lang="ja-JP" altLang="en-US" sz="2000" b="0" i="0" kern="1200">
-              <a:latin typeface="Meiryo UI" panose="020B0604030504040204" pitchFamily="34" charset="-128"/>
-              <a:ea typeface="Meiryo UI" panose="020B0604030504040204" pitchFamily="34" charset="-128"/>
-            </a:rPr>
-            <a:t>という</a:t>
-          </a:r>
-          <a:r>
-            <a:rPr lang="zh-HK" altLang="en-US" sz="2000" b="0" i="0" kern="1200" dirty="0">
-              <a:latin typeface="Meiryo UI" panose="020B0604030504040204" pitchFamily="34" charset="-128"/>
-              <a:ea typeface="Meiryo UI" panose="020B0604030504040204" pitchFamily="34" charset="-128"/>
-            </a:rPr>
-            <a:t>意見＠４</a:t>
-          </a:r>
-          <a:br>
-            <a:rPr lang="en-US" altLang="zh-HK" sz="2000" b="0" i="0" kern="1200" dirty="0">
-              <a:latin typeface="Meiryo UI" panose="020B0604030504040204" pitchFamily="34" charset="-128"/>
-              <a:ea typeface="Meiryo UI" panose="020B0604030504040204" pitchFamily="34" charset="-128"/>
-            </a:rPr>
-          </a:br>
-          <a:r>
-            <a:rPr lang="en-US" altLang="zh-HK" sz="2000" b="0" i="0" kern="1200" dirty="0">
-              <a:latin typeface="Meiryo UI" panose="020B0604030504040204" pitchFamily="34" charset="-128"/>
-              <a:ea typeface="Meiryo UI" panose="020B0604030504040204" pitchFamily="34" charset="-128"/>
-            </a:rPr>
-            <a:t>DSL</a:t>
-          </a:r>
-          <a:r>
-            <a:rPr lang="zh-HK" altLang="en-US" sz="2000" b="0" i="0" kern="1200" dirty="0">
-              <a:latin typeface="Meiryo UI" panose="020B0604030504040204" pitchFamily="34" charset="-128"/>
-              <a:ea typeface="Meiryo UI" panose="020B0604030504040204" pitchFamily="34" charset="-128"/>
-            </a:rPr>
-            <a:t>の例：</a:t>
-          </a:r>
-          <a:r>
-            <a:rPr lang="en-US" altLang="zh-HK" sz="2000" b="0" i="0" kern="1200" dirty="0">
-              <a:latin typeface="Meiryo UI" panose="020B0604030504040204" pitchFamily="34" charset="-128"/>
-              <a:ea typeface="Meiryo UI" panose="020B0604030504040204" pitchFamily="34" charset="-128"/>
-            </a:rPr>
-            <a:t>HTML</a:t>
-          </a:r>
-          <a:r>
-            <a:rPr lang="zh-HK" altLang="en-US" sz="2000" b="0" i="0" kern="1200" dirty="0">
-              <a:latin typeface="Meiryo UI" panose="020B0604030504040204" pitchFamily="34" charset="-128"/>
-              <a:ea typeface="Meiryo UI" panose="020B0604030504040204" pitchFamily="34" charset="-128"/>
-            </a:rPr>
-            <a:t>，</a:t>
-          </a:r>
-          <a:r>
-            <a:rPr lang="en-US" altLang="zh-HK" sz="2000" b="0" i="0" kern="1200" dirty="0">
-              <a:latin typeface="Meiryo UI" panose="020B0604030504040204" pitchFamily="34" charset="-128"/>
-              <a:ea typeface="Meiryo UI" panose="020B0604030504040204" pitchFamily="34" charset="-128"/>
-            </a:rPr>
-            <a:t>CSS</a:t>
-          </a:r>
-          <a:r>
-            <a:rPr lang="zh-HK" altLang="en-US" sz="2000" b="0" i="0" kern="1200" dirty="0">
-              <a:latin typeface="Meiryo UI" panose="020B0604030504040204" pitchFamily="34" charset="-128"/>
-              <a:ea typeface="Meiryo UI" panose="020B0604030504040204" pitchFamily="34" charset="-128"/>
-            </a:rPr>
-            <a:t>，</a:t>
-          </a:r>
-          <a:r>
-            <a:rPr lang="en-US" altLang="zh-HK" sz="2000" b="0" i="0" kern="1200" dirty="0">
-              <a:latin typeface="Meiryo UI" panose="020B0604030504040204" pitchFamily="34" charset="-128"/>
-              <a:ea typeface="Meiryo UI" panose="020B0604030504040204" pitchFamily="34" charset="-128"/>
-            </a:rPr>
-            <a:t>SVG</a:t>
-          </a:r>
-          <a:r>
-            <a:rPr lang="zh-HK" altLang="en-US" sz="2000" b="0" i="0" kern="1200" dirty="0">
-              <a:latin typeface="Meiryo UI" panose="020B0604030504040204" pitchFamily="34" charset="-128"/>
-              <a:ea typeface="Meiryo UI" panose="020B0604030504040204" pitchFamily="34" charset="-128"/>
-            </a:rPr>
-            <a:t>，</a:t>
-          </a:r>
-          <a:r>
-            <a:rPr lang="en-US" altLang="en-US" sz="2000" b="0" i="0" kern="1200" dirty="0">
-              <a:latin typeface="Meiryo UI" panose="020B0604030504040204" pitchFamily="34" charset="-128"/>
-              <a:ea typeface="Meiryo UI" panose="020B0604030504040204" pitchFamily="34" charset="-128"/>
-            </a:rPr>
-            <a:t>Unity Script</a:t>
-          </a:r>
-          <a:endParaRPr lang="zh-TW" altLang="en-US" sz="2000" kern="1200" dirty="0">
+          <a:endParaRPr lang="zh-TW" altLang="en-US" sz="2400" kern="1200" dirty="0">
             <a:latin typeface="Meiryo UI" panose="020B0604030504040204" pitchFamily="34" charset="-128"/>
             <a:ea typeface="Meiryo UI" panose="020B0604030504040204" pitchFamily="34" charset="-128"/>
           </a:endParaRPr>
         </a:p>
       </dsp:txBody>
       <dsp:txXfrm>
-        <a:off x="1313911" y="1823513"/>
-        <a:ext cx="7437044" cy="744103"/>
+        <a:off x="698600" y="1351981"/>
+        <a:ext cx="6075715" cy="1064240"/>
       </dsp:txXfrm>
     </dsp:sp>
-    <dsp:sp modelId="{BBBCF3DB-D71D-344A-984D-4735EDA8F9D5}">
+    <dsp:sp modelId="{9D6494C2-40E9-1B47-8B9A-BB85D9560F0F}">
       <dsp:nvSpPr>
         <dsp:cNvPr id="0" name=""/>
         <dsp:cNvSpPr/>
       </dsp:nvSpPr>
       <dsp:spPr>
         <a:xfrm>
-          <a:off x="1936141" y="2700544"/>
-          <a:ext cx="8642486" cy="790403"/>
-        </a:xfrm>
-        <a:prstGeom prst="roundRect">
-          <a:avLst>
-            <a:gd name="adj" fmla="val 10000"/>
-          </a:avLst>
-        </a:prstGeom>
-        <a:solidFill>
-          <a:schemeClr val="accent1">
-            <a:alpha val="90000"/>
-            <a:hueOff val="0"/>
-            <a:satOff val="0"/>
-            <a:lumOff val="0"/>
-            <a:alphaOff val="-30000"/>
-          </a:schemeClr>
-        </a:solidFill>
-        <a:ln w="19050" cap="rnd" cmpd="sng" algn="ctr">
-          <a:solidFill>
-            <a:schemeClr val="lt1">
-              <a:hueOff val="0"/>
-              <a:satOff val="0"/>
-              <a:lumOff val="0"/>
-              <a:alphaOff val="0"/>
-            </a:schemeClr>
-          </a:solidFill>
-          <a:prstDash val="solid"/>
-        </a:ln>
-        <a:effectLst/>
-      </dsp:spPr>
-      <dsp:style>
-        <a:lnRef idx="2">
-          <a:scrgbClr r="0" g="0" b="0"/>
-        </a:lnRef>
-        <a:fillRef idx="1">
-          <a:scrgbClr r="0" g="0" b="0"/>
-        </a:fillRef>
-        <a:effectRef idx="0">
-          <a:scrgbClr r="0" g="0" b="0"/>
-        </a:effectRef>
-        <a:fontRef idx="minor">
-          <a:schemeClr val="lt1"/>
-        </a:fontRef>
-      </dsp:style>
-      <dsp:txBody>
-        <a:bodyPr spcFirstLastPara="0" vert="horz" wrap="square" lIns="83820" tIns="83820" rIns="83820" bIns="83820" numCol="1" spcCol="1270" anchor="ctr" anchorCtr="0">
-          <a:noAutofit/>
-        </a:bodyPr>
-        <a:lstStyle/>
-        <a:p>
-          <a:pPr marL="0" lvl="0" indent="0" algn="ctr" defTabSz="977900">
-            <a:lnSpc>
-              <a:spcPct val="90000"/>
-            </a:lnSpc>
-            <a:spcBef>
-              <a:spcPct val="0"/>
-            </a:spcBef>
-            <a:spcAft>
-              <a:spcPct val="35000"/>
-            </a:spcAft>
-            <a:buNone/>
-          </a:pPr>
-          <a:r>
-            <a:rPr lang="zh-HK" altLang="en-US" sz="2200" b="0" i="0" kern="1200" dirty="0">
-              <a:latin typeface="Meiryo UI" panose="020B0604030504040204" pitchFamily="34" charset="-128"/>
-              <a:ea typeface="Meiryo UI" panose="020B0604030504040204" pitchFamily="34" charset="-128"/>
-            </a:rPr>
-            <a:t>現在</a:t>
-          </a:r>
-          <a:r>
-            <a:rPr lang="ja-JP" altLang="en-US" sz="2200" b="0" i="0" kern="1200">
-              <a:latin typeface="Meiryo UI" panose="020B0604030504040204" pitchFamily="34" charset="-128"/>
-              <a:ea typeface="Meiryo UI" panose="020B0604030504040204" pitchFamily="34" charset="-128"/>
-            </a:rPr>
-            <a:t>である</a:t>
-          </a:r>
-          <a:r>
-            <a:rPr lang="en-US" sz="2200" b="0" i="0" kern="1200" dirty="0">
-              <a:latin typeface="Meiryo UI" panose="020B0604030504040204" pitchFamily="34" charset="-128"/>
-              <a:ea typeface="Meiryo UI" panose="020B0604030504040204" pitchFamily="34" charset="-128"/>
-            </a:rPr>
-            <a:t>NFT</a:t>
-          </a:r>
-          <a:r>
-            <a:rPr lang="ja-JP" altLang="en-US" sz="2200" b="0" i="0" kern="1200">
-              <a:latin typeface="Meiryo UI" panose="020B0604030504040204" pitchFamily="34" charset="-128"/>
-              <a:ea typeface="Meiryo UI" panose="020B0604030504040204" pitchFamily="34" charset="-128"/>
-            </a:rPr>
-            <a:t>のコードがあるサイトに</a:t>
-          </a:r>
-          <a:r>
-            <a:rPr lang="zh-HK" altLang="en-US" sz="2200" b="0" i="0" kern="1200" dirty="0">
-              <a:latin typeface="Meiryo UI" panose="020B0604030504040204" pitchFamily="34" charset="-128"/>
-              <a:ea typeface="Meiryo UI" panose="020B0604030504040204" pitchFamily="34" charset="-128"/>
-            </a:rPr>
-            <a:t>参考＠５</a:t>
-          </a:r>
-          <a:endParaRPr lang="zh-TW" altLang="en-US" sz="2200" kern="1200" dirty="0"/>
-        </a:p>
-      </dsp:txBody>
-      <dsp:txXfrm>
-        <a:off x="1959291" y="2723694"/>
-        <a:ext cx="7437044" cy="744103"/>
-      </dsp:txXfrm>
-    </dsp:sp>
-    <dsp:sp modelId="{D276763F-24E8-9546-9981-DD4471FB9684}">
-      <dsp:nvSpPr>
-        <dsp:cNvPr id="0" name=""/>
-        <dsp:cNvSpPr/>
-      </dsp:nvSpPr>
-      <dsp:spPr>
-        <a:xfrm>
-          <a:off x="2581522" y="3600726"/>
-          <a:ext cx="8642486" cy="790403"/>
+          <a:off x="1330980" y="2637742"/>
+          <a:ext cx="7542225" cy="1130460"/>
         </a:xfrm>
         <a:prstGeom prst="roundRect">
           <a:avLst>
@@ -2256,12 +1532,12 @@
         </a:fontRef>
       </dsp:style>
       <dsp:txBody>
-        <a:bodyPr spcFirstLastPara="0" vert="horz" wrap="square" lIns="83820" tIns="83820" rIns="83820" bIns="83820" numCol="1" spcCol="1270" anchor="ctr" anchorCtr="0">
+        <a:bodyPr spcFirstLastPara="0" vert="horz" wrap="square" lIns="91440" tIns="91440" rIns="91440" bIns="91440" numCol="1" spcCol="1270" anchor="ctr" anchorCtr="0">
           <a:noAutofit/>
         </a:bodyPr>
         <a:lstStyle/>
         <a:p>
-          <a:pPr marL="0" lvl="0" indent="0" algn="ctr" defTabSz="977900">
+          <a:pPr marL="0" lvl="0" indent="0" algn="ctr" defTabSz="1066800">
             <a:lnSpc>
               <a:spcPct val="90000"/>
             </a:lnSpc>
@@ -2274,36 +1550,39 @@
             <a:buNone/>
           </a:pPr>
           <a:r>
-            <a:rPr kumimoji="1" lang="en-US" altLang="zh-HK" sz="2200" kern="1200" dirty="0">
+            <a:rPr lang="ja-JP" altLang="en-US" sz="2400" kern="1200">
               <a:latin typeface="Meiryo UI" panose="020B0604030504040204" pitchFamily="34" charset="-128"/>
               <a:ea typeface="Meiryo UI" panose="020B0604030504040204" pitchFamily="34" charset="-128"/>
             </a:rPr>
-            <a:t>Golang</a:t>
+            <a:t>　　　　　</a:t>
           </a:r>
           <a:r>
-            <a:rPr kumimoji="1" lang="zh-HK" altLang="en-US" sz="2200" kern="1200" dirty="0">
+            <a:rPr lang="zh-HK" altLang="en-US" sz="2400" kern="1200" dirty="0">
               <a:latin typeface="Meiryo UI" panose="020B0604030504040204" pitchFamily="34" charset="-128"/>
               <a:ea typeface="Meiryo UI" panose="020B0604030504040204" pitchFamily="34" charset="-128"/>
             </a:rPr>
-            <a:t>でブロックチェーンの基本コードを学習＠６</a:t>
+            <a:t>ハッシュンのコードと監視のツールを調べる</a:t>
           </a:r>
-          <a:endParaRPr lang="zh-TW" altLang="en-US" sz="2200" kern="1200" dirty="0"/>
+          <a:endParaRPr lang="zh-TW" altLang="en-US" sz="2400" kern="1200" dirty="0">
+            <a:latin typeface="Meiryo UI" panose="020B0604030504040204" pitchFamily="34" charset="-128"/>
+            <a:ea typeface="Meiryo UI" panose="020B0604030504040204" pitchFamily="34" charset="-128"/>
+          </a:endParaRPr>
         </a:p>
       </dsp:txBody>
       <dsp:txXfrm>
-        <a:off x="2604672" y="3623876"/>
-        <a:ext cx="7437044" cy="744103"/>
+        <a:off x="1364090" y="2670852"/>
+        <a:ext cx="6075715" cy="1064240"/>
       </dsp:txXfrm>
     </dsp:sp>
-    <dsp:sp modelId="{B0388D05-54B5-FE44-9375-47C1B3E127BA}">
+    <dsp:sp modelId="{7D1AED19-E9A5-C941-BD86-E937A7A31B8F}">
       <dsp:nvSpPr>
         <dsp:cNvPr id="0" name=""/>
         <dsp:cNvSpPr/>
       </dsp:nvSpPr>
       <dsp:spPr>
         <a:xfrm>
-          <a:off x="8128724" y="577433"/>
-          <a:ext cx="513762" cy="513762"/>
+          <a:off x="6807425" y="857266"/>
+          <a:ext cx="734799" cy="734799"/>
         </a:xfrm>
         <a:prstGeom prst="downArrow">
           <a:avLst>
@@ -2349,12 +1628,12 @@
         <a:fontRef idx="minor"/>
       </dsp:style>
       <dsp:txBody>
-        <a:bodyPr spcFirstLastPara="0" vert="horz" wrap="square" lIns="29210" tIns="29210" rIns="29210" bIns="29210" numCol="1" spcCol="1270" anchor="ctr" anchorCtr="0">
+        <a:bodyPr spcFirstLastPara="0" vert="horz" wrap="square" lIns="41910" tIns="41910" rIns="41910" bIns="41910" numCol="1" spcCol="1270" anchor="ctr" anchorCtr="0">
           <a:noAutofit/>
         </a:bodyPr>
         <a:lstStyle/>
         <a:p>
-          <a:pPr marL="0" lvl="0" indent="0" algn="ctr" defTabSz="1022350">
+          <a:pPr marL="0" lvl="0" indent="0" algn="ctr" defTabSz="1466850">
             <a:lnSpc>
               <a:spcPct val="90000"/>
             </a:lnSpc>
@@ -2366,181 +1645,23 @@
             </a:spcAft>
             <a:buNone/>
           </a:pPr>
-          <a:endParaRPr lang="zh-TW" altLang="en-US" sz="2300" kern="1200"/>
+          <a:endParaRPr lang="zh-TW" altLang="en-US" sz="3300" kern="1200"/>
         </a:p>
       </dsp:txBody>
       <dsp:txXfrm>
-        <a:off x="8244320" y="577433"/>
-        <a:ext cx="282570" cy="386606"/>
+        <a:off x="6972755" y="857266"/>
+        <a:ext cx="404139" cy="552936"/>
       </dsp:txXfrm>
     </dsp:sp>
-    <dsp:sp modelId="{89E79A14-C6F5-2B4B-B03B-720B6429821B}">
+    <dsp:sp modelId="{F735CAE4-F68C-9A46-AA22-0D931832B3A9}">
       <dsp:nvSpPr>
         <dsp:cNvPr id="0" name=""/>
         <dsp:cNvSpPr/>
       </dsp:nvSpPr>
       <dsp:spPr>
         <a:xfrm>
-          <a:off x="8774105" y="1477615"/>
-          <a:ext cx="513762" cy="513762"/>
-        </a:xfrm>
-        <a:prstGeom prst="downArrow">
-          <a:avLst>
-            <a:gd name="adj1" fmla="val 55000"/>
-            <a:gd name="adj2" fmla="val 45000"/>
-          </a:avLst>
-        </a:prstGeom>
-        <a:solidFill>
-          <a:schemeClr val="accent1">
-            <a:alpha val="90000"/>
-            <a:tint val="40000"/>
-            <a:hueOff val="0"/>
-            <a:satOff val="0"/>
-            <a:lumOff val="0"/>
-            <a:alphaOff val="-13333"/>
-          </a:schemeClr>
-        </a:solidFill>
-        <a:ln w="19050" cap="rnd" cmpd="sng" algn="ctr">
-          <a:solidFill>
-            <a:schemeClr val="accent1">
-              <a:alpha val="90000"/>
-              <a:tint val="40000"/>
-              <a:hueOff val="0"/>
-              <a:satOff val="0"/>
-              <a:lumOff val="0"/>
-              <a:alphaOff val="0"/>
-            </a:schemeClr>
-          </a:solidFill>
-          <a:prstDash val="solid"/>
-        </a:ln>
-        <a:effectLst/>
-      </dsp:spPr>
-      <dsp:style>
-        <a:lnRef idx="2">
-          <a:scrgbClr r="0" g="0" b="0"/>
-        </a:lnRef>
-        <a:fillRef idx="1">
-          <a:scrgbClr r="0" g="0" b="0"/>
-        </a:fillRef>
-        <a:effectRef idx="0">
-          <a:scrgbClr r="0" g="0" b="0"/>
-        </a:effectRef>
-        <a:fontRef idx="minor"/>
-      </dsp:style>
-      <dsp:txBody>
-        <a:bodyPr spcFirstLastPara="0" vert="horz" wrap="square" lIns="29210" tIns="29210" rIns="29210" bIns="29210" numCol="1" spcCol="1270" anchor="ctr" anchorCtr="0">
-          <a:noAutofit/>
-        </a:bodyPr>
-        <a:lstStyle/>
-        <a:p>
-          <a:pPr marL="0" lvl="0" indent="0" algn="ctr" defTabSz="1022350">
-            <a:lnSpc>
-              <a:spcPct val="90000"/>
-            </a:lnSpc>
-            <a:spcBef>
-              <a:spcPct val="0"/>
-            </a:spcBef>
-            <a:spcAft>
-              <a:spcPct val="35000"/>
-            </a:spcAft>
-            <a:buNone/>
-          </a:pPr>
-          <a:endParaRPr lang="zh-TW" altLang="en-US" sz="2300" kern="1200"/>
-        </a:p>
-      </dsp:txBody>
-      <dsp:txXfrm>
-        <a:off x="8889701" y="1477615"/>
-        <a:ext cx="282570" cy="386606"/>
-      </dsp:txXfrm>
-    </dsp:sp>
-    <dsp:sp modelId="{6CB7D3DF-ED30-C744-8EF9-574F4A7A0C95}">
-      <dsp:nvSpPr>
-        <dsp:cNvPr id="0" name=""/>
-        <dsp:cNvSpPr/>
-      </dsp:nvSpPr>
-      <dsp:spPr>
-        <a:xfrm>
-          <a:off x="9419485" y="2364623"/>
-          <a:ext cx="513762" cy="513762"/>
-        </a:xfrm>
-        <a:prstGeom prst="downArrow">
-          <a:avLst>
-            <a:gd name="adj1" fmla="val 55000"/>
-            <a:gd name="adj2" fmla="val 45000"/>
-          </a:avLst>
-        </a:prstGeom>
-        <a:solidFill>
-          <a:schemeClr val="accent1">
-            <a:alpha val="90000"/>
-            <a:tint val="40000"/>
-            <a:hueOff val="0"/>
-            <a:satOff val="0"/>
-            <a:lumOff val="0"/>
-            <a:alphaOff val="-26667"/>
-          </a:schemeClr>
-        </a:solidFill>
-        <a:ln w="19050" cap="rnd" cmpd="sng" algn="ctr">
-          <a:solidFill>
-            <a:schemeClr val="accent1">
-              <a:alpha val="90000"/>
-              <a:tint val="40000"/>
-              <a:hueOff val="0"/>
-              <a:satOff val="0"/>
-              <a:lumOff val="0"/>
-              <a:alphaOff val="0"/>
-            </a:schemeClr>
-          </a:solidFill>
-          <a:prstDash val="solid"/>
-        </a:ln>
-        <a:effectLst/>
-      </dsp:spPr>
-      <dsp:style>
-        <a:lnRef idx="2">
-          <a:scrgbClr r="0" g="0" b="0"/>
-        </a:lnRef>
-        <a:fillRef idx="1">
-          <a:scrgbClr r="0" g="0" b="0"/>
-        </a:fillRef>
-        <a:effectRef idx="0">
-          <a:scrgbClr r="0" g="0" b="0"/>
-        </a:effectRef>
-        <a:fontRef idx="minor"/>
-      </dsp:style>
-      <dsp:txBody>
-        <a:bodyPr spcFirstLastPara="0" vert="horz" wrap="square" lIns="29210" tIns="29210" rIns="29210" bIns="29210" numCol="1" spcCol="1270" anchor="ctr" anchorCtr="0">
-          <a:noAutofit/>
-        </a:bodyPr>
-        <a:lstStyle/>
-        <a:p>
-          <a:pPr marL="0" lvl="0" indent="0" algn="ctr" defTabSz="1022350">
-            <a:lnSpc>
-              <a:spcPct val="90000"/>
-            </a:lnSpc>
-            <a:spcBef>
-              <a:spcPct val="0"/>
-            </a:spcBef>
-            <a:spcAft>
-              <a:spcPct val="35000"/>
-            </a:spcAft>
-            <a:buNone/>
-          </a:pPr>
-          <a:endParaRPr lang="zh-TW" altLang="en-US" sz="2300" kern="1200"/>
-        </a:p>
-      </dsp:txBody>
-      <dsp:txXfrm>
-        <a:off x="9535081" y="2364623"/>
-        <a:ext cx="282570" cy="386606"/>
-      </dsp:txXfrm>
-    </dsp:sp>
-    <dsp:sp modelId="{F41A6DE8-C852-9946-B7D5-255DFED1346B}">
-      <dsp:nvSpPr>
-        <dsp:cNvPr id="0" name=""/>
-        <dsp:cNvSpPr/>
-      </dsp:nvSpPr>
-      <dsp:spPr>
-        <a:xfrm>
-          <a:off x="10064866" y="3273587"/>
-          <a:ext cx="513762" cy="513762"/>
+          <a:off x="7472915" y="2168600"/>
+          <a:ext cx="734799" cy="734799"/>
         </a:xfrm>
         <a:prstGeom prst="downArrow">
           <a:avLst>
@@ -2586,12 +1707,12 @@
         <a:fontRef idx="minor"/>
       </dsp:style>
       <dsp:txBody>
-        <a:bodyPr spcFirstLastPara="0" vert="horz" wrap="square" lIns="29210" tIns="29210" rIns="29210" bIns="29210" numCol="1" spcCol="1270" anchor="ctr" anchorCtr="0">
+        <a:bodyPr spcFirstLastPara="0" vert="horz" wrap="square" lIns="41910" tIns="41910" rIns="41910" bIns="41910" numCol="1" spcCol="1270" anchor="ctr" anchorCtr="0">
           <a:noAutofit/>
         </a:bodyPr>
         <a:lstStyle/>
         <a:p>
-          <a:pPr marL="0" lvl="0" indent="0" algn="ctr" defTabSz="1022350">
+          <a:pPr marL="0" lvl="0" indent="0" algn="ctr" defTabSz="1466850">
             <a:lnSpc>
               <a:spcPct val="90000"/>
             </a:lnSpc>
@@ -2603,12 +1724,12 @@
             </a:spcAft>
             <a:buNone/>
           </a:pPr>
-          <a:endParaRPr lang="zh-TW" altLang="en-US" sz="2300" kern="1200"/>
+          <a:endParaRPr lang="zh-TW" altLang="en-US" sz="3300" kern="1200"/>
         </a:p>
       </dsp:txBody>
       <dsp:txXfrm>
-        <a:off x="10180462" y="3273587"/>
-        <a:ext cx="282570" cy="386606"/>
+        <a:off x="7638245" y="2168600"/>
+        <a:ext cx="404139" cy="552936"/>
       </dsp:txXfrm>
     </dsp:sp>
   </dsp:spTree>
@@ -4957,7 +4078,7 @@
           <a:p>
             <a:fld id="{A25B1EB1-CDC4-F948-A361-2ADBE5BAC4B6}" type="datetimeFigureOut">
               <a:rPr kumimoji="1" lang="zh-HK" altLang="en-US" smtClean="0"/>
-              <a:t>22/10/24</a:t>
+              <a:t>30/10/24</a:t>
             </a:fld>
             <a:endParaRPr kumimoji="1" lang="zh-HK" altLang="en-US"/>
           </a:p>
@@ -5269,52 +4390,6 @@
           <a:bodyPr/>
           <a:lstStyle/>
           <a:p>
-            <a:endParaRPr lang="ja-JP" altLang="en-US" sz="2400"/>
-          </a:p>
-          <a:p>
-            <a:r>
-              <a:rPr lang="ja-JP" altLang="en-US" sz="1200" kern="100">
-                <a:effectLst/>
-                <a:latin typeface="Yu Mincho" panose="02020400000000000000" pitchFamily="18" charset="-128"/>
-                <a:ea typeface="Meiryo UI" panose="020B0604030504040204" pitchFamily="34" charset="-128"/>
-                <a:cs typeface="Times New Roman" panose="02020603050405020304" pitchFamily="18" charset="0"/>
-              </a:rPr>
-              <a:t>漏洩（ろうえい）</a:t>
-            </a:r>
-            <a:br>
-              <a:rPr lang="en-US" altLang="ja-JP" sz="1200" kern="100" dirty="0">
-                <a:effectLst/>
-                <a:latin typeface="Yu Mincho" panose="02020400000000000000" pitchFamily="18" charset="-128"/>
-                <a:ea typeface="Meiryo UI" panose="020B0604030504040204" pitchFamily="34" charset="-128"/>
-                <a:cs typeface="Times New Roman" panose="02020603050405020304" pitchFamily="18" charset="0"/>
-              </a:rPr>
-            </a:br>
-            <a:r>
-              <a:rPr lang="zh-HK" altLang="en-US" sz="1200" kern="100" dirty="0">
-                <a:effectLst/>
-                <a:latin typeface="Yu Mincho" panose="02020400000000000000" pitchFamily="18" charset="-128"/>
-                <a:ea typeface="Meiryo UI" panose="020B0604030504040204" pitchFamily="34" charset="-128"/>
-                <a:cs typeface="Times New Roman" panose="02020603050405020304" pitchFamily="18" charset="0"/>
-              </a:rPr>
-              <a:t>多発（たはつ）</a:t>
-            </a:r>
-            <a:br>
-              <a:rPr lang="en-US" altLang="zh-HK" sz="1200" kern="100" dirty="0">
-                <a:effectLst/>
-                <a:latin typeface="Yu Mincho" panose="02020400000000000000" pitchFamily="18" charset="-128"/>
-                <a:ea typeface="Meiryo UI" panose="020B0604030504040204" pitchFamily="34" charset="-128"/>
-                <a:cs typeface="Times New Roman" panose="02020603050405020304" pitchFamily="18" charset="0"/>
-              </a:rPr>
-            </a:br>
-            <a:r>
-              <a:rPr lang="zh-HK" altLang="en-US" sz="1200" kern="100" dirty="0">
-                <a:effectLst/>
-                <a:latin typeface="Yu Mincho" panose="02020400000000000000" pitchFamily="18" charset="-128"/>
-                <a:ea typeface="Meiryo UI" panose="020B0604030504040204" pitchFamily="34" charset="-128"/>
-                <a:cs typeface="Times New Roman" panose="02020603050405020304" pitchFamily="18" charset="0"/>
-              </a:rPr>
-              <a:t>普及（ふきゅう）</a:t>
-            </a:r>
             <a:endParaRPr kumimoji="1" lang="zh-HK" altLang="en-US" dirty="0"/>
           </a:p>
         </p:txBody>
@@ -5399,51 +4474,7 @@
           <a:bodyPr/>
           <a:lstStyle/>
           <a:p>
-            <a:pPr marL="0" marR="0" lvl="0" indent="0" algn="l" defTabSz="914400" rtl="0" eaLnBrk="1" fontAlgn="auto" latinLnBrk="0" hangingPunct="1">
-              <a:lnSpc>
-                <a:spcPct val="100000"/>
-              </a:lnSpc>
-              <a:spcBef>
-                <a:spcPts val="0"/>
-              </a:spcBef>
-              <a:spcAft>
-                <a:spcPts val="0"/>
-              </a:spcAft>
-              <a:buClrTx/>
-              <a:buSzTx/>
-              <a:buFontTx/>
-              <a:buNone/>
-              <a:tabLst/>
-              <a:defRPr/>
-            </a:pPr>
-            <a:r>
-              <a:rPr lang="zh-HK" altLang="en-US" sz="1200" b="0" i="0" dirty="0">
-                <a:latin typeface="Meiryo UI" panose="020B0604030504040204" pitchFamily="34" charset="-128"/>
-                <a:ea typeface="Meiryo UI" panose="020B0604030504040204" pitchFamily="34" charset="-128"/>
-              </a:rPr>
-              <a:t>脆弱性</a:t>
-            </a:r>
-            <a:r>
-              <a:rPr kumimoji="1" lang="zh-HK" altLang="en-US" sz="1200" b="0" i="0" dirty="0">
-                <a:latin typeface="Meiryo UI" panose="020B0604030504040204" pitchFamily="34" charset="-128"/>
-                <a:ea typeface="Meiryo UI" panose="020B0604030504040204" pitchFamily="34" charset="-128"/>
-              </a:rPr>
-              <a:t>（ぜっじゃくせい）</a:t>
-            </a:r>
-            <a:br>
-              <a:rPr kumimoji="1" lang="en-US" altLang="zh-HK" sz="1200" b="0" i="0" dirty="0">
-                <a:latin typeface="Meiryo UI" panose="020B0604030504040204" pitchFamily="34" charset="-128"/>
-                <a:ea typeface="Meiryo UI" panose="020B0604030504040204" pitchFamily="34" charset="-128"/>
-              </a:rPr>
-            </a:br>
-            <a:r>
-              <a:rPr kumimoji="1" lang="zh-HK" altLang="en-US" sz="1200" b="0" i="0" dirty="0">
-                <a:latin typeface="Meiryo UI" panose="020B0604030504040204" pitchFamily="34" charset="-128"/>
-                <a:ea typeface="Meiryo UI" panose="020B0604030504040204" pitchFamily="34" charset="-128"/>
-              </a:rPr>
-              <a:t>固有（こゆう）</a:t>
-            </a:r>
-            <a:endParaRPr lang="zh-TW" altLang="en-US" dirty="0"/>
+            <a:endParaRPr kumimoji="1" lang="zh-HK" altLang="en-US" dirty="0"/>
           </a:p>
         </p:txBody>
       </p:sp>
@@ -5464,7 +4495,7 @@
           <a:p>
             <a:fld id="{8102099C-06F5-764E-8D8C-32B506B98079}" type="slidenum">
               <a:rPr kumimoji="1" lang="zh-HK" altLang="en-US" smtClean="0"/>
-              <a:t>4</a:t>
+              <a:t>3</a:t>
             </a:fld>
             <a:endParaRPr kumimoji="1" lang="zh-HK" altLang="en-US"/>
           </a:p>
@@ -5473,7 +4504,7 @@
     </p:spTree>
     <p:extLst>
       <p:ext uri="{BB962C8B-B14F-4D97-AF65-F5344CB8AC3E}">
-        <p14:creationId xmlns:p14="http://schemas.microsoft.com/office/powerpoint/2010/main" val="3826641515"/>
+        <p14:creationId xmlns:p14="http://schemas.microsoft.com/office/powerpoint/2010/main" val="3548941485"/>
       </p:ext>
     </p:extLst>
   </p:cSld>
@@ -5527,90 +4558,6 @@
           <a:bodyPr/>
           <a:lstStyle/>
           <a:p>
-            <a:endParaRPr kumimoji="1" lang="zh-HK" altLang="en-US" dirty="0"/>
-          </a:p>
-        </p:txBody>
-      </p:sp>
-      <p:sp>
-        <p:nvSpPr>
-          <p:cNvPr id="4" name="投影片編號版面配置區 3"/>
-          <p:cNvSpPr>
-            <a:spLocks noGrp="1"/>
-          </p:cNvSpPr>
-          <p:nvPr>
-            <p:ph type="sldNum" sz="quarter" idx="5"/>
-          </p:nvPr>
-        </p:nvSpPr>
-        <p:spPr/>
-        <p:txBody>
-          <a:bodyPr/>
-          <a:lstStyle/>
-          <a:p>
-            <a:fld id="{8102099C-06F5-764E-8D8C-32B506B98079}" type="slidenum">
-              <a:rPr kumimoji="1" lang="zh-HK" altLang="en-US" smtClean="0"/>
-              <a:t>5</a:t>
-            </a:fld>
-            <a:endParaRPr kumimoji="1" lang="zh-HK" altLang="en-US"/>
-          </a:p>
-        </p:txBody>
-      </p:sp>
-    </p:spTree>
-    <p:extLst>
-      <p:ext uri="{BB962C8B-B14F-4D97-AF65-F5344CB8AC3E}">
-        <p14:creationId xmlns:p14="http://schemas.microsoft.com/office/powerpoint/2010/main" val="685389607"/>
-      </p:ext>
-    </p:extLst>
-  </p:cSld>
-  <p:clrMapOvr>
-    <a:masterClrMapping/>
-  </p:clrMapOvr>
-</p:notes>
-</file>
-
-<file path=ppt/notesSlides/notesSlide4.xml><?xml version="1.0" encoding="utf-8"?>
-<p:notes xmlns:a="http://schemas.openxmlformats.org/drawingml/2006/main" xmlns:r="http://schemas.openxmlformats.org/officeDocument/2006/relationships" xmlns:p="http://schemas.openxmlformats.org/presentationml/2006/main">
-  <p:cSld>
-    <p:spTree>
-      <p:nvGrpSpPr>
-        <p:cNvPr id="1" name=""/>
-        <p:cNvGrpSpPr/>
-        <p:nvPr/>
-      </p:nvGrpSpPr>
-      <p:grpSpPr>
-        <a:xfrm>
-          <a:off x="0" y="0"/>
-          <a:ext cx="0" cy="0"/>
-          <a:chOff x="0" y="0"/>
-          <a:chExt cx="0" cy="0"/>
-        </a:xfrm>
-      </p:grpSpPr>
-      <p:sp>
-        <p:nvSpPr>
-          <p:cNvPr id="2" name="投影片影像版面配置區 1"/>
-          <p:cNvSpPr>
-            <a:spLocks noGrp="1" noRot="1" noChangeAspect="1"/>
-          </p:cNvSpPr>
-          <p:nvPr>
-            <p:ph type="sldImg"/>
-          </p:nvPr>
-        </p:nvSpPr>
-        <p:spPr/>
-      </p:sp>
-      <p:sp>
-        <p:nvSpPr>
-          <p:cNvPr id="3" name="備忘稿版面配置區 2"/>
-          <p:cNvSpPr>
-            <a:spLocks noGrp="1"/>
-          </p:cNvSpPr>
-          <p:nvPr>
-            <p:ph type="body" idx="1"/>
-          </p:nvPr>
-        </p:nvSpPr>
-        <p:spPr/>
-        <p:txBody>
-          <a:bodyPr/>
-          <a:lstStyle/>
-          <a:p>
             <a:pPr marL="0" marR="0" lvl="0" indent="0" algn="l" defTabSz="914400" rtl="0" eaLnBrk="1" fontAlgn="auto" latinLnBrk="0" hangingPunct="1">
               <a:lnSpc>
                 <a:spcPct val="100000"/>
@@ -5628,22 +4575,7 @@
               <a:tabLst/>
               <a:defRPr/>
             </a:pPr>
-            <a:r>
-              <a:rPr lang="en-US" altLang="zh-HK" b="1" i="0" dirty="0">
-                <a:solidFill>
-                  <a:srgbClr val="F1F1F1"/>
-                </a:solidFill>
-                <a:effectLst/>
-                <a:highlight>
-                  <a:srgbClr val="0F0F0F"/>
-                </a:highlight>
-                <a:latin typeface="Roboto" panose="02000000000000000000" pitchFamily="2" charset="0"/>
-              </a:rPr>
-              <a:t>Building a Blockchain with Go</a:t>
-            </a:r>
-          </a:p>
-          <a:p>
-            <a:endParaRPr kumimoji="1" lang="zh-HK" altLang="en-US" dirty="0"/>
+            <a:endParaRPr lang="zh-TW" altLang="en-US" dirty="0"/>
           </a:p>
         </p:txBody>
       </p:sp>
@@ -5664,7 +4596,815 @@
           <a:p>
             <a:fld id="{8102099C-06F5-764E-8D8C-32B506B98079}" type="slidenum">
               <a:rPr kumimoji="1" lang="zh-HK" altLang="en-US" smtClean="0"/>
+              <a:t>4</a:t>
+            </a:fld>
+            <a:endParaRPr kumimoji="1" lang="zh-HK" altLang="en-US"/>
+          </a:p>
+        </p:txBody>
+      </p:sp>
+    </p:spTree>
+    <p:extLst>
+      <p:ext uri="{BB962C8B-B14F-4D97-AF65-F5344CB8AC3E}">
+        <p14:creationId xmlns:p14="http://schemas.microsoft.com/office/powerpoint/2010/main" val="3826641515"/>
+      </p:ext>
+    </p:extLst>
+  </p:cSld>
+  <p:clrMapOvr>
+    <a:masterClrMapping/>
+  </p:clrMapOvr>
+</p:notes>
+</file>
+
+<file path=ppt/notesSlides/notesSlide4.xml><?xml version="1.0" encoding="utf-8"?>
+<p:notes xmlns:a="http://schemas.openxmlformats.org/drawingml/2006/main" xmlns:r="http://schemas.openxmlformats.org/officeDocument/2006/relationships" xmlns:p="http://schemas.openxmlformats.org/presentationml/2006/main">
+  <p:cSld>
+    <p:spTree>
+      <p:nvGrpSpPr>
+        <p:cNvPr id="1" name="">
+          <a:extLst>
+            <a:ext uri="{FF2B5EF4-FFF2-40B4-BE49-F238E27FC236}">
+              <a16:creationId xmlns:a16="http://schemas.microsoft.com/office/drawing/2014/main" id="{5B43A679-C56F-4D52-9783-F01AF7AA183F}"/>
+            </a:ext>
+          </a:extLst>
+        </p:cNvPr>
+        <p:cNvGrpSpPr/>
+        <p:nvPr/>
+      </p:nvGrpSpPr>
+      <p:grpSpPr>
+        <a:xfrm>
+          <a:off x="0" y="0"/>
+          <a:ext cx="0" cy="0"/>
+          <a:chOff x="0" y="0"/>
+          <a:chExt cx="0" cy="0"/>
+        </a:xfrm>
+      </p:grpSpPr>
+      <p:sp>
+        <p:nvSpPr>
+          <p:cNvPr id="2" name="投影片影像版面配置區 1">
+            <a:extLst>
+              <a:ext uri="{FF2B5EF4-FFF2-40B4-BE49-F238E27FC236}">
+                <a16:creationId xmlns:a16="http://schemas.microsoft.com/office/drawing/2014/main" id="{C9583BA9-9A92-DF4E-75D9-805F062C288A}"/>
+              </a:ext>
+            </a:extLst>
+          </p:cNvPr>
+          <p:cNvSpPr>
+            <a:spLocks noGrp="1" noRot="1" noChangeAspect="1"/>
+          </p:cNvSpPr>
+          <p:nvPr>
+            <p:ph type="sldImg"/>
+          </p:nvPr>
+        </p:nvSpPr>
+        <p:spPr/>
+      </p:sp>
+      <p:sp>
+        <p:nvSpPr>
+          <p:cNvPr id="3" name="備忘稿版面配置區 2">
+            <a:extLst>
+              <a:ext uri="{FF2B5EF4-FFF2-40B4-BE49-F238E27FC236}">
+                <a16:creationId xmlns:a16="http://schemas.microsoft.com/office/drawing/2014/main" id="{7821689A-5DFC-599D-FCBB-1E5F9D1EEF8C}"/>
+              </a:ext>
+            </a:extLst>
+          </p:cNvPr>
+          <p:cNvSpPr>
+            <a:spLocks noGrp="1"/>
+          </p:cNvSpPr>
+          <p:nvPr>
+            <p:ph type="body" idx="1"/>
+          </p:nvPr>
+        </p:nvSpPr>
+        <p:spPr/>
+        <p:txBody>
+          <a:bodyPr/>
+          <a:lstStyle/>
+          <a:p>
+            <a:pPr marL="0" marR="0" lvl="0" indent="0" algn="l" defTabSz="914400" rtl="0" eaLnBrk="1" fontAlgn="auto" latinLnBrk="0" hangingPunct="1">
+              <a:lnSpc>
+                <a:spcPct val="100000"/>
+              </a:lnSpc>
+              <a:spcBef>
+                <a:spcPts val="0"/>
+              </a:spcBef>
+              <a:spcAft>
+                <a:spcPts val="0"/>
+              </a:spcAft>
+              <a:buClrTx/>
+              <a:buSzTx/>
+              <a:buFontTx/>
+              <a:buNone/>
+              <a:tabLst/>
+              <a:defRPr/>
+            </a:pPr>
+            <a:r>
+              <a:rPr lang="zh-HK" altLang="en-US" dirty="0"/>
+              <a:t>前回</a:t>
+            </a:r>
+            <a:r>
+              <a:rPr lang="ja-JP" altLang="en-US"/>
+              <a:t>は </a:t>
+            </a:r>
+            <a:r>
+              <a:rPr lang="en-US" altLang="zh-HK" dirty="0"/>
+              <a:t>Sha256 </a:t>
+            </a:r>
+            <a:r>
+              <a:rPr lang="ja-JP" altLang="en-US"/>
+              <a:t>を</a:t>
+            </a:r>
+            <a:r>
+              <a:rPr lang="zh-HK" altLang="en-US" dirty="0"/>
+              <a:t>使用</a:t>
+            </a:r>
+            <a:r>
+              <a:rPr lang="ja-JP" altLang="en-US"/>
+              <a:t>しました。</a:t>
+            </a:r>
+            <a:br>
+              <a:rPr lang="en-US" altLang="ja-JP" dirty="0"/>
+            </a:br>
+            <a:r>
+              <a:rPr lang="ja-JP" altLang="en-US"/>
+              <a:t>ブロックチェーンにハッシュを</a:t>
+            </a:r>
+            <a:r>
+              <a:rPr lang="zh-HK" altLang="en-US" dirty="0"/>
+              <a:t>使用</a:t>
+            </a:r>
+            <a:r>
+              <a:rPr lang="ja-JP" altLang="en-US"/>
+              <a:t>する</a:t>
+            </a:r>
+            <a:r>
+              <a:rPr lang="zh-HK" altLang="en-US" dirty="0"/>
+              <a:t>目的</a:t>
+            </a:r>
+            <a:r>
+              <a:rPr lang="ja-JP" altLang="en-US"/>
+              <a:t>は、</a:t>
+            </a:r>
+            <a:r>
+              <a:rPr lang="zh-HK" altLang="en-US" dirty="0"/>
+              <a:t>情報</a:t>
+            </a:r>
+            <a:r>
+              <a:rPr lang="ja-JP" altLang="en-US"/>
+              <a:t>の</a:t>
+            </a:r>
+            <a:r>
+              <a:rPr lang="zh-HK" altLang="en-US" dirty="0"/>
+              <a:t>整合性</a:t>
+            </a:r>
+            <a:r>
+              <a:rPr lang="ja-JP" altLang="en-US"/>
+              <a:t>を</a:t>
+            </a:r>
+            <a:r>
+              <a:rPr lang="zh-HK" altLang="en-US" dirty="0"/>
+              <a:t>保</a:t>
+            </a:r>
+            <a:r>
+              <a:rPr lang="ja-JP" altLang="en-US"/>
+              <a:t>つことが</a:t>
+            </a:r>
+            <a:r>
+              <a:rPr lang="zh-HK" altLang="en-US" dirty="0"/>
+              <a:t>目的なので、</a:t>
+            </a:r>
+            <a:br>
+              <a:rPr lang="en-US" altLang="zh-HK" dirty="0"/>
+            </a:br>
+            <a:r>
+              <a:rPr lang="zh-HK" altLang="en-US" dirty="0"/>
+              <a:t>今回</a:t>
+            </a:r>
+            <a:r>
+              <a:rPr lang="ja-JP" altLang="en-US"/>
+              <a:t>は </a:t>
+            </a:r>
+            <a:r>
+              <a:rPr lang="en-US" altLang="ja-JP" dirty="0"/>
+              <a:t>9 </a:t>
+            </a:r>
+            <a:r>
+              <a:rPr lang="ja-JP" altLang="en-US"/>
+              <a:t>つのハッシュ</a:t>
+            </a:r>
+            <a:r>
+              <a:rPr lang="zh-HK" altLang="en-US" dirty="0"/>
+              <a:t>コード</a:t>
+            </a:r>
+            <a:r>
+              <a:rPr lang="ja-JP" altLang="en-US"/>
+              <a:t>でテストする</a:t>
+            </a:r>
+            <a:r>
+              <a:rPr lang="zh-HK" altLang="en-US" dirty="0"/>
+              <a:t>予定</a:t>
+            </a:r>
+            <a:r>
+              <a:rPr lang="ja-JP" altLang="en-US"/>
+              <a:t>です。</a:t>
+            </a:r>
+            <a:br>
+              <a:rPr lang="ja-JP" altLang="en-US"/>
+            </a:br>
+            <a:endParaRPr lang="en-US" altLang="zh-HK" dirty="0"/>
+          </a:p>
+          <a:p>
+            <a:pPr marL="0" marR="0" lvl="0" indent="0" algn="l" defTabSz="914400" rtl="0" eaLnBrk="1" fontAlgn="auto" latinLnBrk="0" hangingPunct="1">
+              <a:lnSpc>
+                <a:spcPct val="100000"/>
+              </a:lnSpc>
+              <a:spcBef>
+                <a:spcPts val="0"/>
+              </a:spcBef>
+              <a:spcAft>
+                <a:spcPts val="0"/>
+              </a:spcAft>
+              <a:buClrTx/>
+              <a:buSzTx/>
+              <a:buFontTx/>
+              <a:buNone/>
+              <a:tabLst/>
+              <a:defRPr/>
+            </a:pPr>
+            <a:r>
+              <a:rPr lang="zh-HK" altLang="en-US" dirty="0"/>
+              <a:t>整合性（</a:t>
+            </a:r>
+            <a:r>
+              <a:rPr lang="ja-JP" altLang="en-US"/>
+              <a:t>とうごうせい</a:t>
+            </a:r>
+            <a:r>
+              <a:rPr lang="zh-HK" altLang="en-US" dirty="0"/>
+              <a:t>）</a:t>
+            </a:r>
+            <a:br>
+              <a:rPr lang="en-US" altLang="zh-HK" sz="1200" kern="100" dirty="0">
+                <a:effectLst/>
+                <a:latin typeface="Meiryo UI" panose="020B0604030504040204" pitchFamily="34" charset="-128"/>
+                <a:ea typeface="Meiryo UI" panose="020B0604030504040204" pitchFamily="34" charset="-128"/>
+                <a:cs typeface="Times New Roman" panose="02020603050405020304" pitchFamily="18" charset="0"/>
+              </a:rPr>
+            </a:br>
+            <a:r>
+              <a:rPr lang="zh-HK" altLang="en-US" dirty="0"/>
+              <a:t>保</a:t>
+            </a:r>
+            <a:r>
+              <a:rPr lang="ja-JP" altLang="en-US"/>
+              <a:t>つ（</a:t>
+            </a:r>
+            <a:r>
+              <a:rPr lang="zh-HK" altLang="en-US" dirty="0"/>
+              <a:t>たもつ</a:t>
+            </a:r>
+            <a:r>
+              <a:rPr lang="ja-JP" altLang="en-US"/>
+              <a:t>）</a:t>
+            </a:r>
+            <a:endParaRPr kumimoji="1" lang="zh-HK" altLang="en-US" dirty="0"/>
+          </a:p>
+        </p:txBody>
+      </p:sp>
+      <p:sp>
+        <p:nvSpPr>
+          <p:cNvPr id="4" name="投影片編號版面配置區 3">
+            <a:extLst>
+              <a:ext uri="{FF2B5EF4-FFF2-40B4-BE49-F238E27FC236}">
+                <a16:creationId xmlns:a16="http://schemas.microsoft.com/office/drawing/2014/main" id="{80250AC5-9614-1443-90FC-12FF72D08EE3}"/>
+              </a:ext>
+            </a:extLst>
+          </p:cNvPr>
+          <p:cNvSpPr>
+            <a:spLocks noGrp="1"/>
+          </p:cNvSpPr>
+          <p:nvPr>
+            <p:ph type="sldNum" sz="quarter" idx="5"/>
+          </p:nvPr>
+        </p:nvSpPr>
+        <p:spPr/>
+        <p:txBody>
+          <a:bodyPr/>
+          <a:lstStyle/>
+          <a:p>
+            <a:fld id="{8102099C-06F5-764E-8D8C-32B506B98079}" type="slidenum">
+              <a:rPr kumimoji="1" lang="zh-HK" altLang="en-US" smtClean="0"/>
+              <a:t>5</a:t>
+            </a:fld>
+            <a:endParaRPr kumimoji="1" lang="zh-HK" altLang="en-US"/>
+          </a:p>
+        </p:txBody>
+      </p:sp>
+    </p:spTree>
+    <p:extLst>
+      <p:ext uri="{BB962C8B-B14F-4D97-AF65-F5344CB8AC3E}">
+        <p14:creationId xmlns:p14="http://schemas.microsoft.com/office/powerpoint/2010/main" val="3285240285"/>
+      </p:ext>
+    </p:extLst>
+  </p:cSld>
+  <p:clrMapOvr>
+    <a:masterClrMapping/>
+  </p:clrMapOvr>
+</p:notes>
+</file>
+
+<file path=ppt/notesSlides/notesSlide5.xml><?xml version="1.0" encoding="utf-8"?>
+<p:notes xmlns:a="http://schemas.openxmlformats.org/drawingml/2006/main" xmlns:r="http://schemas.openxmlformats.org/officeDocument/2006/relationships" xmlns:p="http://schemas.openxmlformats.org/presentationml/2006/main">
+  <p:cSld>
+    <p:spTree>
+      <p:nvGrpSpPr>
+        <p:cNvPr id="1" name=""/>
+        <p:cNvGrpSpPr/>
+        <p:nvPr/>
+      </p:nvGrpSpPr>
+      <p:grpSpPr>
+        <a:xfrm>
+          <a:off x="0" y="0"/>
+          <a:ext cx="0" cy="0"/>
+          <a:chOff x="0" y="0"/>
+          <a:chExt cx="0" cy="0"/>
+        </a:xfrm>
+      </p:grpSpPr>
+      <p:sp>
+        <p:nvSpPr>
+          <p:cNvPr id="2" name="投影片影像版面配置區 1"/>
+          <p:cNvSpPr>
+            <a:spLocks noGrp="1" noRot="1" noChangeAspect="1"/>
+          </p:cNvSpPr>
+          <p:nvPr>
+            <p:ph type="sldImg"/>
+          </p:nvPr>
+        </p:nvSpPr>
+        <p:spPr/>
+      </p:sp>
+      <p:sp>
+        <p:nvSpPr>
+          <p:cNvPr id="3" name="備忘稿版面配置區 2"/>
+          <p:cNvSpPr>
+            <a:spLocks noGrp="1"/>
+          </p:cNvSpPr>
+          <p:nvPr>
+            <p:ph type="body" idx="1"/>
+          </p:nvPr>
+        </p:nvSpPr>
+        <p:spPr/>
+        <p:txBody>
+          <a:bodyPr/>
+          <a:lstStyle/>
+          <a:p>
+            <a:pPr marL="0" marR="0" lvl="0" indent="0" algn="l" defTabSz="914400" rtl="0" eaLnBrk="1" fontAlgn="auto" latinLnBrk="0" hangingPunct="1">
+              <a:lnSpc>
+                <a:spcPct val="100000"/>
+              </a:lnSpc>
+              <a:spcBef>
+                <a:spcPts val="0"/>
+              </a:spcBef>
+              <a:spcAft>
+                <a:spcPts val="0"/>
+              </a:spcAft>
+              <a:buClrTx/>
+              <a:buSzTx/>
+              <a:buFontTx/>
+              <a:buNone/>
+              <a:tabLst/>
+              <a:defRPr/>
+            </a:pPr>
+            <a:r>
+              <a:rPr lang="zh-HK" altLang="en-US" sz="1200" dirty="0">
+                <a:solidFill>
+                  <a:schemeClr val="tx1">
+                    <a:lumMod val="95000"/>
+                  </a:schemeClr>
+                </a:solidFill>
+                <a:effectLst/>
+                <a:latin typeface="Meiryo UI" panose="020B0604030504040204" pitchFamily="34" charset="-128"/>
+                <a:ea typeface="Meiryo UI" panose="020B0604030504040204" pitchFamily="34" charset="-128"/>
+              </a:rPr>
+              <a:t>以下二つツールを使用して調査し続きます。</a:t>
+            </a:r>
+            <a:endParaRPr lang="en-US" altLang="zh-HK" sz="1200" dirty="0">
+              <a:solidFill>
+                <a:schemeClr val="tx1">
+                  <a:lumMod val="95000"/>
+                </a:schemeClr>
+              </a:solidFill>
+              <a:effectLst/>
+              <a:latin typeface="Meiryo UI" panose="020B0604030504040204" pitchFamily="34" charset="-128"/>
+              <a:ea typeface="Meiryo UI" panose="020B0604030504040204" pitchFamily="34" charset="-128"/>
+            </a:endParaRPr>
+          </a:p>
+          <a:p>
+            <a:r>
+              <a:rPr kumimoji="1" lang="zh-HK" altLang="en-US" dirty="0"/>
+              <a:t>一つは</a:t>
+            </a:r>
+            <a:r>
+              <a:rPr kumimoji="1" lang="en-US" altLang="zh-HK" dirty="0"/>
+              <a:t> go max procs </a:t>
+            </a:r>
+            <a:r>
+              <a:rPr kumimoji="1" lang="zh-HK" altLang="en-US" dirty="0"/>
+              <a:t>です。</a:t>
+            </a:r>
+            <a:br>
+              <a:rPr kumimoji="1" lang="en-US" altLang="zh-HK" dirty="0"/>
+            </a:br>
+            <a:r>
+              <a:rPr kumimoji="1" lang="en-US" altLang="zh-HK" dirty="0"/>
+              <a:t>	</a:t>
+            </a:r>
+            <a:r>
+              <a:rPr lang="en-US" altLang="zh-HK" dirty="0"/>
+              <a:t>Go Max Procs</a:t>
+            </a:r>
+            <a:r>
+              <a:rPr lang="ja-JP" altLang="en-US"/>
+              <a:t>は、</a:t>
+            </a:r>
+            <a:r>
+              <a:rPr lang="en-US" altLang="zh-HK" dirty="0"/>
+              <a:t>CPU</a:t>
+            </a:r>
+            <a:r>
+              <a:rPr lang="ja-JP" altLang="en-US"/>
+              <a:t>のコア</a:t>
+            </a:r>
+            <a:r>
+              <a:rPr lang="zh-HK" altLang="en-US" dirty="0"/>
+              <a:t>数</a:t>
+            </a:r>
+            <a:r>
+              <a:rPr lang="ja-JP" altLang="en-US"/>
+              <a:t>を</a:t>
+            </a:r>
+            <a:r>
+              <a:rPr lang="zh-HK" altLang="en-US" dirty="0"/>
+              <a:t>設定</a:t>
+            </a:r>
+            <a:r>
+              <a:rPr lang="ja-JP" altLang="en-US"/>
+              <a:t>できるツールです。</a:t>
+            </a:r>
+            <a:r>
+              <a:rPr lang="zh-HK" altLang="en-US" dirty="0"/>
+              <a:t>負荷</a:t>
+            </a:r>
+            <a:r>
+              <a:rPr lang="ja-JP" altLang="en-US"/>
+              <a:t>の</a:t>
+            </a:r>
+            <a:r>
+              <a:rPr lang="zh-HK" altLang="en-US" dirty="0"/>
+              <a:t>高</a:t>
+            </a:r>
+            <a:r>
+              <a:rPr lang="ja-JP" altLang="en-US"/>
+              <a:t>いタスクを</a:t>
+            </a:r>
+            <a:r>
+              <a:rPr lang="zh-HK" altLang="en-US" dirty="0"/>
+              <a:t>効率的</a:t>
+            </a:r>
+            <a:r>
+              <a:rPr lang="ja-JP" altLang="en-US"/>
+              <a:t>に</a:t>
+            </a:r>
+            <a:r>
+              <a:rPr lang="zh-HK" altLang="en-US" dirty="0"/>
+              <a:t>完了</a:t>
+            </a:r>
+            <a:r>
+              <a:rPr lang="ja-JP" altLang="en-US"/>
+              <a:t>するためには、</a:t>
+            </a:r>
+            <a:r>
+              <a:rPr lang="zh-HK" altLang="en-US" dirty="0"/>
+              <a:t>実行時</a:t>
+            </a:r>
+            <a:r>
+              <a:rPr lang="ja-JP" altLang="en-US"/>
+              <a:t>のリソース</a:t>
+            </a:r>
+            <a:r>
+              <a:rPr lang="zh-HK" altLang="en-US" dirty="0"/>
+              <a:t>最適化</a:t>
+            </a:r>
+            <a:r>
+              <a:rPr lang="ja-JP" altLang="en-US"/>
+              <a:t>が</a:t>
+            </a:r>
+            <a:r>
+              <a:rPr lang="zh-HK" altLang="en-US" dirty="0"/>
+              <a:t>重要</a:t>
+            </a:r>
+            <a:r>
+              <a:rPr lang="ja-JP" altLang="en-US"/>
+              <a:t>です。</a:t>
+            </a:r>
+            <a:br>
+              <a:rPr lang="en-US" altLang="ja-JP" dirty="0"/>
+            </a:br>
+            <a:br>
+              <a:rPr kumimoji="1" lang="en-US" altLang="zh-HK" dirty="0"/>
+            </a:br>
+            <a:r>
+              <a:rPr kumimoji="1" lang="zh-HK" altLang="en-US" dirty="0"/>
+              <a:t>もう一つは</a:t>
+            </a:r>
+            <a:r>
+              <a:rPr kumimoji="1" lang="en-US" altLang="zh-HK" dirty="0" err="1"/>
+              <a:t>Pprof</a:t>
+            </a:r>
+            <a:r>
+              <a:rPr kumimoji="1" lang="zh-HK" altLang="en-US" dirty="0"/>
+              <a:t>（</a:t>
+            </a:r>
+            <a:r>
+              <a:rPr kumimoji="1" lang="en-US" altLang="zh-HK" dirty="0"/>
+              <a:t>P</a:t>
+            </a:r>
+            <a:r>
+              <a:rPr kumimoji="1" lang="ja-JP" altLang="en-US"/>
+              <a:t> </a:t>
+            </a:r>
+            <a:r>
+              <a:rPr kumimoji="1" lang="en-US" altLang="ja-JP" dirty="0"/>
+              <a:t>pop</a:t>
+            </a:r>
+            <a:r>
+              <a:rPr kumimoji="1" lang="zh-HK" altLang="en-US" dirty="0"/>
+              <a:t>）です。</a:t>
+            </a:r>
+            <a:endParaRPr kumimoji="1" lang="en-US" altLang="zh-HK" dirty="0"/>
+          </a:p>
+          <a:p>
+            <a:r>
+              <a:rPr kumimoji="1" lang="en-US" altLang="zh-HK" dirty="0"/>
+              <a:t>	</a:t>
+            </a:r>
+            <a:r>
+              <a:rPr kumimoji="1" lang="zh-HK" altLang="en-US" dirty="0"/>
+              <a:t>（</a:t>
+            </a:r>
+            <a:r>
+              <a:rPr kumimoji="1" lang="en-US" altLang="zh-HK" dirty="0"/>
+              <a:t>P pop</a:t>
+            </a:r>
+            <a:r>
+              <a:rPr kumimoji="1" lang="zh-HK" altLang="en-US" dirty="0"/>
+              <a:t>）は</a:t>
+            </a:r>
+            <a:r>
+              <a:rPr lang="ja-JP" altLang="en-US"/>
+              <a:t>コード</a:t>
+            </a:r>
+            <a:r>
+              <a:rPr lang="zh-HK" altLang="en-US" dirty="0"/>
+              <a:t>実行時</a:t>
+            </a:r>
+            <a:r>
+              <a:rPr lang="ja-JP" altLang="en-US"/>
+              <a:t>のリソース</a:t>
+            </a:r>
+            <a:r>
+              <a:rPr lang="zh-HK" altLang="en-US" dirty="0"/>
+              <a:t>使用状況</a:t>
+            </a:r>
+            <a:r>
+              <a:rPr lang="ja-JP" altLang="en-US"/>
+              <a:t>を</a:t>
+            </a:r>
+            <a:r>
+              <a:rPr lang="zh-HK" altLang="en-US" dirty="0"/>
+              <a:t>監視</a:t>
+            </a:r>
+            <a:r>
+              <a:rPr lang="ja-JP" altLang="en-US"/>
+              <a:t>し、</a:t>
+            </a:r>
+            <a:r>
+              <a:rPr lang="zh-HK" altLang="en-US" dirty="0"/>
+              <a:t>分析</a:t>
+            </a:r>
+            <a:r>
+              <a:rPr lang="ja-JP" altLang="en-US"/>
+              <a:t>するためのツールです。</a:t>
+            </a:r>
+            <a:endParaRPr kumimoji="1" lang="en-US" altLang="zh-HK" dirty="0"/>
+          </a:p>
+        </p:txBody>
+      </p:sp>
+      <p:sp>
+        <p:nvSpPr>
+          <p:cNvPr id="4" name="投影片編號版面配置區 3"/>
+          <p:cNvSpPr>
+            <a:spLocks noGrp="1"/>
+          </p:cNvSpPr>
+          <p:nvPr>
+            <p:ph type="sldNum" sz="quarter" idx="5"/>
+          </p:nvPr>
+        </p:nvSpPr>
+        <p:spPr/>
+        <p:txBody>
+          <a:bodyPr/>
+          <a:lstStyle/>
+          <a:p>
+            <a:fld id="{8102099C-06F5-764E-8D8C-32B506B98079}" type="slidenum">
+              <a:rPr kumimoji="1" lang="zh-HK" altLang="en-US" smtClean="0"/>
               <a:t>6</a:t>
+            </a:fld>
+            <a:endParaRPr kumimoji="1" lang="zh-HK" altLang="en-US"/>
+          </a:p>
+        </p:txBody>
+      </p:sp>
+    </p:spTree>
+    <p:extLst>
+      <p:ext uri="{BB962C8B-B14F-4D97-AF65-F5344CB8AC3E}">
+        <p14:creationId xmlns:p14="http://schemas.microsoft.com/office/powerpoint/2010/main" val="685389607"/>
+      </p:ext>
+    </p:extLst>
+  </p:cSld>
+  <p:clrMapOvr>
+    <a:masterClrMapping/>
+  </p:clrMapOvr>
+</p:notes>
+</file>
+
+<file path=ppt/notesSlides/notesSlide6.xml><?xml version="1.0" encoding="utf-8"?>
+<p:notes xmlns:a="http://schemas.openxmlformats.org/drawingml/2006/main" xmlns:r="http://schemas.openxmlformats.org/officeDocument/2006/relationships" xmlns:p="http://schemas.openxmlformats.org/presentationml/2006/main">
+  <p:cSld>
+    <p:spTree>
+      <p:nvGrpSpPr>
+        <p:cNvPr id="1" name="">
+          <a:extLst>
+            <a:ext uri="{FF2B5EF4-FFF2-40B4-BE49-F238E27FC236}">
+              <a16:creationId xmlns:a16="http://schemas.microsoft.com/office/drawing/2014/main" id="{5877D8E1-902E-834B-AAE1-0D8A7B89AA8C}"/>
+            </a:ext>
+          </a:extLst>
+        </p:cNvPr>
+        <p:cNvGrpSpPr/>
+        <p:nvPr/>
+      </p:nvGrpSpPr>
+      <p:grpSpPr>
+        <a:xfrm>
+          <a:off x="0" y="0"/>
+          <a:ext cx="0" cy="0"/>
+          <a:chOff x="0" y="0"/>
+          <a:chExt cx="0" cy="0"/>
+        </a:xfrm>
+      </p:grpSpPr>
+      <p:sp>
+        <p:nvSpPr>
+          <p:cNvPr id="2" name="投影片影像版面配置區 1">
+            <a:extLst>
+              <a:ext uri="{FF2B5EF4-FFF2-40B4-BE49-F238E27FC236}">
+                <a16:creationId xmlns:a16="http://schemas.microsoft.com/office/drawing/2014/main" id="{DE02A151-06F3-47D4-C42C-A1FAACCB22E0}"/>
+              </a:ext>
+            </a:extLst>
+          </p:cNvPr>
+          <p:cNvSpPr>
+            <a:spLocks noGrp="1" noRot="1" noChangeAspect="1"/>
+          </p:cNvSpPr>
+          <p:nvPr>
+            <p:ph type="sldImg"/>
+          </p:nvPr>
+        </p:nvSpPr>
+        <p:spPr/>
+      </p:sp>
+      <p:sp>
+        <p:nvSpPr>
+          <p:cNvPr id="3" name="備忘稿版面配置區 2">
+            <a:extLst>
+              <a:ext uri="{FF2B5EF4-FFF2-40B4-BE49-F238E27FC236}">
+                <a16:creationId xmlns:a16="http://schemas.microsoft.com/office/drawing/2014/main" id="{B06753FE-7774-66CD-177D-4F1840A7C337}"/>
+              </a:ext>
+            </a:extLst>
+          </p:cNvPr>
+          <p:cNvSpPr>
+            <a:spLocks noGrp="1"/>
+          </p:cNvSpPr>
+          <p:nvPr>
+            <p:ph type="body" idx="1"/>
+          </p:nvPr>
+        </p:nvSpPr>
+        <p:spPr/>
+        <p:txBody>
+          <a:bodyPr/>
+          <a:lstStyle/>
+          <a:p>
+            <a:endParaRPr kumimoji="1" lang="zh-HK" altLang="en-US" dirty="0"/>
+          </a:p>
+        </p:txBody>
+      </p:sp>
+      <p:sp>
+        <p:nvSpPr>
+          <p:cNvPr id="4" name="投影片編號版面配置區 3">
+            <a:extLst>
+              <a:ext uri="{FF2B5EF4-FFF2-40B4-BE49-F238E27FC236}">
+                <a16:creationId xmlns:a16="http://schemas.microsoft.com/office/drawing/2014/main" id="{55CF2DB6-57CF-8B4E-21FF-C420D3F88FA5}"/>
+              </a:ext>
+            </a:extLst>
+          </p:cNvPr>
+          <p:cNvSpPr>
+            <a:spLocks noGrp="1"/>
+          </p:cNvSpPr>
+          <p:nvPr>
+            <p:ph type="sldNum" sz="quarter" idx="5"/>
+          </p:nvPr>
+        </p:nvSpPr>
+        <p:spPr/>
+        <p:txBody>
+          <a:bodyPr/>
+          <a:lstStyle/>
+          <a:p>
+            <a:fld id="{8102099C-06F5-764E-8D8C-32B506B98079}" type="slidenum">
+              <a:rPr kumimoji="1" lang="zh-HK" altLang="en-US" smtClean="0"/>
+              <a:t>7</a:t>
+            </a:fld>
+            <a:endParaRPr kumimoji="1" lang="zh-HK" altLang="en-US"/>
+          </a:p>
+        </p:txBody>
+      </p:sp>
+    </p:spTree>
+    <p:extLst>
+      <p:ext uri="{BB962C8B-B14F-4D97-AF65-F5344CB8AC3E}">
+        <p14:creationId xmlns:p14="http://schemas.microsoft.com/office/powerpoint/2010/main" val="2809384279"/>
+      </p:ext>
+    </p:extLst>
+  </p:cSld>
+  <p:clrMapOvr>
+    <a:masterClrMapping/>
+  </p:clrMapOvr>
+</p:notes>
+</file>
+
+<file path=ppt/notesSlides/notesSlide7.xml><?xml version="1.0" encoding="utf-8"?>
+<p:notes xmlns:a="http://schemas.openxmlformats.org/drawingml/2006/main" xmlns:r="http://schemas.openxmlformats.org/officeDocument/2006/relationships" xmlns:p="http://schemas.openxmlformats.org/presentationml/2006/main">
+  <p:cSld>
+    <p:spTree>
+      <p:nvGrpSpPr>
+        <p:cNvPr id="1" name=""/>
+        <p:cNvGrpSpPr/>
+        <p:nvPr/>
+      </p:nvGrpSpPr>
+      <p:grpSpPr>
+        <a:xfrm>
+          <a:off x="0" y="0"/>
+          <a:ext cx="0" cy="0"/>
+          <a:chOff x="0" y="0"/>
+          <a:chExt cx="0" cy="0"/>
+        </a:xfrm>
+      </p:grpSpPr>
+      <p:sp>
+        <p:nvSpPr>
+          <p:cNvPr id="2" name="投影片影像版面配置區 1"/>
+          <p:cNvSpPr>
+            <a:spLocks noGrp="1" noRot="1" noChangeAspect="1"/>
+          </p:cNvSpPr>
+          <p:nvPr>
+            <p:ph type="sldImg"/>
+          </p:nvPr>
+        </p:nvSpPr>
+        <p:spPr/>
+      </p:sp>
+      <p:sp>
+        <p:nvSpPr>
+          <p:cNvPr id="3" name="備忘稿版面配置區 2"/>
+          <p:cNvSpPr>
+            <a:spLocks noGrp="1"/>
+          </p:cNvSpPr>
+          <p:nvPr>
+            <p:ph type="body" idx="1"/>
+          </p:nvPr>
+        </p:nvSpPr>
+        <p:spPr/>
+        <p:txBody>
+          <a:bodyPr/>
+          <a:lstStyle/>
+          <a:p>
+            <a:endParaRPr kumimoji="1" lang="zh-HK" altLang="en-US" dirty="0"/>
+          </a:p>
+        </p:txBody>
+      </p:sp>
+      <p:sp>
+        <p:nvSpPr>
+          <p:cNvPr id="4" name="投影片編號版面配置區 3"/>
+          <p:cNvSpPr>
+            <a:spLocks noGrp="1"/>
+          </p:cNvSpPr>
+          <p:nvPr>
+            <p:ph type="sldNum" sz="quarter" idx="5"/>
+          </p:nvPr>
+        </p:nvSpPr>
+        <p:spPr/>
+        <p:txBody>
+          <a:bodyPr/>
+          <a:lstStyle/>
+          <a:p>
+            <a:fld id="{8102099C-06F5-764E-8D8C-32B506B98079}" type="slidenum">
+              <a:rPr kumimoji="1" lang="zh-HK" altLang="en-US" smtClean="0"/>
+              <a:t>8</a:t>
             </a:fld>
             <a:endParaRPr kumimoji="1" lang="zh-HK" altLang="en-US"/>
           </a:p>
@@ -5674,6 +5414,131 @@
     <p:extLst>
       <p:ext uri="{BB962C8B-B14F-4D97-AF65-F5344CB8AC3E}">
         <p14:creationId xmlns:p14="http://schemas.microsoft.com/office/powerpoint/2010/main" val="379564690"/>
+      </p:ext>
+    </p:extLst>
+  </p:cSld>
+  <p:clrMapOvr>
+    <a:masterClrMapping/>
+  </p:clrMapOvr>
+</p:notes>
+</file>
+
+<file path=ppt/notesSlides/notesSlide8.xml><?xml version="1.0" encoding="utf-8"?>
+<p:notes xmlns:a="http://schemas.openxmlformats.org/drawingml/2006/main" xmlns:r="http://schemas.openxmlformats.org/officeDocument/2006/relationships" xmlns:p="http://schemas.openxmlformats.org/presentationml/2006/main">
+  <p:cSld>
+    <p:spTree>
+      <p:nvGrpSpPr>
+        <p:cNvPr id="1" name="">
+          <a:extLst>
+            <a:ext uri="{FF2B5EF4-FFF2-40B4-BE49-F238E27FC236}">
+              <a16:creationId xmlns:a16="http://schemas.microsoft.com/office/drawing/2014/main" id="{45C6BB10-D979-BEC8-558F-6BD4C8AB1172}"/>
+            </a:ext>
+          </a:extLst>
+        </p:cNvPr>
+        <p:cNvGrpSpPr/>
+        <p:nvPr/>
+      </p:nvGrpSpPr>
+      <p:grpSpPr>
+        <a:xfrm>
+          <a:off x="0" y="0"/>
+          <a:ext cx="0" cy="0"/>
+          <a:chOff x="0" y="0"/>
+          <a:chExt cx="0" cy="0"/>
+        </a:xfrm>
+      </p:grpSpPr>
+      <p:sp>
+        <p:nvSpPr>
+          <p:cNvPr id="2" name="投影片影像版面配置區 1">
+            <a:extLst>
+              <a:ext uri="{FF2B5EF4-FFF2-40B4-BE49-F238E27FC236}">
+                <a16:creationId xmlns:a16="http://schemas.microsoft.com/office/drawing/2014/main" id="{0EB737EE-21C5-1F05-76C9-74769B607E48}"/>
+              </a:ext>
+            </a:extLst>
+          </p:cNvPr>
+          <p:cNvSpPr>
+            <a:spLocks noGrp="1" noRot="1" noChangeAspect="1"/>
+          </p:cNvSpPr>
+          <p:nvPr>
+            <p:ph type="sldImg"/>
+          </p:nvPr>
+        </p:nvSpPr>
+        <p:spPr/>
+      </p:sp>
+      <p:sp>
+        <p:nvSpPr>
+          <p:cNvPr id="3" name="備忘稿版面配置區 2">
+            <a:extLst>
+              <a:ext uri="{FF2B5EF4-FFF2-40B4-BE49-F238E27FC236}">
+                <a16:creationId xmlns:a16="http://schemas.microsoft.com/office/drawing/2014/main" id="{D148FDAE-77F3-D548-F25A-F44F594FB319}"/>
+              </a:ext>
+            </a:extLst>
+          </p:cNvPr>
+          <p:cNvSpPr>
+            <a:spLocks noGrp="1"/>
+          </p:cNvSpPr>
+          <p:nvPr>
+            <p:ph type="body" idx="1"/>
+          </p:nvPr>
+        </p:nvSpPr>
+        <p:spPr/>
+        <p:txBody>
+          <a:bodyPr/>
+          <a:lstStyle/>
+          <a:p>
+            <a:pPr marL="0" marR="0" lvl="0" indent="0" algn="l" defTabSz="914400" rtl="0" eaLnBrk="1" fontAlgn="auto" latinLnBrk="0" hangingPunct="1">
+              <a:lnSpc>
+                <a:spcPct val="100000"/>
+              </a:lnSpc>
+              <a:spcBef>
+                <a:spcPts val="0"/>
+              </a:spcBef>
+              <a:spcAft>
+                <a:spcPts val="0"/>
+              </a:spcAft>
+              <a:buClrTx/>
+              <a:buSzTx/>
+              <a:buFontTx/>
+              <a:buNone/>
+              <a:tabLst/>
+              <a:defRPr/>
+            </a:pPr>
+            <a:endParaRPr lang="zh-TW" altLang="en-US" dirty="0"/>
+          </a:p>
+        </p:txBody>
+      </p:sp>
+      <p:sp>
+        <p:nvSpPr>
+          <p:cNvPr id="4" name="投影片編號版面配置區 3">
+            <a:extLst>
+              <a:ext uri="{FF2B5EF4-FFF2-40B4-BE49-F238E27FC236}">
+                <a16:creationId xmlns:a16="http://schemas.microsoft.com/office/drawing/2014/main" id="{D82E7F52-32FB-B20F-27C8-F4B5B1B460E9}"/>
+              </a:ext>
+            </a:extLst>
+          </p:cNvPr>
+          <p:cNvSpPr>
+            <a:spLocks noGrp="1"/>
+          </p:cNvSpPr>
+          <p:nvPr>
+            <p:ph type="sldNum" sz="quarter" idx="5"/>
+          </p:nvPr>
+        </p:nvSpPr>
+        <p:spPr/>
+        <p:txBody>
+          <a:bodyPr/>
+          <a:lstStyle/>
+          <a:p>
+            <a:fld id="{8102099C-06F5-764E-8D8C-32B506B98079}" type="slidenum">
+              <a:rPr kumimoji="1" lang="zh-HK" altLang="en-US" smtClean="0"/>
+              <a:t>9</a:t>
+            </a:fld>
+            <a:endParaRPr kumimoji="1" lang="zh-HK" altLang="en-US"/>
+          </a:p>
+        </p:txBody>
+      </p:sp>
+    </p:spTree>
+    <p:extLst>
+      <p:ext uri="{BB962C8B-B14F-4D97-AF65-F5344CB8AC3E}">
+        <p14:creationId xmlns:p14="http://schemas.microsoft.com/office/powerpoint/2010/main" val="132155928"/>
       </p:ext>
     </p:extLst>
   </p:cSld>
@@ -5912,7 +5777,7 @@
           <a:p>
             <a:fld id="{6488FF91-0940-194F-9C77-DAE915FA224C}" type="datetime1">
               <a:rPr lang="zh-HK" altLang="en-US" smtClean="0"/>
-              <a:t>22/10/24</a:t>
+              <a:t>30/10/24</a:t>
             </a:fld>
             <a:endParaRPr lang="en-US" dirty="0"/>
           </a:p>
@@ -6242,7 +6107,7 @@
           <a:p>
             <a:fld id="{FA0DF90C-D644-6640-B8E0-8DE46E7F0644}" type="datetime1">
               <a:rPr lang="zh-HK" altLang="en-US" smtClean="0"/>
-              <a:t>22/10/24</a:t>
+              <a:t>30/10/24</a:t>
             </a:fld>
             <a:endParaRPr lang="en-US" dirty="0"/>
           </a:p>
@@ -6516,7 +6381,7 @@
           <a:p>
             <a:fld id="{A3E15762-F46E-5946-89D2-6B3C47526378}" type="datetime1">
               <a:rPr lang="zh-HK" altLang="en-US" smtClean="0"/>
-              <a:t>22/10/24</a:t>
+              <a:t>30/10/24</a:t>
             </a:fld>
             <a:endParaRPr lang="en-US" dirty="0"/>
           </a:p>
@@ -7080,7 +6945,7 @@
           <a:p>
             <a:fld id="{B1B66AF3-55CB-4E4C-8497-9B186D03A391}" type="datetime1">
               <a:rPr lang="zh-HK" altLang="en-US" smtClean="0"/>
-              <a:t>22/10/24</a:t>
+              <a:t>30/10/24</a:t>
             </a:fld>
             <a:endParaRPr lang="en-US" dirty="0"/>
           </a:p>
@@ -7354,7 +7219,7 @@
           <a:p>
             <a:fld id="{AD6D1AB9-DE2E-F74E-B26B-51B4C34E11D7}" type="datetime1">
               <a:rPr lang="zh-HK" altLang="en-US" smtClean="0"/>
-              <a:t>22/10/24</a:t>
+              <a:t>30/10/24</a:t>
             </a:fld>
             <a:endParaRPr lang="en-US" dirty="0"/>
           </a:p>
@@ -7912,7 +7777,7 @@
           <a:p>
             <a:fld id="{C604EF20-0F4F-5D4B-981E-76360C562C67}" type="datetime1">
               <a:rPr lang="zh-HK" altLang="en-US" smtClean="0"/>
-              <a:t>22/10/24</a:t>
+              <a:t>30/10/24</a:t>
             </a:fld>
             <a:endParaRPr lang="en-US" dirty="0"/>
           </a:p>
@@ -8235,7 +8100,7 @@
           <a:p>
             <a:fld id="{3CBAF90F-A823-E34C-A78F-4AE4CC7F67D9}" type="datetime1">
               <a:rPr lang="zh-HK" altLang="en-US" smtClean="0"/>
-              <a:t>22/10/24</a:t>
+              <a:t>30/10/24</a:t>
             </a:fld>
             <a:endParaRPr lang="en-US" dirty="0"/>
           </a:p>
@@ -8408,7 +8273,7 @@
           <a:p>
             <a:fld id="{360D99CF-A52E-1943-B2AF-2BB78B1FDB5F}" type="datetime1">
               <a:rPr lang="zh-HK" altLang="en-US" smtClean="0"/>
-              <a:t>22/10/24</a:t>
+              <a:t>30/10/24</a:t>
             </a:fld>
             <a:endParaRPr lang="en-US" dirty="0"/>
           </a:p>
@@ -8642,7 +8507,7 @@
           <a:p>
             <a:fld id="{8F0553CA-2D29-764D-AA8F-1197C6038739}" type="datetime1">
               <a:rPr lang="zh-HK" altLang="en-US" smtClean="0"/>
-              <a:t>22/10/24</a:t>
+              <a:t>30/10/24</a:t>
             </a:fld>
             <a:endParaRPr lang="en-US" dirty="0"/>
           </a:p>
@@ -8838,7 +8703,7 @@
           <a:p>
             <a:fld id="{090483E7-7DB3-3E42-9AA5-4E286FE4D513}" type="datetime1">
               <a:rPr lang="zh-HK" altLang="en-US" smtClean="0"/>
-              <a:t>22/10/24</a:t>
+              <a:t>30/10/24</a:t>
             </a:fld>
             <a:endParaRPr lang="en-US" dirty="0"/>
           </a:p>
@@ -9110,7 +8975,7 @@
           <a:p>
             <a:fld id="{88E40C52-B9B1-6D4B-AD30-EA6291ADE45B}" type="datetime1">
               <a:rPr lang="zh-HK" altLang="en-US" smtClean="0"/>
-              <a:t>22/10/24</a:t>
+              <a:t>30/10/24</a:t>
             </a:fld>
             <a:endParaRPr lang="en-US" dirty="0"/>
           </a:p>
@@ -9372,7 +9237,7 @@
           <a:p>
             <a:fld id="{B60E899F-DB52-CE42-A56D-2D8EF91025F2}" type="datetime1">
               <a:rPr lang="zh-HK" altLang="en-US" smtClean="0"/>
-              <a:t>22/10/24</a:t>
+              <a:t>30/10/24</a:t>
             </a:fld>
             <a:endParaRPr lang="en-US" dirty="0"/>
           </a:p>
@@ -9742,7 +9607,7 @@
           <a:p>
             <a:fld id="{5FEC8C46-8D78-CD47-8A77-31D3D7DDC27C}" type="datetime1">
               <a:rPr lang="zh-HK" altLang="en-US" smtClean="0"/>
-              <a:t>22/10/24</a:t>
+              <a:t>30/10/24</a:t>
             </a:fld>
             <a:endParaRPr lang="en-US" dirty="0"/>
           </a:p>
@@ -9886,7 +9751,7 @@
           <a:p>
             <a:fld id="{FE08F07B-E490-A64D-A8FD-15A7600DEDC6}" type="datetime1">
               <a:rPr lang="zh-HK" altLang="en-US" smtClean="0"/>
-              <a:t>22/10/24</a:t>
+              <a:t>30/10/24</a:t>
             </a:fld>
             <a:endParaRPr lang="en-US" dirty="0"/>
           </a:p>
@@ -10007,7 +9872,7 @@
           <a:p>
             <a:fld id="{0E7C8759-FE0A-E346-957B-D93FCC1699B5}" type="datetime1">
               <a:rPr lang="zh-HK" altLang="en-US" smtClean="0"/>
-              <a:t>22/10/24</a:t>
+              <a:t>30/10/24</a:t>
             </a:fld>
             <a:endParaRPr lang="en-US" dirty="0"/>
           </a:p>
@@ -10288,7 +10153,7 @@
           <a:p>
             <a:fld id="{D9D2399D-36B5-7243-824A-D8DDB2F38D52}" type="datetime1">
               <a:rPr lang="zh-HK" altLang="en-US" smtClean="0"/>
-              <a:t>22/10/24</a:t>
+              <a:t>30/10/24</a:t>
             </a:fld>
             <a:endParaRPr lang="en-US" dirty="0"/>
           </a:p>
@@ -10608,7 +10473,7 @@
           <a:p>
             <a:fld id="{A75A1BCC-89DB-FD42-9808-1E6C9FD979D2}" type="datetime1">
               <a:rPr lang="zh-HK" altLang="en-US" smtClean="0"/>
-              <a:t>22/10/24</a:t>
+              <a:t>30/10/24</a:t>
             </a:fld>
             <a:endParaRPr lang="en-US" dirty="0"/>
           </a:p>
@@ -10818,7 +10683,7 @@
           <a:p>
             <a:fld id="{6D0A750E-E3A6-1740-A438-6E87315FF5E3}" type="datetime1">
               <a:rPr lang="zh-HK" altLang="en-US" smtClean="0"/>
-              <a:t>22/10/24</a:t>
+              <a:t>30/10/24</a:t>
             </a:fld>
             <a:endParaRPr lang="en-US" dirty="0"/>
           </a:p>
@@ -11559,34 +11424,53 @@
             <a:r>
               <a:rPr lang="ja-JP" altLang="en-US" sz="2800" kern="100">
                 <a:effectLst/>
-                <a:latin typeface="Yu Mincho" panose="02020400000000000000" pitchFamily="18" charset="-128"/>
+                <a:latin typeface="Meiryo UI" panose="020B0604030504040204" pitchFamily="34" charset="-128"/>
                 <a:ea typeface="Meiryo UI" panose="020B0604030504040204" pitchFamily="34" charset="-128"/>
                 <a:cs typeface="Times New Roman" panose="02020603050405020304" pitchFamily="18" charset="0"/>
               </a:rPr>
-              <a:t>前回は</a:t>
-            </a:r>
-            <a:r>
-              <a:rPr lang="en-US" altLang="ja-JP" sz="2800" kern="100" dirty="0">
-                <a:effectLst/>
-                <a:latin typeface="Yu Mincho" panose="02020400000000000000" pitchFamily="18" charset="-128"/>
+              <a:t>前回の</a:t>
+            </a:r>
+            <a:r>
+              <a:rPr lang="zh-HK" altLang="en-US" sz="2800" kern="100" dirty="0">
+                <a:latin typeface="Meiryo UI" panose="020B0604030504040204" pitchFamily="34" charset="-128"/>
                 <a:ea typeface="Meiryo UI" panose="020B0604030504040204" pitchFamily="34" charset="-128"/>
                 <a:cs typeface="Times New Roman" panose="02020603050405020304" pitchFamily="18" charset="0"/>
               </a:rPr>
-              <a:t>Sha256</a:t>
-            </a:r>
-            <a:r>
-              <a:rPr lang="ja-JP" altLang="en-US" sz="2800" kern="100">
+              <a:t>引き続き</a:t>
+            </a:r>
+            <a:r>
+              <a:rPr lang="zh-HK" altLang="en-US" sz="2800" kern="100" dirty="0">
                 <a:effectLst/>
-                <a:latin typeface="Yu Mincho" panose="02020400000000000000" pitchFamily="18" charset="-128"/>
+                <a:latin typeface="Meiryo UI" panose="020B0604030504040204" pitchFamily="34" charset="-128"/>
                 <a:ea typeface="Meiryo UI" panose="020B0604030504040204" pitchFamily="34" charset="-128"/>
                 <a:cs typeface="Times New Roman" panose="02020603050405020304" pitchFamily="18" charset="0"/>
               </a:rPr>
-              <a:t>でブロックを作る時、</a:t>
+              <a:t>です</a:t>
+            </a:r>
+            <a:endParaRPr lang="en-US" altLang="ja-JP" sz="2800" kern="100" dirty="0">
+              <a:effectLst/>
+              <a:latin typeface="Meiryo UI" panose="020B0604030504040204" pitchFamily="34" charset="-128"/>
+              <a:ea typeface="Meiryo UI" panose="020B0604030504040204" pitchFamily="34" charset="-128"/>
+              <a:cs typeface="Times New Roman" panose="02020603050405020304" pitchFamily="18" charset="0"/>
+            </a:endParaRPr>
+          </a:p>
+          <a:p>
+            <a:pPr marL="0" indent="0">
+              <a:buNone/>
+            </a:pPr>
+            <a:r>
+              <a:rPr lang="ja-JP" altLang="en-US" sz="2800" kern="100">
+                <a:effectLst/>
+                <a:latin typeface="Meiryo UI" panose="020B0604030504040204" pitchFamily="34" charset="-128"/>
+                <a:ea typeface="Meiryo UI" panose="020B0604030504040204" pitchFamily="34" charset="-128"/>
+                <a:cs typeface="Times New Roman" panose="02020603050405020304" pitchFamily="18" charset="0"/>
+              </a:rPr>
+              <a:t>ブロックを作る時、</a:t>
             </a:r>
             <a:r>
               <a:rPr lang="en-US" altLang="ja-JP" sz="2800" kern="100" dirty="0">
                 <a:effectLst/>
-                <a:latin typeface="Yu Mincho" panose="02020400000000000000" pitchFamily="18" charset="-128"/>
+                <a:latin typeface="Meiryo UI" panose="020B0604030504040204" pitchFamily="34" charset="-128"/>
                 <a:ea typeface="Meiryo UI" panose="020B0604030504040204" pitchFamily="34" charset="-128"/>
                 <a:cs typeface="Times New Roman" panose="02020603050405020304" pitchFamily="18" charset="0"/>
               </a:rPr>
@@ -11595,7 +11479,7 @@
             <a:r>
               <a:rPr lang="ja-JP" altLang="en-US" sz="2800" kern="100">
                 <a:effectLst/>
-                <a:latin typeface="Yu Mincho" panose="02020400000000000000" pitchFamily="18" charset="-128"/>
+                <a:latin typeface="Meiryo UI" panose="020B0604030504040204" pitchFamily="34" charset="-128"/>
                 <a:ea typeface="Meiryo UI" panose="020B0604030504040204" pitchFamily="34" charset="-128"/>
                 <a:cs typeface="Times New Roman" panose="02020603050405020304" pitchFamily="18" charset="0"/>
               </a:rPr>
@@ -11603,7 +11487,7 @@
             </a:r>
             <a:r>
               <a:rPr lang="en-US" altLang="zh-TW" sz="2800" kern="100" dirty="0">
-                <a:latin typeface="Yu Mincho" panose="02020400000000000000" pitchFamily="18" charset="-128"/>
+                <a:latin typeface="Meiryo UI" panose="020B0604030504040204" pitchFamily="34" charset="-128"/>
                 <a:ea typeface="Meiryo UI" panose="020B0604030504040204" pitchFamily="34" charset="-128"/>
                 <a:cs typeface="Times New Roman" panose="02020603050405020304" pitchFamily="18" charset="0"/>
               </a:rPr>
@@ -11612,16 +11496,65 @@
             <a:r>
               <a:rPr lang="ja-JP" altLang="en-US" sz="2800" kern="100">
                 <a:effectLst/>
-                <a:latin typeface="Yu Mincho" panose="02020400000000000000" pitchFamily="18" charset="-128"/>
+                <a:latin typeface="Meiryo UI" panose="020B0604030504040204" pitchFamily="34" charset="-128"/>
                 <a:ea typeface="Meiryo UI" panose="020B0604030504040204" pitchFamily="34" charset="-128"/>
                 <a:cs typeface="Times New Roman" panose="02020603050405020304" pitchFamily="18" charset="0"/>
               </a:rPr>
-              <a:t>分くらいですので、速度が上がれば、応用の範囲も広くなることです。</a:t>
+              <a:t>分くらいですので、</a:t>
+            </a:r>
+            <a:r>
+              <a:rPr lang="zh-HK" altLang="en-US" sz="2800" dirty="0">
+                <a:latin typeface="Meiryo UI" panose="020B0604030504040204" pitchFamily="34" charset="-128"/>
+                <a:ea typeface="Meiryo UI" panose="020B0604030504040204" pitchFamily="34" charset="-128"/>
+              </a:rPr>
+              <a:t>速度</a:t>
+            </a:r>
+            <a:r>
+              <a:rPr lang="ja-JP" altLang="en-US" sz="2800">
+                <a:latin typeface="Meiryo UI" panose="020B0604030504040204" pitchFamily="34" charset="-128"/>
+                <a:ea typeface="Meiryo UI" panose="020B0604030504040204" pitchFamily="34" charset="-128"/>
+              </a:rPr>
+              <a:t>が</a:t>
+            </a:r>
+            <a:r>
+              <a:rPr lang="zh-HK" altLang="en-US" sz="2800" dirty="0">
+                <a:latin typeface="Meiryo UI" panose="020B0604030504040204" pitchFamily="34" charset="-128"/>
+                <a:ea typeface="Meiryo UI" panose="020B0604030504040204" pitchFamily="34" charset="-128"/>
+              </a:rPr>
+              <a:t>向上</a:t>
+            </a:r>
+            <a:r>
+              <a:rPr lang="ja-JP" altLang="en-US" sz="2800">
+                <a:latin typeface="Meiryo UI" panose="020B0604030504040204" pitchFamily="34" charset="-128"/>
+                <a:ea typeface="Meiryo UI" panose="020B0604030504040204" pitchFamily="34" charset="-128"/>
+              </a:rPr>
+              <a:t>すれば、</a:t>
+            </a:r>
+            <a:r>
+              <a:rPr lang="zh-HK" altLang="en-US" sz="2800" dirty="0">
+                <a:latin typeface="Meiryo UI" panose="020B0604030504040204" pitchFamily="34" charset="-128"/>
+                <a:ea typeface="Meiryo UI" panose="020B0604030504040204" pitchFamily="34" charset="-128"/>
+              </a:rPr>
+              <a:t>応用範囲</a:t>
+            </a:r>
+            <a:r>
+              <a:rPr lang="ja-JP" altLang="en-US" sz="2800">
+                <a:latin typeface="Meiryo UI" panose="020B0604030504040204" pitchFamily="34" charset="-128"/>
+                <a:ea typeface="Meiryo UI" panose="020B0604030504040204" pitchFamily="34" charset="-128"/>
+              </a:rPr>
+              <a:t>もさらに</a:t>
+            </a:r>
+            <a:r>
+              <a:rPr lang="zh-HK" altLang="en-US" sz="2800" dirty="0">
+                <a:latin typeface="Meiryo UI" panose="020B0604030504040204" pitchFamily="34" charset="-128"/>
+                <a:ea typeface="Meiryo UI" panose="020B0604030504040204" pitchFamily="34" charset="-128"/>
+              </a:rPr>
+              <a:t>拡大</a:t>
             </a:r>
             <a:br>
               <a:rPr lang="en-US" altLang="ja-JP" sz="2800" kern="100" dirty="0">
                 <a:effectLst/>
-                <a:latin typeface="Yu Mincho" panose="02020400000000000000" pitchFamily="18" charset="-128"/>
+                <a:latin typeface="Meiryo UI" panose="020B0604030504040204" pitchFamily="34" charset="-128"/>
                 <a:ea typeface="Meiryo UI" panose="020B0604030504040204" pitchFamily="34" charset="-128"/>
                 <a:cs typeface="Times New Roman" panose="02020603050405020304" pitchFamily="18" charset="0"/>
               </a:rPr>
@@ -11629,7 +11562,7 @@
             <a:br>
               <a:rPr lang="en-US" altLang="ja-JP" sz="2800" kern="100" dirty="0">
                 <a:effectLst/>
-                <a:latin typeface="Yu Mincho" panose="02020400000000000000" pitchFamily="18" charset="-128"/>
+                <a:latin typeface="Meiryo UI" panose="020B0604030504040204" pitchFamily="34" charset="-128"/>
                 <a:ea typeface="Meiryo UI" panose="020B0604030504040204" pitchFamily="34" charset="-128"/>
                 <a:cs typeface="Times New Roman" panose="02020603050405020304" pitchFamily="18" charset="0"/>
               </a:rPr>
@@ -11637,15 +11570,23 @@
             <a:r>
               <a:rPr lang="ja-JP" altLang="en-US" sz="2800" kern="100">
                 <a:effectLst/>
-                <a:latin typeface="Yu Mincho" panose="02020400000000000000" pitchFamily="18" charset="-128"/>
+                <a:latin typeface="Meiryo UI" panose="020B0604030504040204" pitchFamily="34" charset="-128"/>
                 <a:ea typeface="Meiryo UI" panose="020B0604030504040204" pitchFamily="34" charset="-128"/>
                 <a:cs typeface="Times New Roman" panose="02020603050405020304" pitchFamily="18" charset="0"/>
               </a:rPr>
-              <a:t>一方、ブロックを作る時にパソコンの負担もチェックしたいです。</a:t>
+              <a:t>一方、ブロックを作る時にパソコンの負担もチェック</a:t>
+            </a:r>
+            <a:r>
+              <a:rPr lang="zh-HK" altLang="en-US" sz="2800" kern="100" dirty="0">
+                <a:latin typeface="Meiryo UI" panose="020B0604030504040204" pitchFamily="34" charset="-128"/>
+                <a:ea typeface="Meiryo UI" panose="020B0604030504040204" pitchFamily="34" charset="-128"/>
+                <a:cs typeface="Times New Roman" panose="02020603050405020304" pitchFamily="18" charset="0"/>
+              </a:rPr>
+              <a:t>することが必要</a:t>
             </a:r>
             <a:endParaRPr lang="en-US" altLang="ja-JP" sz="2800" kern="100" dirty="0">
               <a:effectLst/>
-              <a:latin typeface="Yu Mincho" panose="02020400000000000000" pitchFamily="18" charset="-128"/>
+              <a:latin typeface="Meiryo UI" panose="020B0604030504040204" pitchFamily="34" charset="-128"/>
               <a:ea typeface="Meiryo UI" panose="020B0604030504040204" pitchFamily="34" charset="-128"/>
               <a:cs typeface="Times New Roman" panose="02020603050405020304" pitchFamily="18" charset="0"/>
             </a:endParaRPr>
@@ -11791,36 +11732,110 @@
                 <a:latin typeface="Meiryo UI" panose="020B0604030504040204" pitchFamily="34" charset="-128"/>
                 <a:ea typeface="Meiryo UI" panose="020B0604030504040204" pitchFamily="34" charset="-128"/>
               </a:rPr>
-              <a:t>を使用するサーバーの効率性</a:t>
-            </a:r>
-            <a:r>
-              <a:rPr kumimoji="1" lang="ja-JP" altLang="en-US" sz="2800">
+              <a:t>を使用する</a:t>
+            </a:r>
+            <a:r>
+              <a:rPr lang="ja-JP" altLang="en-US" sz="2800">
+                <a:latin typeface="Meiryo UI" panose="020B0604030504040204" pitchFamily="34" charset="-128"/>
+                <a:ea typeface="Meiryo UI" panose="020B0604030504040204" pitchFamily="34" charset="-128"/>
+              </a:rPr>
+              <a:t>サーバーの</a:t>
+            </a:r>
+            <a:r>
+              <a:rPr lang="zh-HK" altLang="en-US" sz="2800" dirty="0">
+                <a:latin typeface="Meiryo UI" panose="020B0604030504040204" pitchFamily="34" charset="-128"/>
+                <a:ea typeface="Meiryo UI" panose="020B0604030504040204" pitchFamily="34" charset="-128"/>
+              </a:rPr>
+              <a:t>効率性</a:t>
+            </a:r>
+            <a:r>
+              <a:rPr lang="ja-JP" altLang="en-US" sz="2800">
                 <a:latin typeface="Meiryo UI" panose="020B0604030504040204" pitchFamily="34" charset="-128"/>
                 <a:ea typeface="Meiryo UI" panose="020B0604030504040204" pitchFamily="34" charset="-128"/>
               </a:rPr>
               <a:t>に</a:t>
             </a:r>
             <a:r>
-              <a:rPr kumimoji="1" lang="zh-HK" altLang="en-US" sz="2800" dirty="0">
+              <a:rPr lang="zh-HK" altLang="en-US" sz="2800" dirty="0">
                 <a:latin typeface="Meiryo UI" panose="020B0604030504040204" pitchFamily="34" charset="-128"/>
                 <a:ea typeface="Meiryo UI" panose="020B0604030504040204" pitchFamily="34" charset="-128"/>
               </a:rPr>
-              <a:t>対</a:t>
-            </a:r>
-            <a:r>
-              <a:rPr kumimoji="1" lang="ja-JP" altLang="en-US" sz="2800">
+              <a:t>関</a:t>
+            </a:r>
+            <a:r>
+              <a:rPr lang="ja-JP" altLang="en-US" sz="2800">
                 <a:latin typeface="Meiryo UI" panose="020B0604030504040204" pitchFamily="34" charset="-128"/>
                 <a:ea typeface="Meiryo UI" panose="020B0604030504040204" pitchFamily="34" charset="-128"/>
               </a:rPr>
-              <a:t>して</a:t>
-            </a:r>
-            <a:r>
-              <a:rPr kumimoji="1" lang="zh-HK" altLang="en-US" sz="2800" dirty="0">
+              <a:t>し、</a:t>
+            </a:r>
+            <a:r>
+              <a:rPr lang="zh-HK" altLang="en-US" sz="2800" dirty="0">
                 <a:latin typeface="Meiryo UI" panose="020B0604030504040204" pitchFamily="34" charset="-128"/>
                 <a:ea typeface="Meiryo UI" panose="020B0604030504040204" pitchFamily="34" charset="-128"/>
               </a:rPr>
-              <a:t>速度やパソコンの負担などが少なくなること</a:t>
-            </a:r>
+              <a:t>速度</a:t>
+            </a:r>
+            <a:r>
+              <a:rPr lang="ja-JP" altLang="en-US" sz="2800">
+                <a:latin typeface="Meiryo UI" panose="020B0604030504040204" pitchFamily="34" charset="-128"/>
+                <a:ea typeface="Meiryo UI" panose="020B0604030504040204" pitchFamily="34" charset="-128"/>
+              </a:rPr>
+              <a:t>や</a:t>
+            </a:r>
+            <a:r>
+              <a:rPr lang="en-US" altLang="zh-HK" sz="2800" dirty="0">
+                <a:latin typeface="Meiryo UI" panose="020B0604030504040204" pitchFamily="34" charset="-128"/>
+                <a:ea typeface="Meiryo UI" panose="020B0604030504040204" pitchFamily="34" charset="-128"/>
+              </a:rPr>
+              <a:t>PC</a:t>
+            </a:r>
+            <a:r>
+              <a:rPr lang="zh-HK" altLang="en-US" sz="2800" dirty="0">
+                <a:latin typeface="Meiryo UI" panose="020B0604030504040204" pitchFamily="34" charset="-128"/>
+                <a:ea typeface="Meiryo UI" panose="020B0604030504040204" pitchFamily="34" charset="-128"/>
+              </a:rPr>
+              <a:t>負荷</a:t>
+            </a:r>
+            <a:r>
+              <a:rPr lang="ja-JP" altLang="en-US" sz="2800">
+                <a:latin typeface="Meiryo UI" panose="020B0604030504040204" pitchFamily="34" charset="-128"/>
+                <a:ea typeface="Meiryo UI" panose="020B0604030504040204" pitchFamily="34" charset="-128"/>
+              </a:rPr>
+              <a:t>の</a:t>
+            </a:r>
+            <a:r>
+              <a:rPr lang="zh-HK" altLang="en-US" sz="2800" dirty="0">
+                <a:latin typeface="Meiryo UI" panose="020B0604030504040204" pitchFamily="34" charset="-128"/>
+                <a:ea typeface="Meiryo UI" panose="020B0604030504040204" pitchFamily="34" charset="-128"/>
+              </a:rPr>
+              <a:t>低減</a:t>
+            </a:r>
+            <a:r>
+              <a:rPr lang="ja-JP" altLang="en-US" sz="2800">
+                <a:latin typeface="Meiryo UI" panose="020B0604030504040204" pitchFamily="34" charset="-128"/>
+                <a:ea typeface="Meiryo UI" panose="020B0604030504040204" pitchFamily="34" charset="-128"/>
+              </a:rPr>
+              <a:t>を</a:t>
+            </a:r>
+            <a:r>
+              <a:rPr lang="zh-HK" altLang="en-US" sz="2800" dirty="0">
+                <a:latin typeface="Meiryo UI" panose="020B0604030504040204" pitchFamily="34" charset="-128"/>
+                <a:ea typeface="Meiryo UI" panose="020B0604030504040204" pitchFamily="34" charset="-128"/>
+              </a:rPr>
+              <a:t>目指</a:t>
+            </a:r>
+            <a:r>
+              <a:rPr lang="ja-JP" altLang="en-US" sz="2800">
+                <a:latin typeface="Meiryo UI" panose="020B0604030504040204" pitchFamily="34" charset="-128"/>
+                <a:ea typeface="Meiryo UI" panose="020B0604030504040204" pitchFamily="34" charset="-128"/>
+              </a:rPr>
+              <a:t>します</a:t>
+            </a:r>
+            <a:endParaRPr kumimoji="1" lang="zh-HK" altLang="en-US" sz="2800" dirty="0">
+              <a:latin typeface="Meiryo UI" panose="020B0604030504040204" pitchFamily="34" charset="-128"/>
+              <a:ea typeface="Meiryo UI" panose="020B0604030504040204" pitchFamily="34" charset="-128"/>
+            </a:endParaRPr>
           </a:p>
         </p:txBody>
       </p:sp>
@@ -11902,7 +11917,7 @@
         </p:nvSpPr>
         <p:spPr>
           <a:xfrm>
-            <a:off x="685801" y="0"/>
+            <a:off x="1030286" y="0"/>
             <a:ext cx="10131425" cy="1456267"/>
           </a:xfrm>
         </p:spPr>
@@ -11940,14 +11955,14 @@
             <p:ph idx="1"/>
             <p:extLst>
               <p:ext uri="{D42A27DB-BD31-4B8C-83A1-F6EECF244321}">
-                <p14:modId xmlns:p14="http://schemas.microsoft.com/office/powerpoint/2010/main" val="2899546754"/>
+                <p14:modId xmlns:p14="http://schemas.microsoft.com/office/powerpoint/2010/main" val="1881793756"/>
               </p:ext>
             </p:extLst>
           </p:nvPr>
         </p:nvGraphicFramePr>
         <p:xfrm>
-          <a:off x="483995" y="1233435"/>
-          <a:ext cx="11224009" cy="4391130"/>
+          <a:off x="1659395" y="1456267"/>
+          <a:ext cx="8873206" cy="3768203"/>
         </p:xfrm>
         <a:graphic>
           <a:graphicData uri="http://schemas.openxmlformats.org/drawingml/2006/diagram">
@@ -12052,7 +12067,13 @@
   <p:cSld>
     <p:spTree>
       <p:nvGrpSpPr>
-        <p:cNvPr id="1" name=""/>
+        <p:cNvPr id="1" name="">
+          <a:extLst>
+            <a:ext uri="{FF2B5EF4-FFF2-40B4-BE49-F238E27FC236}">
+              <a16:creationId xmlns:a16="http://schemas.microsoft.com/office/drawing/2014/main" id="{CAEA2645-3E07-87F6-8B37-E1F718427975}"/>
+            </a:ext>
+          </a:extLst>
+        </p:cNvPr>
         <p:cNvGrpSpPr/>
         <p:nvPr/>
       </p:nvGrpSpPr>
@@ -12069,7 +12090,7 @@
           <p:cNvPr id="2" name="標題 1">
             <a:extLst>
               <a:ext uri="{FF2B5EF4-FFF2-40B4-BE49-F238E27FC236}">
-                <a16:creationId xmlns:a16="http://schemas.microsoft.com/office/drawing/2014/main" id="{5119BE88-FD0B-131B-75F2-DB3D052E7252}"/>
+                <a16:creationId xmlns:a16="http://schemas.microsoft.com/office/drawing/2014/main" id="{B87CB553-1C93-CE89-28EE-BEF6F1B9C73D}"/>
               </a:ext>
             </a:extLst>
           </p:cNvPr>
@@ -12082,7 +12103,7 @@
         </p:nvSpPr>
         <p:spPr>
           <a:xfrm>
-            <a:off x="1030287" y="10885"/>
+            <a:off x="1030286" y="0"/>
             <a:ext cx="10131425" cy="1456267"/>
           </a:xfrm>
         </p:spPr>
@@ -12095,35 +12116,7 @@
                 <a:latin typeface="Meiryo UI" panose="020B0604030504040204" pitchFamily="34" charset="-128"/>
                 <a:ea typeface="Meiryo UI" panose="020B0604030504040204" pitchFamily="34" charset="-128"/>
               </a:rPr>
-              <a:t>今後</a:t>
-            </a:r>
-            <a:r>
-              <a:rPr lang="ja-JP" altLang="en-US">
-                <a:latin typeface="Meiryo UI" panose="020B0604030504040204" pitchFamily="34" charset="-128"/>
-                <a:ea typeface="Meiryo UI" panose="020B0604030504040204" pitchFamily="34" charset="-128"/>
-              </a:rPr>
-              <a:t>の</a:t>
-            </a:r>
-            <a:r>
-              <a:rPr lang="zh-HK" altLang="en-US" dirty="0">
-                <a:latin typeface="Meiryo UI" panose="020B0604030504040204" pitchFamily="34" charset="-128"/>
-                <a:ea typeface="Meiryo UI" panose="020B0604030504040204" pitchFamily="34" charset="-128"/>
-              </a:rPr>
-              <a:t>予定</a:t>
-            </a:r>
-            <a:r>
-              <a:rPr lang="ja-JP" altLang="en-US">
-                <a:latin typeface="Meiryo UI" panose="020B0604030504040204" pitchFamily="34" charset="-128"/>
-                <a:ea typeface="Meiryo UI" panose="020B0604030504040204" pitchFamily="34" charset="-128"/>
-              </a:rPr>
-              <a:t>と</a:t>
-            </a:r>
-            <a:r>
-              <a:rPr lang="zh-HK" altLang="en-US" dirty="0">
-                <a:latin typeface="Meiryo UI" panose="020B0604030504040204" pitchFamily="34" charset="-128"/>
-                <a:ea typeface="Meiryo UI" panose="020B0604030504040204" pitchFamily="34" charset="-128"/>
-              </a:rPr>
-              <a:t>課題</a:t>
+              <a:t>研究内容</a:t>
             </a:r>
             <a:endParaRPr kumimoji="1" lang="zh-HK" altLang="en-US" dirty="0">
               <a:latin typeface="Meiryo UI" panose="020B0604030504040204" pitchFamily="34" charset="-128"/>
@@ -12132,136 +12125,1107 @@
           </a:p>
         </p:txBody>
       </p:sp>
-      <p:sp>
-        <p:nvSpPr>
-          <p:cNvPr id="3" name="內容版面配置區 2">
+      <p:graphicFrame>
+        <p:nvGraphicFramePr>
+          <p:cNvPr id="5" name="內容版面配置區 4">
             <a:extLst>
               <a:ext uri="{FF2B5EF4-FFF2-40B4-BE49-F238E27FC236}">
-                <a16:creationId xmlns:a16="http://schemas.microsoft.com/office/drawing/2014/main" id="{5FF3DE65-3E07-AE0F-83F1-1DB3CA622EA3}"/>
+                <a16:creationId xmlns:a16="http://schemas.microsoft.com/office/drawing/2014/main" id="{20D38C82-55A8-962D-99A9-61422338F514}"/>
               </a:ext>
             </a:extLst>
           </p:cNvPr>
-          <p:cNvSpPr>
-            <a:spLocks noGrp="1"/>
-          </p:cNvSpPr>
+          <p:cNvGraphicFramePr>
+            <a:graphicFrameLocks noGrp="1"/>
+          </p:cNvGraphicFramePr>
           <p:nvPr>
             <p:ph idx="1"/>
+            <p:extLst>
+              <p:ext uri="{D42A27DB-BD31-4B8C-83A1-F6EECF244321}">
+                <p14:modId xmlns:p14="http://schemas.microsoft.com/office/powerpoint/2010/main" val="2479036669"/>
+              </p:ext>
+            </p:extLst>
           </p:nvPr>
-        </p:nvSpPr>
-        <p:spPr>
-          <a:xfrm>
-            <a:off x="1030287" y="1543352"/>
-            <a:ext cx="10131425" cy="4327223"/>
-          </a:xfrm>
-        </p:spPr>
-        <p:txBody>
-          <a:bodyPr>
-            <a:normAutofit/>
-          </a:bodyPr>
-          <a:lstStyle/>
-          <a:p>
-            <a:pPr marL="0" indent="0">
-              <a:buNone/>
-            </a:pPr>
-            <a:endParaRPr kumimoji="1" lang="en-US" altLang="zh-HK" sz="2400" dirty="0">
-              <a:latin typeface="Meiryo UI" panose="020B0604030504040204" pitchFamily="34" charset="-128"/>
-              <a:ea typeface="Meiryo UI" panose="020B0604030504040204" pitchFamily="34" charset="-128"/>
-            </a:endParaRPr>
-          </a:p>
-          <a:p>
-            <a:r>
-              <a:rPr kumimoji="1" lang="en-US" altLang="zh-HK" sz="2400" dirty="0">
-                <a:latin typeface="Meiryo UI" panose="020B0604030504040204" pitchFamily="34" charset="-128"/>
-                <a:ea typeface="Meiryo UI" panose="020B0604030504040204" pitchFamily="34" charset="-128"/>
-              </a:rPr>
-              <a:t>Golang</a:t>
-            </a:r>
-            <a:r>
-              <a:rPr kumimoji="1" lang="zh-HK" altLang="en-US" sz="2400" dirty="0">
-                <a:latin typeface="Meiryo UI" panose="020B0604030504040204" pitchFamily="34" charset="-128"/>
-                <a:ea typeface="Meiryo UI" panose="020B0604030504040204" pitchFamily="34" charset="-128"/>
-              </a:rPr>
-              <a:t>でブロックチェーンを作成</a:t>
-            </a:r>
-            <a:endParaRPr kumimoji="1" lang="en-US" altLang="zh-HK" sz="2400" dirty="0">
-              <a:latin typeface="Meiryo UI" panose="020B0604030504040204" pitchFamily="34" charset="-128"/>
-              <a:ea typeface="Meiryo UI" panose="020B0604030504040204" pitchFamily="34" charset="-128"/>
-            </a:endParaRPr>
-          </a:p>
-          <a:p>
-            <a:r>
-              <a:rPr kumimoji="1" lang="en-US" altLang="zh-HK" sz="2400" dirty="0">
-                <a:latin typeface="Meiryo UI" panose="020B0604030504040204" pitchFamily="34" charset="-128"/>
-                <a:ea typeface="Meiryo UI" panose="020B0604030504040204" pitchFamily="34" charset="-128"/>
-              </a:rPr>
-              <a:t>DSL</a:t>
-            </a:r>
-            <a:r>
-              <a:rPr kumimoji="1" lang="zh-HK" altLang="en-US" sz="2400" dirty="0">
-                <a:latin typeface="Meiryo UI" panose="020B0604030504040204" pitchFamily="34" charset="-128"/>
-                <a:ea typeface="Meiryo UI" panose="020B0604030504040204" pitchFamily="34" charset="-128"/>
-              </a:rPr>
-              <a:t>言語について合う言語を探す</a:t>
-            </a:r>
-            <a:endParaRPr kumimoji="1" lang="en-US" altLang="zh-HK" sz="2400" dirty="0">
-              <a:latin typeface="Meiryo UI" panose="020B0604030504040204" pitchFamily="34" charset="-128"/>
-              <a:ea typeface="Meiryo UI" panose="020B0604030504040204" pitchFamily="34" charset="-128"/>
-            </a:endParaRPr>
-          </a:p>
-          <a:p>
-            <a:r>
-              <a:rPr kumimoji="1" lang="zh-HK" altLang="en-US" sz="2400" dirty="0">
-                <a:latin typeface="Meiryo UI" panose="020B0604030504040204" pitchFamily="34" charset="-128"/>
-                <a:ea typeface="Meiryo UI" panose="020B0604030504040204" pitchFamily="34" charset="-128"/>
-              </a:rPr>
-              <a:t>ポートフォリオに</a:t>
-            </a:r>
-            <a:r>
-              <a:rPr kumimoji="1" lang="ja-JP" altLang="en-US" sz="2400">
-                <a:latin typeface="Meiryo UI" panose="020B0604030504040204" pitchFamily="34" charset="-128"/>
-                <a:ea typeface="Meiryo UI" panose="020B0604030504040204" pitchFamily="34" charset="-128"/>
-              </a:rPr>
-              <a:t>ウォレットのようなボタンを設置し</a:t>
-            </a:r>
-            <a:r>
-              <a:rPr kumimoji="1" lang="zh-HK" altLang="en-US" sz="2400" dirty="0">
-                <a:latin typeface="Meiryo UI" panose="020B0604030504040204" pitchFamily="34" charset="-128"/>
-                <a:ea typeface="Meiryo UI" panose="020B0604030504040204" pitchFamily="34" charset="-128"/>
-              </a:rPr>
-              <a:t>、</a:t>
-            </a:r>
-            <a:br>
-              <a:rPr kumimoji="1" lang="en-US" altLang="zh-HK" sz="2400" dirty="0">
-                <a:latin typeface="Meiryo UI" panose="020B0604030504040204" pitchFamily="34" charset="-128"/>
-                <a:ea typeface="Meiryo UI" panose="020B0604030504040204" pitchFamily="34" charset="-128"/>
-              </a:rPr>
-            </a:br>
-            <a:r>
-              <a:rPr kumimoji="1" lang="zh-HK" altLang="en-US" sz="2400" dirty="0">
-                <a:latin typeface="Meiryo UI" panose="020B0604030504040204" pitchFamily="34" charset="-128"/>
-                <a:ea typeface="Meiryo UI" panose="020B0604030504040204" pitchFamily="34" charset="-128"/>
-              </a:rPr>
-              <a:t>過去の書類（例：成績書の写真）で実践</a:t>
-            </a:r>
-            <a:endParaRPr kumimoji="1" lang="en-US" altLang="zh-HK" sz="2400" dirty="0">
-              <a:latin typeface="Meiryo UI" panose="020B0604030504040204" pitchFamily="34" charset="-128"/>
-              <a:ea typeface="Meiryo UI" panose="020B0604030504040204" pitchFamily="34" charset="-128"/>
-            </a:endParaRPr>
-          </a:p>
-          <a:p>
-            <a:endParaRPr kumimoji="1" lang="zh-HK" altLang="en-US" sz="2400" dirty="0">
-              <a:latin typeface="Meiryo UI" panose="020B0604030504040204" pitchFamily="34" charset="-128"/>
-              <a:ea typeface="Meiryo UI" panose="020B0604030504040204" pitchFamily="34" charset="-128"/>
-            </a:endParaRPr>
-          </a:p>
-        </p:txBody>
-      </p:sp>
+        </p:nvGraphicFramePr>
+        <p:xfrm>
+          <a:off x="695998" y="1268998"/>
+          <a:ext cx="10800000" cy="4320003"/>
+        </p:xfrm>
+        <a:graphic>
+          <a:graphicData uri="http://schemas.openxmlformats.org/drawingml/2006/table">
+            <a:tbl>
+              <a:tblPr firstRow="1" bandRow="1">
+                <a:tableStyleId>{5C22544A-7EE6-4342-B048-85BDC9FD1C3A}</a:tableStyleId>
+              </a:tblPr>
+              <a:tblGrid>
+                <a:gridCol w="2892690">
+                  <a:extLst>
+                    <a:ext uri="{9D8B030D-6E8A-4147-A177-3AD203B41FA5}">
+                      <a16:colId xmlns:a16="http://schemas.microsoft.com/office/drawing/2014/main" val="3365443076"/>
+                    </a:ext>
+                  </a:extLst>
+                </a:gridCol>
+                <a:gridCol w="7907310">
+                  <a:extLst>
+                    <a:ext uri="{9D8B030D-6E8A-4147-A177-3AD203B41FA5}">
+                      <a16:colId xmlns:a16="http://schemas.microsoft.com/office/drawing/2014/main" val="573703539"/>
+                    </a:ext>
+                  </a:extLst>
+                </a:gridCol>
+              </a:tblGrid>
+              <a:tr h="555627">
+                <a:tc>
+                  <a:txBody>
+                    <a:bodyPr/>
+                    <a:lstStyle/>
+                    <a:p>
+                      <a:pPr algn="l">
+                        <a:lnSpc>
+                          <a:spcPct val="150000"/>
+                        </a:lnSpc>
+                      </a:pPr>
+                      <a:r>
+                        <a:rPr lang="ja-JP" altLang="en-US">
+                          <a:latin typeface="Meiryo UI" panose="020B0604030504040204" pitchFamily="34" charset="-128"/>
+                          <a:ea typeface="Meiryo UI" panose="020B0604030504040204" pitchFamily="34" charset="-128"/>
+                        </a:rPr>
+                        <a:t>ハッシュ</a:t>
+                      </a:r>
+                      <a:r>
+                        <a:rPr lang="zh-HK" altLang="en-US" dirty="0">
+                          <a:latin typeface="Meiryo UI" panose="020B0604030504040204" pitchFamily="34" charset="-128"/>
+                          <a:ea typeface="Meiryo UI" panose="020B0604030504040204" pitchFamily="34" charset="-128"/>
+                        </a:rPr>
+                        <a:t>関数名</a:t>
+                      </a:r>
+                    </a:p>
+                  </a:txBody>
+                  <a:tcPr anchor="ctr"/>
+                </a:tc>
+                <a:tc>
+                  <a:txBody>
+                    <a:bodyPr/>
+                    <a:lstStyle/>
+                    <a:p>
+                      <a:pPr algn="l">
+                        <a:lnSpc>
+                          <a:spcPct val="150000"/>
+                        </a:lnSpc>
+                      </a:pPr>
+                      <a:r>
+                        <a:rPr lang="zh-HK" altLang="en-US" dirty="0">
+                          <a:latin typeface="Meiryo UI" panose="020B0604030504040204" pitchFamily="34" charset="-128"/>
+                          <a:ea typeface="Meiryo UI" panose="020B0604030504040204" pitchFamily="34" charset="-128"/>
+                        </a:rPr>
+                        <a:t>説明</a:t>
+                      </a:r>
+                    </a:p>
+                  </a:txBody>
+                  <a:tcPr anchor="ctr"/>
+                </a:tc>
+                <a:extLst>
+                  <a:ext uri="{0D108BD9-81ED-4DB2-BD59-A6C34878D82A}">
+                    <a16:rowId xmlns:a16="http://schemas.microsoft.com/office/drawing/2014/main" val="2084740845"/>
+                  </a:ext>
+                </a:extLst>
+              </a:tr>
+              <a:tr h="418264">
+                <a:tc>
+                  <a:txBody>
+                    <a:bodyPr/>
+                    <a:lstStyle/>
+                    <a:p>
+                      <a:r>
+                        <a:rPr lang="en-US" sz="1600" b="1" dirty="0">
+                          <a:latin typeface="Meiryo UI" panose="020B0604030504040204" pitchFamily="34" charset="-128"/>
+                          <a:ea typeface="Meiryo UI" panose="020B0604030504040204" pitchFamily="34" charset="-128"/>
+                        </a:rPr>
+                        <a:t>Argon2</a:t>
+                      </a:r>
+                      <a:endParaRPr lang="en-US" sz="1600" dirty="0">
+                        <a:latin typeface="Meiryo UI" panose="020B0604030504040204" pitchFamily="34" charset="-128"/>
+                        <a:ea typeface="Meiryo UI" panose="020B0604030504040204" pitchFamily="34" charset="-128"/>
+                      </a:endParaRPr>
+                    </a:p>
+                  </a:txBody>
+                  <a:tcPr anchor="ctr"/>
+                </a:tc>
+                <a:tc>
+                  <a:txBody>
+                    <a:bodyPr/>
+                    <a:lstStyle/>
+                    <a:p>
+                      <a:r>
+                        <a:rPr lang="ja-JP" altLang="en-US" sz="1600">
+                          <a:latin typeface="Meiryo UI" panose="020B0604030504040204" pitchFamily="34" charset="-128"/>
+                          <a:ea typeface="Meiryo UI" panose="020B0604030504040204" pitchFamily="34" charset="-128"/>
+                        </a:rPr>
+                        <a:t>パスワード</a:t>
+                      </a:r>
+                      <a:r>
+                        <a:rPr lang="zh-HK" altLang="en-US" sz="1600" dirty="0">
+                          <a:latin typeface="Meiryo UI" panose="020B0604030504040204" pitchFamily="34" charset="-128"/>
+                          <a:ea typeface="Meiryo UI" panose="020B0604030504040204" pitchFamily="34" charset="-128"/>
+                        </a:rPr>
+                        <a:t>保護</a:t>
+                      </a:r>
+                      <a:r>
+                        <a:rPr lang="ja-JP" altLang="en-US" sz="1600">
+                          <a:latin typeface="Meiryo UI" panose="020B0604030504040204" pitchFamily="34" charset="-128"/>
+                          <a:ea typeface="Meiryo UI" panose="020B0604030504040204" pitchFamily="34" charset="-128"/>
+                        </a:rPr>
+                        <a:t>に</a:t>
+                      </a:r>
+                      <a:r>
+                        <a:rPr lang="zh-HK" altLang="en-US" sz="1600" dirty="0">
+                          <a:latin typeface="Meiryo UI" panose="020B0604030504040204" pitchFamily="34" charset="-128"/>
+                          <a:ea typeface="Meiryo UI" panose="020B0604030504040204" pitchFamily="34" charset="-128"/>
+                        </a:rPr>
+                        <a:t>特化</a:t>
+                      </a:r>
+                      <a:r>
+                        <a:rPr lang="ja-JP" altLang="en-US" sz="1600">
+                          <a:latin typeface="Meiryo UI" panose="020B0604030504040204" pitchFamily="34" charset="-128"/>
+                          <a:ea typeface="Meiryo UI" panose="020B0604030504040204" pitchFamily="34" charset="-128"/>
+                        </a:rPr>
+                        <a:t>し、</a:t>
+                      </a:r>
+                      <a:r>
+                        <a:rPr lang="en-US" altLang="zh-HK" sz="1600" dirty="0">
+                          <a:latin typeface="Meiryo UI" panose="020B0604030504040204" pitchFamily="34" charset="-128"/>
+                          <a:ea typeface="Meiryo UI" panose="020B0604030504040204" pitchFamily="34" charset="-128"/>
+                        </a:rPr>
+                        <a:t>GPU</a:t>
+                      </a:r>
+                      <a:r>
+                        <a:rPr lang="zh-HK" altLang="en-US" sz="1600" dirty="0">
+                          <a:latin typeface="Meiryo UI" panose="020B0604030504040204" pitchFamily="34" charset="-128"/>
+                          <a:ea typeface="Meiryo UI" panose="020B0604030504040204" pitchFamily="34" charset="-128"/>
+                        </a:rPr>
+                        <a:t>攻撃</a:t>
+                      </a:r>
+                      <a:r>
+                        <a:rPr lang="ja-JP" altLang="en-US" sz="1600">
+                          <a:latin typeface="Meiryo UI" panose="020B0604030504040204" pitchFamily="34" charset="-128"/>
+                          <a:ea typeface="Meiryo UI" panose="020B0604030504040204" pitchFamily="34" charset="-128"/>
+                        </a:rPr>
+                        <a:t>への</a:t>
+                      </a:r>
+                      <a:r>
+                        <a:rPr lang="zh-HK" altLang="en-US" sz="1600" dirty="0">
+                          <a:latin typeface="Meiryo UI" panose="020B0604030504040204" pitchFamily="34" charset="-128"/>
+                          <a:ea typeface="Meiryo UI" panose="020B0604030504040204" pitchFamily="34" charset="-128"/>
+                        </a:rPr>
+                        <a:t>耐性</a:t>
+                      </a:r>
+                      <a:r>
+                        <a:rPr lang="ja-JP" altLang="en-US" sz="1600">
+                          <a:latin typeface="Meiryo UI" panose="020B0604030504040204" pitchFamily="34" charset="-128"/>
+                          <a:ea typeface="Meiryo UI" panose="020B0604030504040204" pitchFamily="34" charset="-128"/>
+                        </a:rPr>
+                        <a:t>が</a:t>
+                      </a:r>
+                      <a:r>
+                        <a:rPr lang="zh-HK" altLang="en-US" sz="1600" dirty="0">
+                          <a:latin typeface="Meiryo UI" panose="020B0604030504040204" pitchFamily="34" charset="-128"/>
+                          <a:ea typeface="Meiryo UI" panose="020B0604030504040204" pitchFamily="34" charset="-128"/>
+                        </a:rPr>
+                        <a:t>高</a:t>
+                      </a:r>
+                      <a:r>
+                        <a:rPr lang="ja-JP" altLang="en-US" sz="1600">
+                          <a:latin typeface="Meiryo UI" panose="020B0604030504040204" pitchFamily="34" charset="-128"/>
+                          <a:ea typeface="Meiryo UI" panose="020B0604030504040204" pitchFamily="34" charset="-128"/>
+                        </a:rPr>
+                        <a:t>いハッシュ</a:t>
+                      </a:r>
+                      <a:r>
+                        <a:rPr lang="zh-HK" altLang="en-US" sz="1600" dirty="0">
+                          <a:latin typeface="Meiryo UI" panose="020B0604030504040204" pitchFamily="34" charset="-128"/>
+                          <a:ea typeface="Meiryo UI" panose="020B0604030504040204" pitchFamily="34" charset="-128"/>
+                        </a:rPr>
+                        <a:t>関数。</a:t>
+                      </a:r>
+                      <a:endParaRPr lang="ja-JP" altLang="en-US" sz="1600">
+                        <a:latin typeface="Meiryo UI" panose="020B0604030504040204" pitchFamily="34" charset="-128"/>
+                        <a:ea typeface="Meiryo UI" panose="020B0604030504040204" pitchFamily="34" charset="-128"/>
+                      </a:endParaRPr>
+                    </a:p>
+                  </a:txBody>
+                  <a:tcPr anchor="ctr"/>
+                </a:tc>
+                <a:extLst>
+                  <a:ext uri="{0D108BD9-81ED-4DB2-BD59-A6C34878D82A}">
+                    <a16:rowId xmlns:a16="http://schemas.microsoft.com/office/drawing/2014/main" val="3396084827"/>
+                  </a:ext>
+                </a:extLst>
+              </a:tr>
+              <a:tr h="418264">
+                <a:tc>
+                  <a:txBody>
+                    <a:bodyPr/>
+                    <a:lstStyle/>
+                    <a:p>
+                      <a:r>
+                        <a:rPr lang="en-US" sz="1600" b="1" dirty="0">
+                          <a:latin typeface="Meiryo UI" panose="020B0604030504040204" pitchFamily="34" charset="-128"/>
+                          <a:ea typeface="Meiryo UI" panose="020B0604030504040204" pitchFamily="34" charset="-128"/>
+                        </a:rPr>
+                        <a:t>BLAKE3</a:t>
+                      </a:r>
+                      <a:endParaRPr lang="en-US" sz="1600" dirty="0">
+                        <a:latin typeface="Meiryo UI" panose="020B0604030504040204" pitchFamily="34" charset="-128"/>
+                        <a:ea typeface="Meiryo UI" panose="020B0604030504040204" pitchFamily="34" charset="-128"/>
+                      </a:endParaRPr>
+                    </a:p>
+                  </a:txBody>
+                  <a:tcPr anchor="ctr"/>
+                </a:tc>
+                <a:tc>
+                  <a:txBody>
+                    <a:bodyPr/>
+                    <a:lstStyle/>
+                    <a:p>
+                      <a:r>
+                        <a:rPr lang="zh-HK" altLang="en-US" sz="1600" dirty="0">
+                          <a:latin typeface="Meiryo UI" panose="020B0604030504040204" pitchFamily="34" charset="-128"/>
+                          <a:ea typeface="Meiryo UI" panose="020B0604030504040204" pitchFamily="34" charset="-128"/>
+                        </a:rPr>
+                        <a:t>高速</a:t>
+                      </a:r>
+                      <a:r>
+                        <a:rPr lang="ja-JP" altLang="en-US" sz="1600">
+                          <a:latin typeface="Meiryo UI" panose="020B0604030504040204" pitchFamily="34" charset="-128"/>
+                          <a:ea typeface="Meiryo UI" panose="020B0604030504040204" pitchFamily="34" charset="-128"/>
+                        </a:rPr>
+                        <a:t>で</a:t>
+                      </a:r>
+                      <a:r>
+                        <a:rPr lang="zh-HK" altLang="en-US" sz="1600" dirty="0">
+                          <a:latin typeface="Meiryo UI" panose="020B0604030504040204" pitchFamily="34" charset="-128"/>
+                          <a:ea typeface="Meiryo UI" panose="020B0604030504040204" pitchFamily="34" charset="-128"/>
+                        </a:rPr>
+                        <a:t>軽量、並列処理</a:t>
+                      </a:r>
+                      <a:r>
+                        <a:rPr lang="ja-JP" altLang="en-US" sz="1600">
+                          <a:latin typeface="Meiryo UI" panose="020B0604030504040204" pitchFamily="34" charset="-128"/>
+                          <a:ea typeface="Meiryo UI" panose="020B0604030504040204" pitchFamily="34" charset="-128"/>
+                        </a:rPr>
+                        <a:t>に</a:t>
+                      </a:r>
+                      <a:r>
+                        <a:rPr lang="zh-HK" altLang="en-US" sz="1600" dirty="0">
+                          <a:latin typeface="Meiryo UI" panose="020B0604030504040204" pitchFamily="34" charset="-128"/>
+                          <a:ea typeface="Meiryo UI" panose="020B0604030504040204" pitchFamily="34" charset="-128"/>
+                        </a:rPr>
+                        <a:t>適</a:t>
+                      </a:r>
+                      <a:r>
+                        <a:rPr lang="ja-JP" altLang="en-US" sz="1600">
+                          <a:latin typeface="Meiryo UI" panose="020B0604030504040204" pitchFamily="34" charset="-128"/>
+                          <a:ea typeface="Meiryo UI" panose="020B0604030504040204" pitchFamily="34" charset="-128"/>
+                        </a:rPr>
+                        <a:t>した</a:t>
+                      </a:r>
+                      <a:r>
+                        <a:rPr lang="zh-HK" altLang="en-US" sz="1600" dirty="0">
+                          <a:latin typeface="Meiryo UI" panose="020B0604030504040204" pitchFamily="34" charset="-128"/>
+                          <a:ea typeface="Meiryo UI" panose="020B0604030504040204" pitchFamily="34" charset="-128"/>
+                        </a:rPr>
+                        <a:t>最新</a:t>
+                      </a:r>
+                      <a:r>
+                        <a:rPr lang="ja-JP" altLang="en-US" sz="1600">
+                          <a:latin typeface="Meiryo UI" panose="020B0604030504040204" pitchFamily="34" charset="-128"/>
+                          <a:ea typeface="Meiryo UI" panose="020B0604030504040204" pitchFamily="34" charset="-128"/>
+                        </a:rPr>
+                        <a:t>のハッシュ</a:t>
+                      </a:r>
+                      <a:r>
+                        <a:rPr lang="zh-HK" altLang="en-US" sz="1600" dirty="0">
+                          <a:latin typeface="Meiryo UI" panose="020B0604030504040204" pitchFamily="34" charset="-128"/>
+                          <a:ea typeface="Meiryo UI" panose="020B0604030504040204" pitchFamily="34" charset="-128"/>
+                        </a:rPr>
+                        <a:t>関数。</a:t>
+                      </a:r>
+                      <a:endParaRPr lang="ja-JP" altLang="en-US" sz="1600">
+                        <a:latin typeface="Meiryo UI" panose="020B0604030504040204" pitchFamily="34" charset="-128"/>
+                        <a:ea typeface="Meiryo UI" panose="020B0604030504040204" pitchFamily="34" charset="-128"/>
+                      </a:endParaRPr>
+                    </a:p>
+                  </a:txBody>
+                  <a:tcPr anchor="ctr"/>
+                </a:tc>
+                <a:extLst>
+                  <a:ext uri="{0D108BD9-81ED-4DB2-BD59-A6C34878D82A}">
+                    <a16:rowId xmlns:a16="http://schemas.microsoft.com/office/drawing/2014/main" val="753256655"/>
+                  </a:ext>
+                </a:extLst>
+              </a:tr>
+              <a:tr h="418264">
+                <a:tc>
+                  <a:txBody>
+                    <a:bodyPr/>
+                    <a:lstStyle/>
+                    <a:p>
+                      <a:r>
+                        <a:rPr lang="en-US" sz="1600" b="1" dirty="0">
+                          <a:latin typeface="Meiryo UI" panose="020B0604030504040204" pitchFamily="34" charset="-128"/>
+                          <a:ea typeface="Meiryo UI" panose="020B0604030504040204" pitchFamily="34" charset="-128"/>
+                        </a:rPr>
+                        <a:t>Blake2b</a:t>
+                      </a:r>
+                      <a:endParaRPr lang="en-US" sz="1600" dirty="0">
+                        <a:latin typeface="Meiryo UI" panose="020B0604030504040204" pitchFamily="34" charset="-128"/>
+                        <a:ea typeface="Meiryo UI" panose="020B0604030504040204" pitchFamily="34" charset="-128"/>
+                      </a:endParaRPr>
+                    </a:p>
+                  </a:txBody>
+                  <a:tcPr anchor="ctr"/>
+                </a:tc>
+                <a:tc>
+                  <a:txBody>
+                    <a:bodyPr/>
+                    <a:lstStyle/>
+                    <a:p>
+                      <a:r>
+                        <a:rPr lang="en-US" altLang="zh-HK" sz="1600" dirty="0">
+                          <a:latin typeface="Meiryo UI" panose="020B0604030504040204" pitchFamily="34" charset="-128"/>
+                          <a:ea typeface="Meiryo UI" panose="020B0604030504040204" pitchFamily="34" charset="-128"/>
+                        </a:rPr>
+                        <a:t>SHA-2 </a:t>
+                      </a:r>
+                      <a:r>
+                        <a:rPr lang="ja-JP" altLang="en-US" sz="1600">
+                          <a:latin typeface="Meiryo UI" panose="020B0604030504040204" pitchFamily="34" charset="-128"/>
+                          <a:ea typeface="Meiryo UI" panose="020B0604030504040204" pitchFamily="34" charset="-128"/>
+                        </a:rPr>
+                        <a:t>より</a:t>
+                      </a:r>
+                      <a:r>
+                        <a:rPr lang="zh-HK" altLang="en-US" sz="1600" dirty="0">
+                          <a:latin typeface="Meiryo UI" panose="020B0604030504040204" pitchFamily="34" charset="-128"/>
+                          <a:ea typeface="Meiryo UI" panose="020B0604030504040204" pitchFamily="34" charset="-128"/>
+                        </a:rPr>
+                        <a:t>高速</a:t>
+                      </a:r>
+                      <a:r>
+                        <a:rPr lang="ja-JP" altLang="en-US" sz="1600">
+                          <a:latin typeface="Meiryo UI" panose="020B0604030504040204" pitchFamily="34" charset="-128"/>
+                          <a:ea typeface="Meiryo UI" panose="020B0604030504040204" pitchFamily="34" charset="-128"/>
+                        </a:rPr>
+                        <a:t>で、セキュアな</a:t>
+                      </a:r>
+                      <a:r>
+                        <a:rPr lang="zh-HK" altLang="en-US" sz="1600" dirty="0">
+                          <a:latin typeface="Meiryo UI" panose="020B0604030504040204" pitchFamily="34" charset="-128"/>
+                          <a:ea typeface="Meiryo UI" panose="020B0604030504040204" pitchFamily="34" charset="-128"/>
+                        </a:rPr>
+                        <a:t>汎用</a:t>
+                      </a:r>
+                      <a:r>
+                        <a:rPr lang="ja-JP" altLang="en-US" sz="1600">
+                          <a:latin typeface="Meiryo UI" panose="020B0604030504040204" pitchFamily="34" charset="-128"/>
+                          <a:ea typeface="Meiryo UI" panose="020B0604030504040204" pitchFamily="34" charset="-128"/>
+                        </a:rPr>
+                        <a:t>ハッシュ。ブロックチェーンで</a:t>
+                      </a:r>
+                      <a:r>
+                        <a:rPr lang="zh-HK" altLang="en-US" sz="1600" dirty="0">
+                          <a:latin typeface="Meiryo UI" panose="020B0604030504040204" pitchFamily="34" charset="-128"/>
+                          <a:ea typeface="Meiryo UI" panose="020B0604030504040204" pitchFamily="34" charset="-128"/>
+                        </a:rPr>
+                        <a:t>利用</a:t>
+                      </a:r>
+                      <a:r>
+                        <a:rPr lang="ja-JP" altLang="en-US" sz="1600">
+                          <a:latin typeface="Meiryo UI" panose="020B0604030504040204" pitchFamily="34" charset="-128"/>
+                          <a:ea typeface="Meiryo UI" panose="020B0604030504040204" pitchFamily="34" charset="-128"/>
+                        </a:rPr>
+                        <a:t>される。</a:t>
+                      </a:r>
+                    </a:p>
+                  </a:txBody>
+                  <a:tcPr anchor="ctr"/>
+                </a:tc>
+                <a:extLst>
+                  <a:ext uri="{0D108BD9-81ED-4DB2-BD59-A6C34878D82A}">
+                    <a16:rowId xmlns:a16="http://schemas.microsoft.com/office/drawing/2014/main" val="2034402271"/>
+                  </a:ext>
+                </a:extLst>
+              </a:tr>
+              <a:tr h="418264">
+                <a:tc>
+                  <a:txBody>
+                    <a:bodyPr/>
+                    <a:lstStyle/>
+                    <a:p>
+                      <a:r>
+                        <a:rPr lang="en-US" sz="1600" b="1" dirty="0">
+                          <a:latin typeface="Meiryo UI" panose="020B0604030504040204" pitchFamily="34" charset="-128"/>
+                          <a:ea typeface="Meiryo UI" panose="020B0604030504040204" pitchFamily="34" charset="-128"/>
+                        </a:rPr>
+                        <a:t>Blake2s</a:t>
+                      </a:r>
+                      <a:endParaRPr lang="en-US" sz="1600" dirty="0">
+                        <a:latin typeface="Meiryo UI" panose="020B0604030504040204" pitchFamily="34" charset="-128"/>
+                        <a:ea typeface="Meiryo UI" panose="020B0604030504040204" pitchFamily="34" charset="-128"/>
+                      </a:endParaRPr>
+                    </a:p>
+                  </a:txBody>
+                  <a:tcPr anchor="ctr"/>
+                </a:tc>
+                <a:tc>
+                  <a:txBody>
+                    <a:bodyPr/>
+                    <a:lstStyle/>
+                    <a:p>
+                      <a:r>
+                        <a:rPr lang="en-US" altLang="zh-HK" sz="1600" dirty="0">
+                          <a:latin typeface="Meiryo UI" panose="020B0604030504040204" pitchFamily="34" charset="-128"/>
+                          <a:ea typeface="Meiryo UI" panose="020B0604030504040204" pitchFamily="34" charset="-128"/>
+                        </a:rPr>
+                        <a:t>Blake2b </a:t>
+                      </a:r>
+                      <a:r>
+                        <a:rPr lang="ja-JP" altLang="en-US" sz="1600">
+                          <a:latin typeface="Meiryo UI" panose="020B0604030504040204" pitchFamily="34" charset="-128"/>
+                          <a:ea typeface="Meiryo UI" panose="020B0604030504040204" pitchFamily="34" charset="-128"/>
+                        </a:rPr>
+                        <a:t>の</a:t>
+                      </a:r>
+                      <a:r>
+                        <a:rPr lang="zh-HK" altLang="en-US" sz="1600" dirty="0">
+                          <a:latin typeface="Meiryo UI" panose="020B0604030504040204" pitchFamily="34" charset="-128"/>
+                          <a:ea typeface="Meiryo UI" panose="020B0604030504040204" pitchFamily="34" charset="-128"/>
+                        </a:rPr>
+                        <a:t>軽量版</a:t>
+                      </a:r>
+                      <a:r>
+                        <a:rPr lang="ja-JP" altLang="en-US" sz="1600">
+                          <a:latin typeface="Meiryo UI" panose="020B0604030504040204" pitchFamily="34" charset="-128"/>
+                          <a:ea typeface="Meiryo UI" panose="020B0604030504040204" pitchFamily="34" charset="-128"/>
+                        </a:rPr>
+                        <a:t>で、</a:t>
+                      </a:r>
+                      <a:r>
+                        <a:rPr lang="en-US" altLang="zh-HK" sz="1600" dirty="0">
+                          <a:latin typeface="Meiryo UI" panose="020B0604030504040204" pitchFamily="34" charset="-128"/>
+                          <a:ea typeface="Meiryo UI" panose="020B0604030504040204" pitchFamily="34" charset="-128"/>
+                        </a:rPr>
+                        <a:t>IoT </a:t>
+                      </a:r>
+                      <a:r>
+                        <a:rPr lang="ja-JP" altLang="en-US" sz="1600">
+                          <a:latin typeface="Meiryo UI" panose="020B0604030504040204" pitchFamily="34" charset="-128"/>
+                          <a:ea typeface="Meiryo UI" panose="020B0604030504040204" pitchFamily="34" charset="-128"/>
+                        </a:rPr>
+                        <a:t>デバイスなどのリソース</a:t>
+                      </a:r>
+                      <a:r>
+                        <a:rPr lang="zh-HK" altLang="en-US" sz="1600" dirty="0">
+                          <a:latin typeface="Meiryo UI" panose="020B0604030504040204" pitchFamily="34" charset="-128"/>
+                          <a:ea typeface="Meiryo UI" panose="020B0604030504040204" pitchFamily="34" charset="-128"/>
+                        </a:rPr>
+                        <a:t>制限環境</a:t>
+                      </a:r>
+                      <a:r>
+                        <a:rPr lang="ja-JP" altLang="en-US" sz="1600">
+                          <a:latin typeface="Meiryo UI" panose="020B0604030504040204" pitchFamily="34" charset="-128"/>
+                          <a:ea typeface="Meiryo UI" panose="020B0604030504040204" pitchFamily="34" charset="-128"/>
+                        </a:rPr>
+                        <a:t>に</a:t>
+                      </a:r>
+                      <a:r>
+                        <a:rPr lang="zh-HK" altLang="en-US" sz="1600" dirty="0">
+                          <a:latin typeface="Meiryo UI" panose="020B0604030504040204" pitchFamily="34" charset="-128"/>
+                          <a:ea typeface="Meiryo UI" panose="020B0604030504040204" pitchFamily="34" charset="-128"/>
+                        </a:rPr>
+                        <a:t>最適。</a:t>
+                      </a:r>
+                      <a:endParaRPr lang="ja-JP" altLang="en-US" sz="1600">
+                        <a:latin typeface="Meiryo UI" panose="020B0604030504040204" pitchFamily="34" charset="-128"/>
+                        <a:ea typeface="Meiryo UI" panose="020B0604030504040204" pitchFamily="34" charset="-128"/>
+                      </a:endParaRPr>
+                    </a:p>
+                  </a:txBody>
+                  <a:tcPr anchor="ctr"/>
+                </a:tc>
+                <a:extLst>
+                  <a:ext uri="{0D108BD9-81ED-4DB2-BD59-A6C34878D82A}">
+                    <a16:rowId xmlns:a16="http://schemas.microsoft.com/office/drawing/2014/main" val="2536628448"/>
+                  </a:ext>
+                </a:extLst>
+              </a:tr>
+              <a:tr h="418264">
+                <a:tc>
+                  <a:txBody>
+                    <a:bodyPr/>
+                    <a:lstStyle/>
+                    <a:p>
+                      <a:r>
+                        <a:rPr lang="en-US" sz="1600" b="1" dirty="0">
+                          <a:latin typeface="Meiryo UI" panose="020B0604030504040204" pitchFamily="34" charset="-128"/>
+                          <a:ea typeface="Meiryo UI" panose="020B0604030504040204" pitchFamily="34" charset="-128"/>
+                        </a:rPr>
+                        <a:t>GOST R 34.11-2012</a:t>
+                      </a:r>
+                      <a:endParaRPr lang="en-US" sz="1600" dirty="0">
+                        <a:latin typeface="Meiryo UI" panose="020B0604030504040204" pitchFamily="34" charset="-128"/>
+                        <a:ea typeface="Meiryo UI" panose="020B0604030504040204" pitchFamily="34" charset="-128"/>
+                      </a:endParaRPr>
+                    </a:p>
+                  </a:txBody>
+                  <a:tcPr anchor="ctr"/>
+                </a:tc>
+                <a:tc>
+                  <a:txBody>
+                    <a:bodyPr/>
+                    <a:lstStyle/>
+                    <a:p>
+                      <a:r>
+                        <a:rPr lang="ja-JP" altLang="en-US" sz="1600">
+                          <a:latin typeface="Meiryo UI" panose="020B0604030504040204" pitchFamily="34" charset="-128"/>
+                          <a:ea typeface="Meiryo UI" panose="020B0604030504040204" pitchFamily="34" charset="-128"/>
+                        </a:rPr>
+                        <a:t>ロシアの</a:t>
+                      </a:r>
+                      <a:r>
+                        <a:rPr lang="zh-HK" altLang="en-US" sz="1600" dirty="0">
+                          <a:latin typeface="Meiryo UI" panose="020B0604030504040204" pitchFamily="34" charset="-128"/>
+                          <a:ea typeface="Meiryo UI" panose="020B0604030504040204" pitchFamily="34" charset="-128"/>
+                        </a:rPr>
+                        <a:t>国家標準</a:t>
+                      </a:r>
+                      <a:r>
+                        <a:rPr lang="ja-JP" altLang="en-US" sz="1600">
+                          <a:latin typeface="Meiryo UI" panose="020B0604030504040204" pitchFamily="34" charset="-128"/>
+                          <a:ea typeface="Meiryo UI" panose="020B0604030504040204" pitchFamily="34" charset="-128"/>
+                        </a:rPr>
+                        <a:t>ハッシュ。</a:t>
+                      </a:r>
+                      <a:r>
+                        <a:rPr lang="zh-HK" altLang="en-US" sz="1600" dirty="0">
+                          <a:latin typeface="Meiryo UI" panose="020B0604030504040204" pitchFamily="34" charset="-128"/>
+                          <a:ea typeface="Meiryo UI" panose="020B0604030504040204" pitchFamily="34" charset="-128"/>
+                        </a:rPr>
+                        <a:t>国内</a:t>
+                      </a:r>
+                      <a:r>
+                        <a:rPr lang="ja-JP" altLang="en-US" sz="1600">
+                          <a:latin typeface="Meiryo UI" panose="020B0604030504040204" pitchFamily="34" charset="-128"/>
+                          <a:ea typeface="Meiryo UI" panose="020B0604030504040204" pitchFamily="34" charset="-128"/>
+                        </a:rPr>
+                        <a:t>の</a:t>
+                      </a:r>
+                      <a:r>
+                        <a:rPr lang="zh-HK" altLang="en-US" sz="1600" dirty="0">
+                          <a:latin typeface="Meiryo UI" panose="020B0604030504040204" pitchFamily="34" charset="-128"/>
+                          <a:ea typeface="Meiryo UI" panose="020B0604030504040204" pitchFamily="34" charset="-128"/>
+                        </a:rPr>
+                        <a:t>暗号規格</a:t>
+                      </a:r>
+                      <a:r>
+                        <a:rPr lang="ja-JP" altLang="en-US" sz="1600">
+                          <a:latin typeface="Meiryo UI" panose="020B0604030504040204" pitchFamily="34" charset="-128"/>
+                          <a:ea typeface="Meiryo UI" panose="020B0604030504040204" pitchFamily="34" charset="-128"/>
+                        </a:rPr>
+                        <a:t>や</a:t>
+                      </a:r>
+                      <a:r>
+                        <a:rPr lang="zh-HK" altLang="en-US" sz="1600" dirty="0">
+                          <a:latin typeface="Meiryo UI" panose="020B0604030504040204" pitchFamily="34" charset="-128"/>
+                          <a:ea typeface="Meiryo UI" panose="020B0604030504040204" pitchFamily="34" charset="-128"/>
+                        </a:rPr>
+                        <a:t>法令準拠</a:t>
+                      </a:r>
+                      <a:r>
+                        <a:rPr lang="ja-JP" altLang="en-US" sz="1600">
+                          <a:latin typeface="Meiryo UI" panose="020B0604030504040204" pitchFamily="34" charset="-128"/>
+                          <a:ea typeface="Meiryo UI" panose="020B0604030504040204" pitchFamily="34" charset="-128"/>
+                        </a:rPr>
+                        <a:t>に</a:t>
+                      </a:r>
+                      <a:r>
+                        <a:rPr lang="zh-HK" altLang="en-US" sz="1600" dirty="0">
+                          <a:latin typeface="Meiryo UI" panose="020B0604030504040204" pitchFamily="34" charset="-128"/>
+                          <a:ea typeface="Meiryo UI" panose="020B0604030504040204" pitchFamily="34" charset="-128"/>
+                        </a:rPr>
+                        <a:t>使用</a:t>
+                      </a:r>
+                      <a:r>
+                        <a:rPr lang="ja-JP" altLang="en-US" sz="1600">
+                          <a:latin typeface="Meiryo UI" panose="020B0604030504040204" pitchFamily="34" charset="-128"/>
+                          <a:ea typeface="Meiryo UI" panose="020B0604030504040204" pitchFamily="34" charset="-128"/>
+                        </a:rPr>
+                        <a:t>される。</a:t>
+                      </a:r>
+                    </a:p>
+                  </a:txBody>
+                  <a:tcPr anchor="ctr"/>
+                </a:tc>
+                <a:extLst>
+                  <a:ext uri="{0D108BD9-81ED-4DB2-BD59-A6C34878D82A}">
+                    <a16:rowId xmlns:a16="http://schemas.microsoft.com/office/drawing/2014/main" val="3793397242"/>
+                  </a:ext>
+                </a:extLst>
+              </a:tr>
+              <a:tr h="418264">
+                <a:tc>
+                  <a:txBody>
+                    <a:bodyPr/>
+                    <a:lstStyle/>
+                    <a:p>
+                      <a:r>
+                        <a:rPr lang="en-US" sz="1600" b="1" dirty="0">
+                          <a:latin typeface="Meiryo UI" panose="020B0604030504040204" pitchFamily="34" charset="-128"/>
+                          <a:ea typeface="Meiryo UI" panose="020B0604030504040204" pitchFamily="34" charset="-128"/>
+                        </a:rPr>
+                        <a:t>RIPEMD-160</a:t>
+                      </a:r>
+                      <a:endParaRPr lang="en-US" sz="1600" dirty="0">
+                        <a:latin typeface="Meiryo UI" panose="020B0604030504040204" pitchFamily="34" charset="-128"/>
+                        <a:ea typeface="Meiryo UI" panose="020B0604030504040204" pitchFamily="34" charset="-128"/>
+                      </a:endParaRPr>
+                    </a:p>
+                  </a:txBody>
+                  <a:tcPr anchor="ctr"/>
+                </a:tc>
+                <a:tc>
+                  <a:txBody>
+                    <a:bodyPr/>
+                    <a:lstStyle/>
+                    <a:p>
+                      <a:r>
+                        <a:rPr lang="en-US" altLang="zh-HK" sz="1600" dirty="0">
+                          <a:latin typeface="Meiryo UI" panose="020B0604030504040204" pitchFamily="34" charset="-128"/>
+                          <a:ea typeface="Meiryo UI" panose="020B0604030504040204" pitchFamily="34" charset="-128"/>
+                        </a:rPr>
+                        <a:t>Bitcoin </a:t>
+                      </a:r>
+                      <a:r>
+                        <a:rPr lang="ja-JP" altLang="en-US" sz="1600">
+                          <a:latin typeface="Meiryo UI" panose="020B0604030504040204" pitchFamily="34" charset="-128"/>
+                          <a:ea typeface="Meiryo UI" panose="020B0604030504040204" pitchFamily="34" charset="-128"/>
+                        </a:rPr>
+                        <a:t>のアドレス</a:t>
+                      </a:r>
+                      <a:r>
+                        <a:rPr lang="zh-HK" altLang="en-US" sz="1600" dirty="0">
+                          <a:latin typeface="Meiryo UI" panose="020B0604030504040204" pitchFamily="34" charset="-128"/>
+                          <a:ea typeface="Meiryo UI" panose="020B0604030504040204" pitchFamily="34" charset="-128"/>
+                        </a:rPr>
+                        <a:t>生成</a:t>
+                      </a:r>
+                      <a:r>
+                        <a:rPr lang="ja-JP" altLang="en-US" sz="1600">
+                          <a:latin typeface="Meiryo UI" panose="020B0604030504040204" pitchFamily="34" charset="-128"/>
+                          <a:ea typeface="Meiryo UI" panose="020B0604030504040204" pitchFamily="34" charset="-128"/>
+                        </a:rPr>
+                        <a:t>で</a:t>
+                      </a:r>
+                      <a:r>
+                        <a:rPr lang="zh-HK" altLang="en-US" sz="1600" dirty="0">
+                          <a:latin typeface="Meiryo UI" panose="020B0604030504040204" pitchFamily="34" charset="-128"/>
+                          <a:ea typeface="Meiryo UI" panose="020B0604030504040204" pitchFamily="34" charset="-128"/>
+                        </a:rPr>
+                        <a:t>使</a:t>
+                      </a:r>
+                      <a:r>
+                        <a:rPr lang="ja-JP" altLang="en-US" sz="1600">
+                          <a:latin typeface="Meiryo UI" panose="020B0604030504040204" pitchFamily="34" charset="-128"/>
+                          <a:ea typeface="Meiryo UI" panose="020B0604030504040204" pitchFamily="34" charset="-128"/>
+                        </a:rPr>
+                        <a:t>われるが、</a:t>
+                      </a:r>
+                      <a:r>
+                        <a:rPr lang="en-US" altLang="zh-HK" sz="1600" dirty="0">
+                          <a:latin typeface="Meiryo UI" panose="020B0604030504040204" pitchFamily="34" charset="-128"/>
+                          <a:ea typeface="Meiryo UI" panose="020B0604030504040204" pitchFamily="34" charset="-128"/>
+                        </a:rPr>
+                        <a:t>SHA </a:t>
+                      </a:r>
+                      <a:r>
+                        <a:rPr lang="zh-HK" altLang="en-US" sz="1600" dirty="0">
+                          <a:latin typeface="Meiryo UI" panose="020B0604030504040204" pitchFamily="34" charset="-128"/>
+                          <a:ea typeface="Meiryo UI" panose="020B0604030504040204" pitchFamily="34" charset="-128"/>
+                        </a:rPr>
+                        <a:t>系列</a:t>
+                      </a:r>
+                      <a:r>
+                        <a:rPr lang="ja-JP" altLang="en-US" sz="1600">
+                          <a:latin typeface="Meiryo UI" panose="020B0604030504040204" pitchFamily="34" charset="-128"/>
+                          <a:ea typeface="Meiryo UI" panose="020B0604030504040204" pitchFamily="34" charset="-128"/>
+                        </a:rPr>
+                        <a:t>ほどセキュアではない。</a:t>
+                      </a:r>
+                    </a:p>
+                  </a:txBody>
+                  <a:tcPr anchor="ctr"/>
+                </a:tc>
+                <a:extLst>
+                  <a:ext uri="{0D108BD9-81ED-4DB2-BD59-A6C34878D82A}">
+                    <a16:rowId xmlns:a16="http://schemas.microsoft.com/office/drawing/2014/main" val="248859200"/>
+                  </a:ext>
+                </a:extLst>
+              </a:tr>
+              <a:tr h="418264">
+                <a:tc>
+                  <a:txBody>
+                    <a:bodyPr/>
+                    <a:lstStyle/>
+                    <a:p>
+                      <a:r>
+                        <a:rPr lang="en-US" sz="1600" b="1" dirty="0">
+                          <a:latin typeface="Meiryo UI" panose="020B0604030504040204" pitchFamily="34" charset="-128"/>
+                          <a:ea typeface="Meiryo UI" panose="020B0604030504040204" pitchFamily="34" charset="-128"/>
+                        </a:rPr>
+                        <a:t>Keccak</a:t>
+                      </a:r>
+                      <a:endParaRPr lang="en-US" sz="1600" dirty="0">
+                        <a:latin typeface="Meiryo UI" panose="020B0604030504040204" pitchFamily="34" charset="-128"/>
+                        <a:ea typeface="Meiryo UI" panose="020B0604030504040204" pitchFamily="34" charset="-128"/>
+                      </a:endParaRPr>
+                    </a:p>
+                  </a:txBody>
+                  <a:tcPr anchor="ctr"/>
+                </a:tc>
+                <a:tc>
+                  <a:txBody>
+                    <a:bodyPr/>
+                    <a:lstStyle/>
+                    <a:p>
+                      <a:r>
+                        <a:rPr lang="en-US" altLang="zh-HK" sz="1600" dirty="0">
+                          <a:latin typeface="Meiryo UI" panose="020B0604030504040204" pitchFamily="34" charset="-128"/>
+                          <a:ea typeface="Meiryo UI" panose="020B0604030504040204" pitchFamily="34" charset="-128"/>
+                        </a:rPr>
+                        <a:t>NIST </a:t>
+                      </a:r>
+                      <a:r>
+                        <a:rPr lang="zh-HK" altLang="en-US" sz="1600" dirty="0">
+                          <a:latin typeface="Meiryo UI" panose="020B0604030504040204" pitchFamily="34" charset="-128"/>
+                          <a:ea typeface="Meiryo UI" panose="020B0604030504040204" pitchFamily="34" charset="-128"/>
+                        </a:rPr>
+                        <a:t>標準。</a:t>
+                      </a:r>
+                      <a:r>
+                        <a:rPr lang="ja-JP" altLang="en-US" sz="1600">
+                          <a:latin typeface="Meiryo UI" panose="020B0604030504040204" pitchFamily="34" charset="-128"/>
+                          <a:ea typeface="Meiryo UI" panose="020B0604030504040204" pitchFamily="34" charset="-128"/>
+                        </a:rPr>
+                        <a:t>データ</a:t>
+                      </a:r>
+                      <a:r>
+                        <a:rPr lang="zh-HK" altLang="en-US" sz="1600" dirty="0">
+                          <a:latin typeface="Meiryo UI" panose="020B0604030504040204" pitchFamily="34" charset="-128"/>
+                          <a:ea typeface="Meiryo UI" panose="020B0604030504040204" pitchFamily="34" charset="-128"/>
+                        </a:rPr>
+                        <a:t>完全性検証</a:t>
+                      </a:r>
+                      <a:r>
+                        <a:rPr lang="ja-JP" altLang="en-US" sz="1600">
+                          <a:latin typeface="Meiryo UI" panose="020B0604030504040204" pitchFamily="34" charset="-128"/>
+                          <a:ea typeface="Meiryo UI" panose="020B0604030504040204" pitchFamily="34" charset="-128"/>
+                        </a:rPr>
+                        <a:t>や</a:t>
+                      </a:r>
+                      <a:r>
+                        <a:rPr lang="zh-HK" altLang="en-US" sz="1600" dirty="0">
+                          <a:latin typeface="Meiryo UI" panose="020B0604030504040204" pitchFamily="34" charset="-128"/>
+                          <a:ea typeface="Meiryo UI" panose="020B0604030504040204" pitchFamily="34" charset="-128"/>
+                        </a:rPr>
+                        <a:t>暗号用途</a:t>
+                      </a:r>
+                      <a:r>
+                        <a:rPr lang="ja-JP" altLang="en-US" sz="1600">
+                          <a:latin typeface="Meiryo UI" panose="020B0604030504040204" pitchFamily="34" charset="-128"/>
+                          <a:ea typeface="Meiryo UI" panose="020B0604030504040204" pitchFamily="34" charset="-128"/>
+                        </a:rPr>
+                        <a:t>に</a:t>
+                      </a:r>
+                      <a:r>
+                        <a:rPr lang="zh-HK" altLang="en-US" sz="1600" dirty="0">
+                          <a:latin typeface="Meiryo UI" panose="020B0604030504040204" pitchFamily="34" charset="-128"/>
+                          <a:ea typeface="Meiryo UI" panose="020B0604030504040204" pitchFamily="34" charset="-128"/>
+                        </a:rPr>
+                        <a:t>用</a:t>
+                      </a:r>
+                      <a:r>
+                        <a:rPr lang="ja-JP" altLang="en-US" sz="1600">
+                          <a:latin typeface="Meiryo UI" panose="020B0604030504040204" pitchFamily="34" charset="-128"/>
+                          <a:ea typeface="Meiryo UI" panose="020B0604030504040204" pitchFamily="34" charset="-128"/>
+                        </a:rPr>
+                        <a:t>いられる。</a:t>
+                      </a:r>
+                      <a:r>
+                        <a:rPr lang="en-US" altLang="zh-HK" sz="1600" dirty="0">
+                          <a:latin typeface="Meiryo UI" panose="020B0604030504040204" pitchFamily="34" charset="-128"/>
+                          <a:ea typeface="Meiryo UI" panose="020B0604030504040204" pitchFamily="34" charset="-128"/>
+                        </a:rPr>
+                        <a:t>Keccak </a:t>
+                      </a:r>
+                      <a:r>
+                        <a:rPr lang="ja-JP" altLang="en-US" sz="1600">
+                          <a:latin typeface="Meiryo UI" panose="020B0604030504040204" pitchFamily="34" charset="-128"/>
+                          <a:ea typeface="Meiryo UI" panose="020B0604030504040204" pitchFamily="34" charset="-128"/>
+                        </a:rPr>
+                        <a:t>は </a:t>
+                      </a:r>
+                      <a:r>
+                        <a:rPr lang="en-US" altLang="zh-HK" sz="1600" dirty="0">
+                          <a:latin typeface="Meiryo UI" panose="020B0604030504040204" pitchFamily="34" charset="-128"/>
+                          <a:ea typeface="Meiryo UI" panose="020B0604030504040204" pitchFamily="34" charset="-128"/>
+                        </a:rPr>
+                        <a:t>SHA-3 </a:t>
+                      </a:r>
+                      <a:r>
+                        <a:rPr lang="ja-JP" altLang="en-US" sz="1600">
+                          <a:latin typeface="Meiryo UI" panose="020B0604030504040204" pitchFamily="34" charset="-128"/>
+                          <a:ea typeface="Meiryo UI" panose="020B0604030504040204" pitchFamily="34" charset="-128"/>
+                        </a:rPr>
+                        <a:t>の</a:t>
+                      </a:r>
+                      <a:r>
+                        <a:rPr lang="zh-HK" altLang="en-US" sz="1600" dirty="0">
+                          <a:latin typeface="Meiryo UI" panose="020B0604030504040204" pitchFamily="34" charset="-128"/>
+                          <a:ea typeface="Meiryo UI" panose="020B0604030504040204" pitchFamily="34" charset="-128"/>
+                        </a:rPr>
+                        <a:t>元</a:t>
+                      </a:r>
+                      <a:r>
+                        <a:rPr lang="ja-JP" altLang="en-US" sz="1600">
+                          <a:latin typeface="Meiryo UI" panose="020B0604030504040204" pitchFamily="34" charset="-128"/>
+                          <a:ea typeface="Meiryo UI" panose="020B0604030504040204" pitchFamily="34" charset="-128"/>
+                        </a:rPr>
+                        <a:t>となった。</a:t>
+                      </a:r>
+                    </a:p>
+                  </a:txBody>
+                  <a:tcPr anchor="ctr"/>
+                </a:tc>
+                <a:extLst>
+                  <a:ext uri="{0D108BD9-81ED-4DB2-BD59-A6C34878D82A}">
+                    <a16:rowId xmlns:a16="http://schemas.microsoft.com/office/drawing/2014/main" val="2795203554"/>
+                  </a:ext>
+                </a:extLst>
+              </a:tr>
+              <a:tr h="418264">
+                <a:tc>
+                  <a:txBody>
+                    <a:bodyPr/>
+                    <a:lstStyle/>
+                    <a:p>
+                      <a:r>
+                        <a:rPr lang="en-US" sz="1600" b="1" dirty="0">
+                          <a:latin typeface="Meiryo UI" panose="020B0604030504040204" pitchFamily="34" charset="-128"/>
+                          <a:ea typeface="Meiryo UI" panose="020B0604030504040204" pitchFamily="34" charset="-128"/>
+                        </a:rPr>
+                        <a:t>Skein</a:t>
+                      </a:r>
+                      <a:endParaRPr lang="en-US" sz="1600" dirty="0">
+                        <a:latin typeface="Meiryo UI" panose="020B0604030504040204" pitchFamily="34" charset="-128"/>
+                        <a:ea typeface="Meiryo UI" panose="020B0604030504040204" pitchFamily="34" charset="-128"/>
+                      </a:endParaRPr>
+                    </a:p>
+                  </a:txBody>
+                  <a:tcPr anchor="ctr"/>
+                </a:tc>
+                <a:tc>
+                  <a:txBody>
+                    <a:bodyPr/>
+                    <a:lstStyle/>
+                    <a:p>
+                      <a:r>
+                        <a:rPr lang="zh-HK" altLang="en-US" sz="1600" dirty="0">
+                          <a:latin typeface="Meiryo UI" panose="020B0604030504040204" pitchFamily="34" charset="-128"/>
+                          <a:ea typeface="Meiryo UI" panose="020B0604030504040204" pitchFamily="34" charset="-128"/>
+                        </a:rPr>
+                        <a:t>可変長</a:t>
+                      </a:r>
+                      <a:r>
+                        <a:rPr lang="ja-JP" altLang="en-US" sz="1600">
+                          <a:latin typeface="Meiryo UI" panose="020B0604030504040204" pitchFamily="34" charset="-128"/>
+                          <a:ea typeface="Meiryo UI" panose="020B0604030504040204" pitchFamily="34" charset="-128"/>
+                        </a:rPr>
+                        <a:t>のハッシュ</a:t>
+                      </a:r>
+                      <a:r>
+                        <a:rPr lang="zh-HK" altLang="en-US" sz="1600" dirty="0">
+                          <a:latin typeface="Meiryo UI" panose="020B0604030504040204" pitchFamily="34" charset="-128"/>
+                          <a:ea typeface="Meiryo UI" panose="020B0604030504040204" pitchFamily="34" charset="-128"/>
+                        </a:rPr>
+                        <a:t>出力</a:t>
+                      </a:r>
+                      <a:r>
+                        <a:rPr lang="ja-JP" altLang="en-US" sz="1600">
+                          <a:latin typeface="Meiryo UI" panose="020B0604030504040204" pitchFamily="34" charset="-128"/>
+                          <a:ea typeface="Meiryo UI" panose="020B0604030504040204" pitchFamily="34" charset="-128"/>
+                        </a:rPr>
+                        <a:t>が</a:t>
+                      </a:r>
+                      <a:r>
+                        <a:rPr lang="zh-HK" altLang="en-US" sz="1600" dirty="0">
+                          <a:latin typeface="Meiryo UI" panose="020B0604030504040204" pitchFamily="34" charset="-128"/>
+                          <a:ea typeface="Meiryo UI" panose="020B0604030504040204" pitchFamily="34" charset="-128"/>
+                        </a:rPr>
+                        <a:t>可能</a:t>
+                      </a:r>
+                      <a:r>
+                        <a:rPr lang="ja-JP" altLang="en-US" sz="1600">
+                          <a:latin typeface="Meiryo UI" panose="020B0604030504040204" pitchFamily="34" charset="-128"/>
+                          <a:ea typeface="Meiryo UI" panose="020B0604030504040204" pitchFamily="34" charset="-128"/>
+                        </a:rPr>
+                        <a:t>で、デジタル</a:t>
+                      </a:r>
+                      <a:r>
+                        <a:rPr lang="zh-HK" altLang="en-US" sz="1600" dirty="0">
+                          <a:latin typeface="Meiryo UI" panose="020B0604030504040204" pitchFamily="34" charset="-128"/>
+                          <a:ea typeface="Meiryo UI" panose="020B0604030504040204" pitchFamily="34" charset="-128"/>
+                        </a:rPr>
+                        <a:t>署名</a:t>
+                      </a:r>
+                      <a:r>
+                        <a:rPr lang="ja-JP" altLang="en-US" sz="1600">
+                          <a:latin typeface="Meiryo UI" panose="020B0604030504040204" pitchFamily="34" charset="-128"/>
+                          <a:ea typeface="Meiryo UI" panose="020B0604030504040204" pitchFamily="34" charset="-128"/>
+                        </a:rPr>
+                        <a:t>などで</a:t>
+                      </a:r>
+                      <a:r>
+                        <a:rPr lang="zh-HK" altLang="en-US" sz="1600" dirty="0">
+                          <a:latin typeface="Meiryo UI" panose="020B0604030504040204" pitchFamily="34" charset="-128"/>
+                          <a:ea typeface="Meiryo UI" panose="020B0604030504040204" pitchFamily="34" charset="-128"/>
+                        </a:rPr>
+                        <a:t>使用</a:t>
+                      </a:r>
+                      <a:r>
+                        <a:rPr lang="ja-JP" altLang="en-US" sz="1600">
+                          <a:latin typeface="Meiryo UI" panose="020B0604030504040204" pitchFamily="34" charset="-128"/>
+                          <a:ea typeface="Meiryo UI" panose="020B0604030504040204" pitchFamily="34" charset="-128"/>
+                        </a:rPr>
+                        <a:t>される。</a:t>
+                      </a:r>
+                      <a:endParaRPr lang="zh-HK" altLang="en-US" sz="1600" dirty="0">
+                        <a:latin typeface="Meiryo UI" panose="020B0604030504040204" pitchFamily="34" charset="-128"/>
+                        <a:ea typeface="Meiryo UI" panose="020B0604030504040204" pitchFamily="34" charset="-128"/>
+                      </a:endParaRPr>
+                    </a:p>
+                  </a:txBody>
+                  <a:tcPr anchor="ctr"/>
+                </a:tc>
+                <a:extLst>
+                  <a:ext uri="{0D108BD9-81ED-4DB2-BD59-A6C34878D82A}">
+                    <a16:rowId xmlns:a16="http://schemas.microsoft.com/office/drawing/2014/main" val="1186693646"/>
+                  </a:ext>
+                </a:extLst>
+              </a:tr>
+              <a:tr h="418264">
+                <a:tc>
+                  <a:txBody>
+                    <a:bodyPr/>
+                    <a:lstStyle/>
+                    <a:p>
+                      <a:r>
+                        <a:rPr lang="en-US" altLang="zh-HK" sz="1600" b="1" dirty="0">
+                          <a:latin typeface="Meiryo UI" panose="020B0604030504040204" pitchFamily="34" charset="-128"/>
+                          <a:ea typeface="Meiryo UI" panose="020B0604030504040204" pitchFamily="34" charset="-128"/>
+                        </a:rPr>
+                        <a:t>Whirlpool</a:t>
+                      </a:r>
+                      <a:endParaRPr lang="en-US" sz="1600" b="1" dirty="0">
+                        <a:latin typeface="Meiryo UI" panose="020B0604030504040204" pitchFamily="34" charset="-128"/>
+                        <a:ea typeface="Meiryo UI" panose="020B0604030504040204" pitchFamily="34" charset="-128"/>
+                      </a:endParaRPr>
+                    </a:p>
+                  </a:txBody>
+                  <a:tcPr anchor="ctr"/>
+                </a:tc>
+                <a:tc>
+                  <a:txBody>
+                    <a:bodyPr/>
+                    <a:lstStyle/>
+                    <a:p>
+                      <a:r>
+                        <a:rPr lang="zh-HK" altLang="en-US" sz="1600" dirty="0">
+                          <a:latin typeface="Meiryo UI" panose="020B0604030504040204" pitchFamily="34" charset="-128"/>
+                          <a:ea typeface="Meiryo UI" panose="020B0604030504040204" pitchFamily="34" charset="-128"/>
+                        </a:rPr>
+                        <a:t>高</a:t>
+                      </a:r>
+                      <a:r>
+                        <a:rPr lang="ja-JP" altLang="en-US" sz="1600">
+                          <a:latin typeface="Meiryo UI" panose="020B0604030504040204" pitchFamily="34" charset="-128"/>
+                          <a:ea typeface="Meiryo UI" panose="020B0604030504040204" pitchFamily="34" charset="-128"/>
+                        </a:rPr>
+                        <a:t>セキュリティ</a:t>
+                      </a:r>
+                      <a:r>
+                        <a:rPr lang="zh-HK" altLang="en-US" sz="1600" dirty="0">
+                          <a:latin typeface="Meiryo UI" panose="020B0604030504040204" pitchFamily="34" charset="-128"/>
+                          <a:ea typeface="Meiryo UI" panose="020B0604030504040204" pitchFamily="34" charset="-128"/>
+                        </a:rPr>
+                        <a:t>向</a:t>
+                      </a:r>
+                      <a:r>
+                        <a:rPr lang="ja-JP" altLang="en-US" sz="1600">
+                          <a:latin typeface="Meiryo UI" panose="020B0604030504040204" pitchFamily="34" charset="-128"/>
+                          <a:ea typeface="Meiryo UI" panose="020B0604030504040204" pitchFamily="34" charset="-128"/>
+                        </a:rPr>
+                        <a:t>けのハッシュだが、</a:t>
+                      </a:r>
+                      <a:r>
+                        <a:rPr lang="zh-HK" altLang="en-US" sz="1600" dirty="0">
+                          <a:latin typeface="Meiryo UI" panose="020B0604030504040204" pitchFamily="34" charset="-128"/>
+                          <a:ea typeface="Meiryo UI" panose="020B0604030504040204" pitchFamily="34" charset="-128"/>
+                        </a:rPr>
+                        <a:t>普及率</a:t>
+                      </a:r>
+                      <a:r>
+                        <a:rPr lang="ja-JP" altLang="en-US" sz="1600">
+                          <a:latin typeface="Meiryo UI" panose="020B0604030504040204" pitchFamily="34" charset="-128"/>
+                          <a:ea typeface="Meiryo UI" panose="020B0604030504040204" pitchFamily="34" charset="-128"/>
+                        </a:rPr>
+                        <a:t>は</a:t>
+                      </a:r>
+                      <a:r>
+                        <a:rPr lang="zh-HK" altLang="en-US" sz="1600" dirty="0">
+                          <a:latin typeface="Meiryo UI" panose="020B0604030504040204" pitchFamily="34" charset="-128"/>
+                          <a:ea typeface="Meiryo UI" panose="020B0604030504040204" pitchFamily="34" charset="-128"/>
+                        </a:rPr>
+                        <a:t>低</a:t>
+                      </a:r>
+                      <a:r>
+                        <a:rPr lang="ja-JP" altLang="en-US" sz="1600">
+                          <a:latin typeface="Meiryo UI" panose="020B0604030504040204" pitchFamily="34" charset="-128"/>
+                          <a:ea typeface="Meiryo UI" panose="020B0604030504040204" pitchFamily="34" charset="-128"/>
+                        </a:rPr>
+                        <a:t>い。</a:t>
+                      </a:r>
+                      <a:endParaRPr lang="zh-HK" altLang="en-US" sz="1600" dirty="0">
+                        <a:latin typeface="Meiryo UI" panose="020B0604030504040204" pitchFamily="34" charset="-128"/>
+                        <a:ea typeface="Meiryo UI" panose="020B0604030504040204" pitchFamily="34" charset="-128"/>
+                      </a:endParaRPr>
+                    </a:p>
+                  </a:txBody>
+                  <a:tcPr anchor="ctr"/>
+                </a:tc>
+                <a:extLst>
+                  <a:ext uri="{0D108BD9-81ED-4DB2-BD59-A6C34878D82A}">
+                    <a16:rowId xmlns:a16="http://schemas.microsoft.com/office/drawing/2014/main" val="2591479745"/>
+                  </a:ext>
+                </a:extLst>
+              </a:tr>
+            </a:tbl>
+          </a:graphicData>
+        </a:graphic>
+      </p:graphicFrame>
       <p:sp>
         <p:nvSpPr>
           <p:cNvPr id="4" name="投影片編號版面配置區 3">
             <a:extLst>
               <a:ext uri="{FF2B5EF4-FFF2-40B4-BE49-F238E27FC236}">
-                <a16:creationId xmlns:a16="http://schemas.microsoft.com/office/drawing/2014/main" id="{95D11E82-3436-AC05-85E9-467AF1D1E575}"/>
+                <a16:creationId xmlns:a16="http://schemas.microsoft.com/office/drawing/2014/main" id="{842EB5FD-A6A8-8468-24AA-6022424FB4DA}"/>
               </a:ext>
             </a:extLst>
           </p:cNvPr>
@@ -12289,7 +13253,7 @@
     </p:spTree>
     <p:extLst>
       <p:ext uri="{BB962C8B-B14F-4D97-AF65-F5344CB8AC3E}">
-        <p14:creationId xmlns:p14="http://schemas.microsoft.com/office/powerpoint/2010/main" val="4167462772"/>
+        <p14:creationId xmlns:p14="http://schemas.microsoft.com/office/powerpoint/2010/main" val="2829699622"/>
       </p:ext>
     </p:extLst>
   </p:cSld>
@@ -12321,6 +13285,865 @@
           <p:cNvPr id="2" name="標題 1">
             <a:extLst>
               <a:ext uri="{FF2B5EF4-FFF2-40B4-BE49-F238E27FC236}">
+                <a16:creationId xmlns:a16="http://schemas.microsoft.com/office/drawing/2014/main" id="{5119BE88-FD0B-131B-75F2-DB3D052E7252}"/>
+              </a:ext>
+            </a:extLst>
+          </p:cNvPr>
+          <p:cNvSpPr>
+            <a:spLocks noGrp="1"/>
+          </p:cNvSpPr>
+          <p:nvPr>
+            <p:ph type="title"/>
+          </p:nvPr>
+        </p:nvSpPr>
+        <p:spPr>
+          <a:xfrm>
+            <a:off x="1030286" y="0"/>
+            <a:ext cx="10131425" cy="1456267"/>
+          </a:xfrm>
+        </p:spPr>
+        <p:txBody>
+          <a:bodyPr/>
+          <a:lstStyle/>
+          <a:p>
+            <a:r>
+              <a:rPr lang="zh-HK" altLang="en-US" dirty="0">
+                <a:latin typeface="Meiryo UI" panose="020B0604030504040204" pitchFamily="34" charset="-128"/>
+                <a:ea typeface="Meiryo UI" panose="020B0604030504040204" pitchFamily="34" charset="-128"/>
+              </a:rPr>
+              <a:t>研究内容</a:t>
+            </a:r>
+            <a:endParaRPr kumimoji="1" lang="zh-HK" altLang="en-US" dirty="0">
+              <a:latin typeface="Meiryo UI" panose="020B0604030504040204" pitchFamily="34" charset="-128"/>
+              <a:ea typeface="Meiryo UI" panose="020B0604030504040204" pitchFamily="34" charset="-128"/>
+            </a:endParaRPr>
+          </a:p>
+        </p:txBody>
+      </p:sp>
+      <p:sp>
+        <p:nvSpPr>
+          <p:cNvPr id="3" name="內容版面配置區 2">
+            <a:extLst>
+              <a:ext uri="{FF2B5EF4-FFF2-40B4-BE49-F238E27FC236}">
+                <a16:creationId xmlns:a16="http://schemas.microsoft.com/office/drawing/2014/main" id="{5FF3DE65-3E07-AE0F-83F1-1DB3CA622EA3}"/>
+              </a:ext>
+            </a:extLst>
+          </p:cNvPr>
+          <p:cNvSpPr>
+            <a:spLocks noGrp="1"/>
+          </p:cNvSpPr>
+          <p:nvPr>
+            <p:ph idx="1"/>
+          </p:nvPr>
+        </p:nvSpPr>
+        <p:spPr>
+          <a:xfrm>
+            <a:off x="1030286" y="1300812"/>
+            <a:ext cx="10131425" cy="4256376"/>
+          </a:xfrm>
+        </p:spPr>
+        <p:txBody>
+          <a:bodyPr>
+            <a:normAutofit/>
+          </a:bodyPr>
+          <a:lstStyle/>
+          <a:p>
+            <a:pPr>
+              <a:lnSpc>
+                <a:spcPct val="110000"/>
+              </a:lnSpc>
+            </a:pPr>
+            <a:r>
+              <a:rPr lang="en-US" altLang="zh-HK" sz="2400" b="1" dirty="0">
+                <a:solidFill>
+                  <a:schemeClr val="tx1">
+                    <a:lumMod val="95000"/>
+                  </a:schemeClr>
+                </a:solidFill>
+                <a:effectLst/>
+                <a:latin typeface="Meiryo UI" panose="020B0604030504040204" pitchFamily="34" charset="-128"/>
+                <a:ea typeface="Meiryo UI" panose="020B0604030504040204" pitchFamily="34" charset="-128"/>
+              </a:rPr>
+              <a:t>GOMAXPROCS</a:t>
+            </a:r>
+            <a:r>
+              <a:rPr lang="zh-TW" altLang="en-US" sz="2400" b="1" dirty="0">
+                <a:solidFill>
+                  <a:schemeClr val="tx1">
+                    <a:lumMod val="95000"/>
+                  </a:schemeClr>
+                </a:solidFill>
+                <a:effectLst/>
+                <a:latin typeface="Meiryo UI" panose="020B0604030504040204" pitchFamily="34" charset="-128"/>
+                <a:ea typeface="Meiryo UI" panose="020B0604030504040204" pitchFamily="34" charset="-128"/>
+              </a:rPr>
+              <a:t> </a:t>
+            </a:r>
+            <a:endParaRPr lang="en-US" altLang="zh-TW" sz="2400" b="1" dirty="0">
+              <a:solidFill>
+                <a:schemeClr val="tx1">
+                  <a:lumMod val="95000"/>
+                </a:schemeClr>
+              </a:solidFill>
+              <a:effectLst/>
+              <a:latin typeface="Meiryo UI" panose="020B0604030504040204" pitchFamily="34" charset="-128"/>
+              <a:ea typeface="Meiryo UI" panose="020B0604030504040204" pitchFamily="34" charset="-128"/>
+            </a:endParaRPr>
+          </a:p>
+          <a:p>
+            <a:pPr marL="0" indent="0">
+              <a:lnSpc>
+                <a:spcPct val="110000"/>
+              </a:lnSpc>
+              <a:buNone/>
+            </a:pPr>
+            <a:r>
+              <a:rPr lang="en-US" altLang="zh-HK" sz="2400" b="1" dirty="0">
+                <a:solidFill>
+                  <a:schemeClr val="tx1">
+                    <a:lumMod val="95000"/>
+                  </a:schemeClr>
+                </a:solidFill>
+                <a:latin typeface="Meiryo UI" panose="020B0604030504040204" pitchFamily="34" charset="-128"/>
+                <a:ea typeface="Meiryo UI" panose="020B0604030504040204" pitchFamily="34" charset="-128"/>
+              </a:rPr>
+              <a:t>	</a:t>
+            </a:r>
+            <a:r>
+              <a:rPr lang="en-US" altLang="zh-HK" sz="2400" dirty="0">
+                <a:latin typeface="Meiryo UI" panose="020B0604030504040204" pitchFamily="34" charset="-128"/>
+                <a:ea typeface="Meiryo UI" panose="020B0604030504040204" pitchFamily="34" charset="-128"/>
+              </a:rPr>
+              <a:t>Go</a:t>
+            </a:r>
+            <a:r>
+              <a:rPr lang="zh-HK" altLang="en-US" sz="2400" dirty="0">
+                <a:latin typeface="Meiryo UI" panose="020B0604030504040204" pitchFamily="34" charset="-128"/>
+                <a:ea typeface="Meiryo UI" panose="020B0604030504040204" pitchFamily="34" charset="-128"/>
+              </a:rPr>
+              <a:t>言語</a:t>
+            </a:r>
+            <a:r>
+              <a:rPr lang="ja-JP" altLang="en-US" sz="2400">
+                <a:latin typeface="Meiryo UI" panose="020B0604030504040204" pitchFamily="34" charset="-128"/>
+                <a:ea typeface="Meiryo UI" panose="020B0604030504040204" pitchFamily="34" charset="-128"/>
+              </a:rPr>
+              <a:t>の</a:t>
+            </a:r>
+            <a:r>
+              <a:rPr lang="zh-HK" altLang="en-US" sz="2400" dirty="0">
+                <a:latin typeface="Meiryo UI" panose="020B0604030504040204" pitchFamily="34" charset="-128"/>
+                <a:ea typeface="Meiryo UI" panose="020B0604030504040204" pitchFamily="34" charset="-128"/>
+              </a:rPr>
+              <a:t>並行処理</a:t>
+            </a:r>
+            <a:r>
+              <a:rPr lang="ja-JP" altLang="en-US" sz="2400">
+                <a:latin typeface="Meiryo UI" panose="020B0604030504040204" pitchFamily="34" charset="-128"/>
+                <a:ea typeface="Meiryo UI" panose="020B0604030504040204" pitchFamily="34" charset="-128"/>
+              </a:rPr>
+              <a:t>の</a:t>
+            </a:r>
+            <a:r>
+              <a:rPr lang="zh-HK" altLang="en-US" sz="2400" dirty="0">
+                <a:latin typeface="Meiryo UI" panose="020B0604030504040204" pitchFamily="34" charset="-128"/>
+                <a:ea typeface="Meiryo UI" panose="020B0604030504040204" pitchFamily="34" charset="-128"/>
+              </a:rPr>
+              <a:t>効率</a:t>
+            </a:r>
+            <a:r>
+              <a:rPr lang="ja-JP" altLang="en-US" sz="2400">
+                <a:latin typeface="Meiryo UI" panose="020B0604030504040204" pitchFamily="34" charset="-128"/>
+                <a:ea typeface="Meiryo UI" panose="020B0604030504040204" pitchFamily="34" charset="-128"/>
+              </a:rPr>
+              <a:t>を</a:t>
+            </a:r>
+            <a:r>
+              <a:rPr lang="zh-HK" altLang="en-US" sz="2400" dirty="0">
+                <a:latin typeface="Meiryo UI" panose="020B0604030504040204" pitchFamily="34" charset="-128"/>
+                <a:ea typeface="Meiryo UI" panose="020B0604030504040204" pitchFamily="34" charset="-128"/>
+              </a:rPr>
+              <a:t>調整</a:t>
+            </a:r>
+            <a:r>
+              <a:rPr lang="ja-JP" altLang="en-US" sz="2400">
+                <a:latin typeface="Meiryo UI" panose="020B0604030504040204" pitchFamily="34" charset="-128"/>
+                <a:ea typeface="Meiryo UI" panose="020B0604030504040204" pitchFamily="34" charset="-128"/>
+              </a:rPr>
+              <a:t>するため、</a:t>
+            </a:r>
+            <a:r>
+              <a:rPr lang="zh-HK" altLang="en-US" sz="2400" dirty="0">
+                <a:latin typeface="Meiryo UI" panose="020B0604030504040204" pitchFamily="34" charset="-128"/>
+                <a:ea typeface="Meiryo UI" panose="020B0604030504040204" pitchFamily="34" charset="-128"/>
+              </a:rPr>
+              <a:t>環境変数</a:t>
+            </a:r>
+            <a:r>
+              <a:rPr lang="ja-JP" altLang="en-US" sz="2400">
+                <a:latin typeface="Meiryo UI" panose="020B0604030504040204" pitchFamily="34" charset="-128"/>
+                <a:ea typeface="Meiryo UI" panose="020B0604030504040204" pitchFamily="34" charset="-128"/>
+              </a:rPr>
+              <a:t>や</a:t>
+            </a:r>
+            <a:r>
+              <a:rPr lang="zh-HK" altLang="en-US" sz="2400" dirty="0">
+                <a:latin typeface="Meiryo UI" panose="020B0604030504040204" pitchFamily="34" charset="-128"/>
+                <a:ea typeface="Meiryo UI" panose="020B0604030504040204" pitchFamily="34" charset="-128"/>
+              </a:rPr>
+              <a:t>関数</a:t>
+            </a:r>
+            <a:r>
+              <a:rPr lang="ja-JP" altLang="en-US" sz="2400">
+                <a:latin typeface="Meiryo UI" panose="020B0604030504040204" pitchFamily="34" charset="-128"/>
+                <a:ea typeface="Meiryo UI" panose="020B0604030504040204" pitchFamily="34" charset="-128"/>
+              </a:rPr>
+              <a:t>を</a:t>
+            </a:r>
+            <a:r>
+              <a:rPr lang="zh-HK" altLang="en-US" sz="2400" dirty="0">
+                <a:latin typeface="Meiryo UI" panose="020B0604030504040204" pitchFamily="34" charset="-128"/>
+                <a:ea typeface="Meiryo UI" panose="020B0604030504040204" pitchFamily="34" charset="-128"/>
+              </a:rPr>
+              <a:t>活用</a:t>
+            </a:r>
+            <a:r>
+              <a:rPr lang="ja-JP" altLang="en-US" sz="2400">
+                <a:latin typeface="Meiryo UI" panose="020B0604030504040204" pitchFamily="34" charset="-128"/>
+                <a:ea typeface="Meiryo UI" panose="020B0604030504040204" pitchFamily="34" charset="-128"/>
+              </a:rPr>
+              <a:t>し、</a:t>
+            </a:r>
+            <a:r>
+              <a:rPr lang="zh-HK" altLang="en-US" sz="2400" dirty="0">
+                <a:latin typeface="Meiryo UI" panose="020B0604030504040204" pitchFamily="34" charset="-128"/>
+                <a:ea typeface="Meiryo UI" panose="020B0604030504040204" pitchFamily="34" charset="-128"/>
+              </a:rPr>
+              <a:t>実行</a:t>
+            </a:r>
+            <a:r>
+              <a:rPr lang="en-US" altLang="zh-HK" sz="2400" dirty="0">
+                <a:latin typeface="Meiryo UI" panose="020B0604030504040204" pitchFamily="34" charset="-128"/>
+                <a:ea typeface="Meiryo UI" panose="020B0604030504040204" pitchFamily="34" charset="-128"/>
+              </a:rPr>
+              <a:t>	</a:t>
+            </a:r>
+            <a:r>
+              <a:rPr lang="zh-HK" altLang="en-US" sz="2400" dirty="0">
+                <a:latin typeface="Meiryo UI" panose="020B0604030504040204" pitchFamily="34" charset="-128"/>
+                <a:ea typeface="Meiryo UI" panose="020B0604030504040204" pitchFamily="34" charset="-128"/>
+              </a:rPr>
+              <a:t>時</a:t>
+            </a:r>
+            <a:r>
+              <a:rPr lang="ja-JP" altLang="en-US" sz="2400">
+                <a:latin typeface="Meiryo UI" panose="020B0604030504040204" pitchFamily="34" charset="-128"/>
+                <a:ea typeface="Meiryo UI" panose="020B0604030504040204" pitchFamily="34" charset="-128"/>
+              </a:rPr>
+              <a:t>に</a:t>
+            </a:r>
+            <a:r>
+              <a:rPr lang="zh-HK" altLang="en-US" sz="2400" dirty="0">
+                <a:latin typeface="Meiryo UI" panose="020B0604030504040204" pitchFamily="34" charset="-128"/>
+                <a:ea typeface="Meiryo UI" panose="020B0604030504040204" pitchFamily="34" charset="-128"/>
+              </a:rPr>
+              <a:t>使用</a:t>
+            </a:r>
+            <a:r>
+              <a:rPr lang="ja-JP" altLang="en-US" sz="2400">
+                <a:latin typeface="Meiryo UI" panose="020B0604030504040204" pitchFamily="34" charset="-128"/>
+                <a:ea typeface="Meiryo UI" panose="020B0604030504040204" pitchFamily="34" charset="-128"/>
+              </a:rPr>
+              <a:t>する</a:t>
+            </a:r>
+            <a:r>
+              <a:rPr lang="en-US" altLang="zh-HK" sz="2400" dirty="0">
+                <a:latin typeface="Meiryo UI" panose="020B0604030504040204" pitchFamily="34" charset="-128"/>
+                <a:ea typeface="Meiryo UI" panose="020B0604030504040204" pitchFamily="34" charset="-128"/>
+              </a:rPr>
+              <a:t>CPU</a:t>
+            </a:r>
+            <a:r>
+              <a:rPr lang="ja-JP" altLang="en-US" sz="2400">
+                <a:latin typeface="Meiryo UI" panose="020B0604030504040204" pitchFamily="34" charset="-128"/>
+                <a:ea typeface="Meiryo UI" panose="020B0604030504040204" pitchFamily="34" charset="-128"/>
+              </a:rPr>
+              <a:t>コア</a:t>
+            </a:r>
+            <a:r>
+              <a:rPr lang="zh-HK" altLang="en-US" sz="2400" dirty="0">
+                <a:latin typeface="Meiryo UI" panose="020B0604030504040204" pitchFamily="34" charset="-128"/>
+                <a:ea typeface="Meiryo UI" panose="020B0604030504040204" pitchFamily="34" charset="-128"/>
+              </a:rPr>
+              <a:t>数</a:t>
+            </a:r>
+            <a:r>
+              <a:rPr lang="ja-JP" altLang="en-US" sz="2400">
+                <a:latin typeface="Meiryo UI" panose="020B0604030504040204" pitchFamily="34" charset="-128"/>
+                <a:ea typeface="Meiryo UI" panose="020B0604030504040204" pitchFamily="34" charset="-128"/>
+              </a:rPr>
+              <a:t>を</a:t>
+            </a:r>
+            <a:r>
+              <a:rPr lang="zh-HK" altLang="en-US" sz="2400" dirty="0">
+                <a:latin typeface="Meiryo UI" panose="020B0604030504040204" pitchFamily="34" charset="-128"/>
+                <a:ea typeface="Meiryo UI" panose="020B0604030504040204" pitchFamily="34" charset="-128"/>
+              </a:rPr>
+              <a:t>設定</a:t>
+            </a:r>
+            <a:r>
+              <a:rPr lang="ja-JP" altLang="en-US" sz="2400">
+                <a:latin typeface="Meiryo UI" panose="020B0604030504040204" pitchFamily="34" charset="-128"/>
+                <a:ea typeface="Meiryo UI" panose="020B0604030504040204" pitchFamily="34" charset="-128"/>
+              </a:rPr>
+              <a:t>し、</a:t>
+            </a:r>
+            <a:r>
+              <a:rPr lang="zh-HK" altLang="en-US" sz="2400" dirty="0">
+                <a:latin typeface="Meiryo UI" panose="020B0604030504040204" pitchFamily="34" charset="-128"/>
+                <a:ea typeface="Meiryo UI" panose="020B0604030504040204" pitchFamily="34" charset="-128"/>
+              </a:rPr>
+              <a:t>資源</a:t>
+            </a:r>
+            <a:r>
+              <a:rPr lang="ja-JP" altLang="en-US" sz="2400">
+                <a:latin typeface="Meiryo UI" panose="020B0604030504040204" pitchFamily="34" charset="-128"/>
+                <a:ea typeface="Meiryo UI" panose="020B0604030504040204" pitchFamily="34" charset="-128"/>
+              </a:rPr>
+              <a:t>の</a:t>
+            </a:r>
+            <a:r>
+              <a:rPr lang="zh-HK" altLang="en-US" sz="2400" dirty="0">
+                <a:latin typeface="Meiryo UI" panose="020B0604030504040204" pitchFamily="34" charset="-128"/>
+                <a:ea typeface="Meiryo UI" panose="020B0604030504040204" pitchFamily="34" charset="-128"/>
+              </a:rPr>
+              <a:t>最適化</a:t>
+            </a:r>
+            <a:r>
+              <a:rPr lang="ja-JP" altLang="en-US" sz="2400">
+                <a:latin typeface="Meiryo UI" panose="020B0604030504040204" pitchFamily="34" charset="-128"/>
+                <a:ea typeface="Meiryo UI" panose="020B0604030504040204" pitchFamily="34" charset="-128"/>
+              </a:rPr>
+              <a:t>を</a:t>
+            </a:r>
+            <a:r>
+              <a:rPr lang="zh-HK" altLang="en-US" sz="2400" dirty="0">
+                <a:latin typeface="Meiryo UI" panose="020B0604030504040204" pitchFamily="34" charset="-128"/>
+                <a:ea typeface="Meiryo UI" panose="020B0604030504040204" pitchFamily="34" charset="-128"/>
+              </a:rPr>
+              <a:t>図</a:t>
+            </a:r>
+            <a:r>
+              <a:rPr lang="ja-JP" altLang="en-US" sz="2400">
+                <a:latin typeface="Meiryo UI" panose="020B0604030504040204" pitchFamily="34" charset="-128"/>
+                <a:ea typeface="Meiryo UI" panose="020B0604030504040204" pitchFamily="34" charset="-128"/>
+              </a:rPr>
+              <a:t>ります </a:t>
+            </a:r>
+            <a:endParaRPr lang="en-US" altLang="ja-JP" sz="2400" dirty="0">
+              <a:latin typeface="Meiryo UI" panose="020B0604030504040204" pitchFamily="34" charset="-128"/>
+              <a:ea typeface="Meiryo UI" panose="020B0604030504040204" pitchFamily="34" charset="-128"/>
+            </a:endParaRPr>
+          </a:p>
+          <a:p>
+            <a:pPr marL="457200" lvl="1" indent="0">
+              <a:lnSpc>
+                <a:spcPct val="110000"/>
+              </a:lnSpc>
+              <a:buNone/>
+            </a:pPr>
+            <a:endParaRPr lang="en-US" altLang="ja-JP" sz="2400" dirty="0">
+              <a:latin typeface="Meiryo UI" panose="020B0604030504040204" pitchFamily="34" charset="-128"/>
+              <a:ea typeface="Meiryo UI" panose="020B0604030504040204" pitchFamily="34" charset="-128"/>
+            </a:endParaRPr>
+          </a:p>
+          <a:p>
+            <a:pPr>
+              <a:lnSpc>
+                <a:spcPct val="110000"/>
+              </a:lnSpc>
+            </a:pPr>
+            <a:r>
+              <a:rPr lang="en-US" altLang="zh-HK" sz="2400" b="1" dirty="0" err="1">
+                <a:solidFill>
+                  <a:schemeClr val="tx1">
+                    <a:lumMod val="95000"/>
+                  </a:schemeClr>
+                </a:solidFill>
+                <a:effectLst/>
+                <a:latin typeface="Meiryo UI" panose="020B0604030504040204" pitchFamily="34" charset="-128"/>
+                <a:ea typeface="Meiryo UI" panose="020B0604030504040204" pitchFamily="34" charset="-128"/>
+              </a:rPr>
+              <a:t>Pprof</a:t>
+            </a:r>
+            <a:endParaRPr lang="en-US" altLang="zh-HK" sz="2400" b="1" dirty="0">
+              <a:solidFill>
+                <a:schemeClr val="tx1">
+                  <a:lumMod val="95000"/>
+                </a:schemeClr>
+              </a:solidFill>
+              <a:latin typeface="Meiryo UI" panose="020B0604030504040204" pitchFamily="34" charset="-128"/>
+              <a:ea typeface="Meiryo UI" panose="020B0604030504040204" pitchFamily="34" charset="-128"/>
+            </a:endParaRPr>
+          </a:p>
+          <a:p>
+            <a:pPr marL="457200" lvl="1" indent="0">
+              <a:lnSpc>
+                <a:spcPct val="110000"/>
+              </a:lnSpc>
+              <a:buNone/>
+            </a:pPr>
+            <a:r>
+              <a:rPr lang="en-US" altLang="zh-HK" sz="2400" dirty="0">
+                <a:latin typeface="Meiryo UI" panose="020B0604030504040204" pitchFamily="34" charset="-128"/>
+                <a:ea typeface="Meiryo UI" panose="020B0604030504040204" pitchFamily="34" charset="-128"/>
+              </a:rPr>
+              <a:t>CPU</a:t>
+            </a:r>
+            <a:r>
+              <a:rPr lang="zh-HK" altLang="en-US" sz="2400" dirty="0">
+                <a:latin typeface="Meiryo UI" panose="020B0604030504040204" pitchFamily="34" charset="-128"/>
+                <a:ea typeface="Meiryo UI" panose="020B0604030504040204" pitchFamily="34" charset="-128"/>
+              </a:rPr>
+              <a:t>、</a:t>
+            </a:r>
+            <a:r>
+              <a:rPr lang="ja-JP" altLang="en-US" sz="2400">
+                <a:latin typeface="Meiryo UI" panose="020B0604030504040204" pitchFamily="34" charset="-128"/>
+                <a:ea typeface="Meiryo UI" panose="020B0604030504040204" pitchFamily="34" charset="-128"/>
+              </a:rPr>
+              <a:t>メモリ、</a:t>
+            </a:r>
+            <a:r>
+              <a:rPr lang="en-US" altLang="zh-HK" sz="2400" dirty="0">
+                <a:latin typeface="Meiryo UI" panose="020B0604030504040204" pitchFamily="34" charset="-128"/>
+                <a:ea typeface="Meiryo UI" panose="020B0604030504040204" pitchFamily="34" charset="-128"/>
+              </a:rPr>
+              <a:t>goroutine</a:t>
+            </a:r>
+            <a:r>
+              <a:rPr lang="ja-JP" altLang="en-US" sz="2400">
+                <a:latin typeface="Meiryo UI" panose="020B0604030504040204" pitchFamily="34" charset="-128"/>
+                <a:ea typeface="Meiryo UI" panose="020B0604030504040204" pitchFamily="34" charset="-128"/>
+              </a:rPr>
+              <a:t>などのリソースを</a:t>
+            </a:r>
+            <a:r>
+              <a:rPr lang="zh-HK" altLang="en-US" sz="2400" dirty="0">
+                <a:latin typeface="Meiryo UI" panose="020B0604030504040204" pitchFamily="34" charset="-128"/>
+                <a:ea typeface="Meiryo UI" panose="020B0604030504040204" pitchFamily="34" charset="-128"/>
+              </a:rPr>
+              <a:t>分析</a:t>
+            </a:r>
+            <a:r>
+              <a:rPr lang="ja-JP" altLang="en-US" sz="2400">
+                <a:latin typeface="Meiryo UI" panose="020B0604030504040204" pitchFamily="34" charset="-128"/>
+                <a:ea typeface="Meiryo UI" panose="020B0604030504040204" pitchFamily="34" charset="-128"/>
+              </a:rPr>
+              <a:t>し、ボトルネックを</a:t>
+            </a:r>
+            <a:r>
+              <a:rPr lang="zh-HK" altLang="en-US" sz="2400" dirty="0">
+                <a:latin typeface="Meiryo UI" panose="020B0604030504040204" pitchFamily="34" charset="-128"/>
+                <a:ea typeface="Meiryo UI" panose="020B0604030504040204" pitchFamily="34" charset="-128"/>
+              </a:rPr>
+              <a:t>特定</a:t>
+            </a:r>
+            <a:r>
+              <a:rPr lang="ja-JP" altLang="en-US" sz="2400">
+                <a:latin typeface="Meiryo UI" panose="020B0604030504040204" pitchFamily="34" charset="-128"/>
+                <a:ea typeface="Meiryo UI" panose="020B0604030504040204" pitchFamily="34" charset="-128"/>
+              </a:rPr>
+              <a:t>して</a:t>
+            </a:r>
+            <a:r>
+              <a:rPr lang="zh-HK" altLang="en-US" sz="2400" dirty="0">
+                <a:latin typeface="Meiryo UI" panose="020B0604030504040204" pitchFamily="34" charset="-128"/>
+                <a:ea typeface="Meiryo UI" panose="020B0604030504040204" pitchFamily="34" charset="-128"/>
+              </a:rPr>
+              <a:t>視覚化</a:t>
+            </a:r>
+            <a:r>
+              <a:rPr lang="ja-JP" altLang="en-US" sz="2400">
+                <a:latin typeface="Meiryo UI" panose="020B0604030504040204" pitchFamily="34" charset="-128"/>
+                <a:ea typeface="Meiryo UI" panose="020B0604030504040204" pitchFamily="34" charset="-128"/>
+              </a:rPr>
+              <a:t>することで、プログラムの</a:t>
+            </a:r>
+            <a:r>
+              <a:rPr lang="zh-HK" altLang="en-US" sz="2400" dirty="0">
+                <a:latin typeface="Meiryo UI" panose="020B0604030504040204" pitchFamily="34" charset="-128"/>
+                <a:ea typeface="Meiryo UI" panose="020B0604030504040204" pitchFamily="34" charset="-128"/>
+              </a:rPr>
+              <a:t>性能</a:t>
+            </a:r>
+            <a:r>
+              <a:rPr lang="ja-JP" altLang="en-US" sz="2400">
+                <a:latin typeface="Meiryo UI" panose="020B0604030504040204" pitchFamily="34" charset="-128"/>
+                <a:ea typeface="Meiryo UI" panose="020B0604030504040204" pitchFamily="34" charset="-128"/>
+              </a:rPr>
+              <a:t>を</a:t>
+            </a:r>
+            <a:r>
+              <a:rPr lang="zh-HK" altLang="en-US" sz="2400" dirty="0">
+                <a:latin typeface="Meiryo UI" panose="020B0604030504040204" pitchFamily="34" charset="-128"/>
+                <a:ea typeface="Meiryo UI" panose="020B0604030504040204" pitchFamily="34" charset="-128"/>
+              </a:rPr>
+              <a:t>向上</a:t>
+            </a:r>
+            <a:r>
+              <a:rPr lang="ja-JP" altLang="en-US" sz="2400">
+                <a:latin typeface="Meiryo UI" panose="020B0604030504040204" pitchFamily="34" charset="-128"/>
+                <a:ea typeface="Meiryo UI" panose="020B0604030504040204" pitchFamily="34" charset="-128"/>
+              </a:rPr>
+              <a:t>させます</a:t>
+            </a:r>
+            <a:endParaRPr lang="ja-JP" altLang="en-US" sz="2400">
+              <a:solidFill>
+                <a:schemeClr val="tx1">
+                  <a:lumMod val="95000"/>
+                </a:schemeClr>
+              </a:solidFill>
+              <a:effectLst/>
+              <a:latin typeface="Meiryo UI" panose="020B0604030504040204" pitchFamily="34" charset="-128"/>
+              <a:ea typeface="Meiryo UI" panose="020B0604030504040204" pitchFamily="34" charset="-128"/>
+            </a:endParaRPr>
+          </a:p>
+        </p:txBody>
+      </p:sp>
+      <p:sp>
+        <p:nvSpPr>
+          <p:cNvPr id="4" name="投影片編號版面配置區 3">
+            <a:extLst>
+              <a:ext uri="{FF2B5EF4-FFF2-40B4-BE49-F238E27FC236}">
+                <a16:creationId xmlns:a16="http://schemas.microsoft.com/office/drawing/2014/main" id="{95D11E82-3436-AC05-85E9-467AF1D1E575}"/>
+              </a:ext>
+            </a:extLst>
+          </p:cNvPr>
+          <p:cNvSpPr>
+            <a:spLocks noGrp="1"/>
+          </p:cNvSpPr>
+          <p:nvPr>
+            <p:ph type="sldNum" sz="quarter" idx="12"/>
+          </p:nvPr>
+        </p:nvSpPr>
+        <p:spPr/>
+        <p:txBody>
+          <a:bodyPr/>
+          <a:lstStyle/>
+          <a:p>
+            <a:fld id="{D57F1E4F-1CFF-5643-939E-217C01CDF565}" type="slidenum">
+              <a:rPr lang="en-US" sz="3000" smtClean="0"/>
+              <a:pPr/>
+              <a:t>6</a:t>
+            </a:fld>
+            <a:endParaRPr lang="en-US" sz="3000" dirty="0"/>
+          </a:p>
+        </p:txBody>
+      </p:sp>
+    </p:spTree>
+    <p:extLst>
+      <p:ext uri="{BB962C8B-B14F-4D97-AF65-F5344CB8AC3E}">
+        <p14:creationId xmlns:p14="http://schemas.microsoft.com/office/powerpoint/2010/main" val="4167462772"/>
+      </p:ext>
+    </p:extLst>
+  </p:cSld>
+  <p:clrMapOvr>
+    <a:masterClrMapping/>
+  </p:clrMapOvr>
+</p:sld>
+</file>
+
+<file path=ppt/slides/slide7.xml><?xml version="1.0" encoding="utf-8"?>
+<p:sld xmlns:a="http://schemas.openxmlformats.org/drawingml/2006/main" xmlns:r="http://schemas.openxmlformats.org/officeDocument/2006/relationships" xmlns:p="http://schemas.openxmlformats.org/presentationml/2006/main">
+  <p:cSld>
+    <p:spTree>
+      <p:nvGrpSpPr>
+        <p:cNvPr id="1" name="">
+          <a:extLst>
+            <a:ext uri="{FF2B5EF4-FFF2-40B4-BE49-F238E27FC236}">
+              <a16:creationId xmlns:a16="http://schemas.microsoft.com/office/drawing/2014/main" id="{1256EA7B-B9B8-0425-4848-3C9E3F339DE0}"/>
+            </a:ext>
+          </a:extLst>
+        </p:cNvPr>
+        <p:cNvGrpSpPr/>
+        <p:nvPr/>
+      </p:nvGrpSpPr>
+      <p:grpSpPr>
+        <a:xfrm>
+          <a:off x="0" y="0"/>
+          <a:ext cx="0" cy="0"/>
+          <a:chOff x="0" y="0"/>
+          <a:chExt cx="0" cy="0"/>
+        </a:xfrm>
+      </p:grpSpPr>
+      <p:sp>
+        <p:nvSpPr>
+          <p:cNvPr id="2" name="標題 1">
+            <a:extLst>
+              <a:ext uri="{FF2B5EF4-FFF2-40B4-BE49-F238E27FC236}">
+                <a16:creationId xmlns:a16="http://schemas.microsoft.com/office/drawing/2014/main" id="{7F626979-17EE-2206-D34F-55273C662611}"/>
+              </a:ext>
+            </a:extLst>
+          </p:cNvPr>
+          <p:cNvSpPr>
+            <a:spLocks noGrp="1"/>
+          </p:cNvSpPr>
+          <p:nvPr>
+            <p:ph type="title"/>
+          </p:nvPr>
+        </p:nvSpPr>
+        <p:spPr>
+          <a:xfrm>
+            <a:off x="1030286" y="0"/>
+            <a:ext cx="10131425" cy="1456267"/>
+          </a:xfrm>
+        </p:spPr>
+        <p:txBody>
+          <a:bodyPr/>
+          <a:lstStyle/>
+          <a:p>
+            <a:r>
+              <a:rPr lang="zh-HK" altLang="en-US" dirty="0">
+                <a:latin typeface="Meiryo UI" panose="020B0604030504040204" pitchFamily="34" charset="-128"/>
+                <a:ea typeface="Meiryo UI" panose="020B0604030504040204" pitchFamily="34" charset="-128"/>
+              </a:rPr>
+              <a:t>今後</a:t>
+            </a:r>
+            <a:r>
+              <a:rPr lang="ja-JP" altLang="en-US">
+                <a:latin typeface="Meiryo UI" panose="020B0604030504040204" pitchFamily="34" charset="-128"/>
+                <a:ea typeface="Meiryo UI" panose="020B0604030504040204" pitchFamily="34" charset="-128"/>
+              </a:rPr>
+              <a:t>の</a:t>
+            </a:r>
+            <a:r>
+              <a:rPr lang="zh-HK" altLang="en-US" dirty="0">
+                <a:latin typeface="Meiryo UI" panose="020B0604030504040204" pitchFamily="34" charset="-128"/>
+                <a:ea typeface="Meiryo UI" panose="020B0604030504040204" pitchFamily="34" charset="-128"/>
+              </a:rPr>
+              <a:t>予定</a:t>
+            </a:r>
+            <a:r>
+              <a:rPr lang="ja-JP" altLang="en-US">
+                <a:latin typeface="Meiryo UI" panose="020B0604030504040204" pitchFamily="34" charset="-128"/>
+                <a:ea typeface="Meiryo UI" panose="020B0604030504040204" pitchFamily="34" charset="-128"/>
+              </a:rPr>
+              <a:t>と</a:t>
+            </a:r>
+            <a:r>
+              <a:rPr lang="zh-HK" altLang="en-US" dirty="0">
+                <a:latin typeface="Meiryo UI" panose="020B0604030504040204" pitchFamily="34" charset="-128"/>
+                <a:ea typeface="Meiryo UI" panose="020B0604030504040204" pitchFamily="34" charset="-128"/>
+              </a:rPr>
+              <a:t>課題</a:t>
+            </a:r>
+            <a:endParaRPr kumimoji="1" lang="zh-HK" altLang="en-US" dirty="0">
+              <a:latin typeface="Meiryo UI" panose="020B0604030504040204" pitchFamily="34" charset="-128"/>
+              <a:ea typeface="Meiryo UI" panose="020B0604030504040204" pitchFamily="34" charset="-128"/>
+            </a:endParaRPr>
+          </a:p>
+        </p:txBody>
+      </p:sp>
+      <p:sp>
+        <p:nvSpPr>
+          <p:cNvPr id="3" name="內容版面配置區 2">
+            <a:extLst>
+              <a:ext uri="{FF2B5EF4-FFF2-40B4-BE49-F238E27FC236}">
+                <a16:creationId xmlns:a16="http://schemas.microsoft.com/office/drawing/2014/main" id="{1AC596B8-319E-7A6F-5626-E09674AA40F0}"/>
+              </a:ext>
+            </a:extLst>
+          </p:cNvPr>
+          <p:cNvSpPr>
+            <a:spLocks noGrp="1"/>
+          </p:cNvSpPr>
+          <p:nvPr>
+            <p:ph idx="1"/>
+          </p:nvPr>
+        </p:nvSpPr>
+        <p:spPr>
+          <a:xfrm>
+            <a:off x="1030286" y="1456267"/>
+            <a:ext cx="10131425" cy="4414308"/>
+          </a:xfrm>
+        </p:spPr>
+        <p:txBody>
+          <a:bodyPr>
+            <a:normAutofit/>
+          </a:bodyPr>
+          <a:lstStyle/>
+          <a:p>
+            <a:pPr marL="0" indent="0">
+              <a:buNone/>
+            </a:pPr>
+            <a:r>
+              <a:rPr lang="zh-HK" altLang="en-US" sz="2800" dirty="0">
+                <a:latin typeface="Meiryo UI" panose="020B0604030504040204" pitchFamily="34" charset="-128"/>
+                <a:ea typeface="Meiryo UI" panose="020B0604030504040204" pitchFamily="34" charset="-128"/>
+              </a:rPr>
+              <a:t>様々な</a:t>
+            </a:r>
+            <a:r>
+              <a:rPr lang="ja-JP" altLang="en-US" sz="2800">
+                <a:latin typeface="Meiryo UI" panose="020B0604030504040204" pitchFamily="34" charset="-128"/>
+                <a:ea typeface="Meiryo UI" panose="020B0604030504040204" pitchFamily="34" charset="-128"/>
+              </a:rPr>
+              <a:t>ファイルでブロックを</a:t>
+            </a:r>
+            <a:r>
+              <a:rPr lang="zh-HK" altLang="en-US" sz="2800" dirty="0">
+                <a:latin typeface="Meiryo UI" panose="020B0604030504040204" pitchFamily="34" charset="-128"/>
+                <a:ea typeface="Meiryo UI" panose="020B0604030504040204" pitchFamily="34" charset="-128"/>
+              </a:rPr>
+              <a:t>生成</a:t>
+            </a:r>
+            <a:r>
+              <a:rPr lang="ja-JP" altLang="en-US" sz="2800">
+                <a:latin typeface="Meiryo UI" panose="020B0604030504040204" pitchFamily="34" charset="-128"/>
+                <a:ea typeface="Meiryo UI" panose="020B0604030504040204" pitchFamily="34" charset="-128"/>
+              </a:rPr>
+              <a:t>し、</a:t>
+            </a:r>
+            <a:br>
+              <a:rPr lang="en-US" altLang="ja-JP" sz="2800" dirty="0">
+                <a:latin typeface="Meiryo UI" panose="020B0604030504040204" pitchFamily="34" charset="-128"/>
+                <a:ea typeface="Meiryo UI" panose="020B0604030504040204" pitchFamily="34" charset="-128"/>
+              </a:rPr>
+            </a:br>
+            <a:r>
+              <a:rPr lang="zh-HK" altLang="en-US" sz="2800" dirty="0">
+                <a:latin typeface="Meiryo UI" panose="020B0604030504040204" pitchFamily="34" charset="-128"/>
+                <a:ea typeface="Meiryo UI" panose="020B0604030504040204" pitchFamily="34" charset="-128"/>
+              </a:rPr>
+              <a:t>効率</a:t>
+            </a:r>
+            <a:r>
+              <a:rPr lang="ja-JP" altLang="en-US" sz="2800">
+                <a:latin typeface="Meiryo UI" panose="020B0604030504040204" pitchFamily="34" charset="-128"/>
+                <a:ea typeface="Meiryo UI" panose="020B0604030504040204" pitchFamily="34" charset="-128"/>
+              </a:rPr>
+              <a:t>を</a:t>
+            </a:r>
+            <a:r>
+              <a:rPr lang="zh-HK" altLang="en-US" sz="2800" dirty="0">
+                <a:latin typeface="Meiryo UI" panose="020B0604030504040204" pitchFamily="34" charset="-128"/>
+                <a:ea typeface="Meiryo UI" panose="020B0604030504040204" pitchFamily="34" charset="-128"/>
+              </a:rPr>
+              <a:t>向上</a:t>
+            </a:r>
+            <a:r>
+              <a:rPr lang="ja-JP" altLang="en-US" sz="2800">
+                <a:latin typeface="Meiryo UI" panose="020B0604030504040204" pitchFamily="34" charset="-128"/>
+                <a:ea typeface="Meiryo UI" panose="020B0604030504040204" pitchFamily="34" charset="-128"/>
+              </a:rPr>
+              <a:t>させるために、</a:t>
+            </a:r>
+            <a:r>
+              <a:rPr lang="en-US" altLang="zh-HK" sz="2800" dirty="0">
+                <a:latin typeface="Meiryo UI" panose="020B0604030504040204" pitchFamily="34" charset="-128"/>
+                <a:ea typeface="Meiryo UI" panose="020B0604030504040204" pitchFamily="34" charset="-128"/>
+              </a:rPr>
+              <a:t>PC</a:t>
+            </a:r>
+            <a:r>
+              <a:rPr lang="ja-JP" altLang="en-US" sz="2800">
+                <a:latin typeface="Meiryo UI" panose="020B0604030504040204" pitchFamily="34" charset="-128"/>
+                <a:ea typeface="Meiryo UI" panose="020B0604030504040204" pitchFamily="34" charset="-128"/>
+              </a:rPr>
+              <a:t>のパフォーマンスを</a:t>
+            </a:r>
+            <a:r>
+              <a:rPr lang="zh-HK" altLang="en-US" sz="2800" dirty="0">
+                <a:latin typeface="Meiryo UI" panose="020B0604030504040204" pitchFamily="34" charset="-128"/>
+                <a:ea typeface="Meiryo UI" panose="020B0604030504040204" pitchFamily="34" charset="-128"/>
+              </a:rPr>
+              <a:t>監視</a:t>
+            </a:r>
+            <a:r>
+              <a:rPr lang="ja-JP" altLang="en-US" sz="2800">
+                <a:latin typeface="Meiryo UI" panose="020B0604030504040204" pitchFamily="34" charset="-128"/>
+                <a:ea typeface="Meiryo UI" panose="020B0604030504040204" pitchFamily="34" charset="-128"/>
+              </a:rPr>
+              <a:t>すること</a:t>
+            </a:r>
+            <a:endParaRPr lang="ja-JP" altLang="en-US" sz="2800">
+              <a:solidFill>
+                <a:schemeClr val="tx1">
+                  <a:lumMod val="95000"/>
+                </a:schemeClr>
+              </a:solidFill>
+              <a:effectLst/>
+              <a:latin typeface="Meiryo UI" panose="020B0604030504040204" pitchFamily="34" charset="-128"/>
+              <a:ea typeface="Meiryo UI" panose="020B0604030504040204" pitchFamily="34" charset="-128"/>
+            </a:endParaRPr>
+          </a:p>
+        </p:txBody>
+      </p:sp>
+      <p:sp>
+        <p:nvSpPr>
+          <p:cNvPr id="4" name="投影片編號版面配置區 3">
+            <a:extLst>
+              <a:ext uri="{FF2B5EF4-FFF2-40B4-BE49-F238E27FC236}">
+                <a16:creationId xmlns:a16="http://schemas.microsoft.com/office/drawing/2014/main" id="{5CCC6B30-5E39-A005-D024-ABDDE9A41C2B}"/>
+              </a:ext>
+            </a:extLst>
+          </p:cNvPr>
+          <p:cNvSpPr>
+            <a:spLocks noGrp="1"/>
+          </p:cNvSpPr>
+          <p:nvPr>
+            <p:ph type="sldNum" sz="quarter" idx="12"/>
+          </p:nvPr>
+        </p:nvSpPr>
+        <p:spPr/>
+        <p:txBody>
+          <a:bodyPr/>
+          <a:lstStyle/>
+          <a:p>
+            <a:fld id="{D57F1E4F-1CFF-5643-939E-217C01CDF565}" type="slidenum">
+              <a:rPr lang="en-US" sz="3000" smtClean="0"/>
+              <a:pPr/>
+              <a:t>7</a:t>
+            </a:fld>
+            <a:endParaRPr lang="en-US" sz="3000" dirty="0"/>
+          </a:p>
+        </p:txBody>
+      </p:sp>
+    </p:spTree>
+    <p:extLst>
+      <p:ext uri="{BB962C8B-B14F-4D97-AF65-F5344CB8AC3E}">
+        <p14:creationId xmlns:p14="http://schemas.microsoft.com/office/powerpoint/2010/main" val="615401448"/>
+      </p:ext>
+    </p:extLst>
+  </p:cSld>
+  <p:clrMapOvr>
+    <a:masterClrMapping/>
+  </p:clrMapOvr>
+</p:sld>
+</file>
+
+<file path=ppt/slides/slide8.xml><?xml version="1.0" encoding="utf-8"?>
+<p:sld xmlns:a="http://schemas.openxmlformats.org/drawingml/2006/main" xmlns:r="http://schemas.openxmlformats.org/officeDocument/2006/relationships" xmlns:p="http://schemas.openxmlformats.org/presentationml/2006/main">
+  <p:cSld>
+    <p:spTree>
+      <p:nvGrpSpPr>
+        <p:cNvPr id="1" name=""/>
+        <p:cNvGrpSpPr/>
+        <p:nvPr/>
+      </p:nvGrpSpPr>
+      <p:grpSpPr>
+        <a:xfrm>
+          <a:off x="0" y="0"/>
+          <a:ext cx="0" cy="0"/>
+          <a:chOff x="0" y="0"/>
+          <a:chExt cx="0" cy="0"/>
+        </a:xfrm>
+      </p:grpSpPr>
+      <p:sp>
+        <p:nvSpPr>
+          <p:cNvPr id="2" name="標題 1">
+            <a:extLst>
+              <a:ext uri="{FF2B5EF4-FFF2-40B4-BE49-F238E27FC236}">
                 <a16:creationId xmlns:a16="http://schemas.microsoft.com/office/drawing/2014/main" id="{B230DE05-40CE-4C36-0AA9-175FD1CE9B42}"/>
               </a:ext>
             </a:extLst>
@@ -12379,7 +14202,7 @@
             <a:fld id="{D57F1E4F-1CFF-5643-939E-217C01CDF565}" type="slidenum">
               <a:rPr lang="en-US" sz="3000" smtClean="0"/>
               <a:pPr/>
-              <a:t>6</a:t>
+              <a:t>8</a:t>
             </a:fld>
             <a:endParaRPr lang="en-US" sz="3000" dirty="0"/>
           </a:p>
@@ -12389,6 +14212,647 @@
     <p:extLst>
       <p:ext uri="{BB962C8B-B14F-4D97-AF65-F5344CB8AC3E}">
         <p14:creationId xmlns:p14="http://schemas.microsoft.com/office/powerpoint/2010/main" val="4167555086"/>
+      </p:ext>
+    </p:extLst>
+  </p:cSld>
+  <p:clrMapOvr>
+    <a:masterClrMapping/>
+  </p:clrMapOvr>
+</p:sld>
+</file>
+
+<file path=ppt/slides/slide9.xml><?xml version="1.0" encoding="utf-8"?>
+<p:sld xmlns:a="http://schemas.openxmlformats.org/drawingml/2006/main" xmlns:r="http://schemas.openxmlformats.org/officeDocument/2006/relationships" xmlns:p="http://schemas.openxmlformats.org/presentationml/2006/main" show="0">
+  <p:cSld>
+    <p:spTree>
+      <p:nvGrpSpPr>
+        <p:cNvPr id="1" name="">
+          <a:extLst>
+            <a:ext uri="{FF2B5EF4-FFF2-40B4-BE49-F238E27FC236}">
+              <a16:creationId xmlns:a16="http://schemas.microsoft.com/office/drawing/2014/main" id="{17CCC7E4-C3BB-8140-5496-5B091E8150D1}"/>
+            </a:ext>
+          </a:extLst>
+        </p:cNvPr>
+        <p:cNvGrpSpPr/>
+        <p:nvPr/>
+      </p:nvGrpSpPr>
+      <p:grpSpPr>
+        <a:xfrm>
+          <a:off x="0" y="0"/>
+          <a:ext cx="0" cy="0"/>
+          <a:chOff x="0" y="0"/>
+          <a:chExt cx="0" cy="0"/>
+        </a:xfrm>
+      </p:grpSpPr>
+      <p:sp>
+        <p:nvSpPr>
+          <p:cNvPr id="2" name="標題 1">
+            <a:extLst>
+              <a:ext uri="{FF2B5EF4-FFF2-40B4-BE49-F238E27FC236}">
+                <a16:creationId xmlns:a16="http://schemas.microsoft.com/office/drawing/2014/main" id="{CE40B5A1-3939-49F9-B567-A7B38AA24DDF}"/>
+              </a:ext>
+            </a:extLst>
+          </p:cNvPr>
+          <p:cNvSpPr>
+            <a:spLocks noGrp="1"/>
+          </p:cNvSpPr>
+          <p:nvPr>
+            <p:ph type="title"/>
+          </p:nvPr>
+        </p:nvSpPr>
+        <p:spPr>
+          <a:xfrm>
+            <a:off x="1030286" y="0"/>
+            <a:ext cx="10131425" cy="1456267"/>
+          </a:xfrm>
+        </p:spPr>
+        <p:txBody>
+          <a:bodyPr/>
+          <a:lstStyle/>
+          <a:p>
+            <a:r>
+              <a:rPr lang="zh-HK" altLang="en-US" dirty="0">
+                <a:latin typeface="Meiryo UI" panose="020B0604030504040204" pitchFamily="34" charset="-128"/>
+                <a:ea typeface="Meiryo UI" panose="020B0604030504040204" pitchFamily="34" charset="-128"/>
+              </a:rPr>
+              <a:t>研究内容</a:t>
+            </a:r>
+            <a:endParaRPr kumimoji="1" lang="zh-HK" altLang="en-US" dirty="0">
+              <a:latin typeface="Meiryo UI" panose="020B0604030504040204" pitchFamily="34" charset="-128"/>
+              <a:ea typeface="Meiryo UI" panose="020B0604030504040204" pitchFamily="34" charset="-128"/>
+            </a:endParaRPr>
+          </a:p>
+        </p:txBody>
+      </p:sp>
+      <p:sp>
+        <p:nvSpPr>
+          <p:cNvPr id="4" name="投影片編號版面配置區 3">
+            <a:extLst>
+              <a:ext uri="{FF2B5EF4-FFF2-40B4-BE49-F238E27FC236}">
+                <a16:creationId xmlns:a16="http://schemas.microsoft.com/office/drawing/2014/main" id="{4727DB8F-560C-2E69-DC21-82E6987BFF2C}"/>
+              </a:ext>
+            </a:extLst>
+          </p:cNvPr>
+          <p:cNvSpPr>
+            <a:spLocks noGrp="1"/>
+          </p:cNvSpPr>
+          <p:nvPr>
+            <p:ph type="sldNum" sz="quarter" idx="12"/>
+          </p:nvPr>
+        </p:nvSpPr>
+        <p:spPr/>
+        <p:txBody>
+          <a:bodyPr/>
+          <a:lstStyle/>
+          <a:p>
+            <a:fld id="{D57F1E4F-1CFF-5643-939E-217C01CDF565}" type="slidenum">
+              <a:rPr lang="en-US" sz="3000" smtClean="0"/>
+              <a:pPr/>
+              <a:t>9</a:t>
+            </a:fld>
+            <a:endParaRPr lang="en-US" sz="3000" dirty="0"/>
+          </a:p>
+        </p:txBody>
+      </p:sp>
+      <p:graphicFrame>
+        <p:nvGraphicFramePr>
+          <p:cNvPr id="6" name="內容版面配置區 5">
+            <a:extLst>
+              <a:ext uri="{FF2B5EF4-FFF2-40B4-BE49-F238E27FC236}">
+                <a16:creationId xmlns:a16="http://schemas.microsoft.com/office/drawing/2014/main" id="{9DA74A8C-F35D-BB0D-D9B6-8894B3C81303}"/>
+              </a:ext>
+            </a:extLst>
+          </p:cNvPr>
+          <p:cNvGraphicFramePr>
+            <a:graphicFrameLocks noGrp="1"/>
+          </p:cNvGraphicFramePr>
+          <p:nvPr>
+            <p:ph idx="1"/>
+            <p:extLst>
+              <p:ext uri="{D42A27DB-BD31-4B8C-83A1-F6EECF244321}">
+                <p14:modId xmlns:p14="http://schemas.microsoft.com/office/powerpoint/2010/main" val="3581133115"/>
+              </p:ext>
+            </p:extLst>
+          </p:nvPr>
+        </p:nvGraphicFramePr>
+        <p:xfrm>
+          <a:off x="1192310" y="2164153"/>
+          <a:ext cx="9807380" cy="2860089"/>
+        </p:xfrm>
+        <a:graphic>
+          <a:graphicData uri="http://schemas.openxmlformats.org/drawingml/2006/table">
+            <a:tbl>
+              <a:tblPr firstRow="1" bandRow="1">
+                <a:tableStyleId>{5C22544A-7EE6-4342-B048-85BDC9FD1C3A}</a:tableStyleId>
+              </a:tblPr>
+              <a:tblGrid>
+                <a:gridCol w="2451845">
+                  <a:extLst>
+                    <a:ext uri="{9D8B030D-6E8A-4147-A177-3AD203B41FA5}">
+                      <a16:colId xmlns:a16="http://schemas.microsoft.com/office/drawing/2014/main" val="197980226"/>
+                    </a:ext>
+                  </a:extLst>
+                </a:gridCol>
+                <a:gridCol w="2451845">
+                  <a:extLst>
+                    <a:ext uri="{9D8B030D-6E8A-4147-A177-3AD203B41FA5}">
+                      <a16:colId xmlns:a16="http://schemas.microsoft.com/office/drawing/2014/main" val="1948019006"/>
+                    </a:ext>
+                  </a:extLst>
+                </a:gridCol>
+                <a:gridCol w="2451845">
+                  <a:extLst>
+                    <a:ext uri="{9D8B030D-6E8A-4147-A177-3AD203B41FA5}">
+                      <a16:colId xmlns:a16="http://schemas.microsoft.com/office/drawing/2014/main" val="2377003723"/>
+                    </a:ext>
+                  </a:extLst>
+                </a:gridCol>
+                <a:gridCol w="2451845">
+                  <a:extLst>
+                    <a:ext uri="{9D8B030D-6E8A-4147-A177-3AD203B41FA5}">
+                      <a16:colId xmlns:a16="http://schemas.microsoft.com/office/drawing/2014/main" val="1666018401"/>
+                    </a:ext>
+                  </a:extLst>
+                </a:gridCol>
+              </a:tblGrid>
+              <a:tr h="953363">
+                <a:tc>
+                  <a:txBody>
+                    <a:bodyPr/>
+                    <a:lstStyle/>
+                    <a:p>
+                      <a:pPr algn="ctr"/>
+                      <a:r>
+                        <a:rPr lang="en-US" altLang="zh-HK" sz="2000" b="0" dirty="0">
+                          <a:latin typeface="Meiryo UI" panose="020B0604030504040204" pitchFamily="34" charset="-128"/>
+                          <a:ea typeface="Meiryo UI" panose="020B0604030504040204" pitchFamily="34" charset="-128"/>
+                        </a:rPr>
+                        <a:t>PPT</a:t>
+                      </a:r>
+                      <a:endParaRPr lang="zh-HK" altLang="en-US" sz="2000" b="0" dirty="0">
+                        <a:latin typeface="Meiryo UI" panose="020B0604030504040204" pitchFamily="34" charset="-128"/>
+                        <a:ea typeface="Meiryo UI" panose="020B0604030504040204" pitchFamily="34" charset="-128"/>
+                      </a:endParaRPr>
+                    </a:p>
+                  </a:txBody>
+                  <a:tcPr marL="83737" marR="83737" marT="41868" marB="41868" anchor="ctr"/>
+                </a:tc>
+                <a:tc>
+                  <a:txBody>
+                    <a:bodyPr/>
+                    <a:lstStyle/>
+                    <a:p>
+                      <a:pPr algn="ctr"/>
+                      <a:r>
+                        <a:rPr lang="en-US" altLang="zh-HK" sz="2000" b="0" dirty="0">
+                          <a:latin typeface="Meiryo UI" panose="020B0604030504040204" pitchFamily="34" charset="-128"/>
+                          <a:ea typeface="Meiryo UI" panose="020B0604030504040204" pitchFamily="34" charset="-128"/>
+                        </a:rPr>
+                        <a:t>ER</a:t>
+                      </a:r>
+                      <a:r>
+                        <a:rPr lang="zh-HK" altLang="en-US" sz="2000" b="0" dirty="0">
+                          <a:latin typeface="Meiryo UI" panose="020B0604030504040204" pitchFamily="34" charset="-128"/>
+                          <a:ea typeface="Meiryo UI" panose="020B0604030504040204" pitchFamily="34" charset="-128"/>
+                        </a:rPr>
+                        <a:t>図</a:t>
+                      </a:r>
+                    </a:p>
+                  </a:txBody>
+                  <a:tcPr marL="83737" marR="83737" marT="41868" marB="41868" anchor="ctr"/>
+                </a:tc>
+                <a:tc>
+                  <a:txBody>
+                    <a:bodyPr/>
+                    <a:lstStyle/>
+                    <a:p>
+                      <a:pPr algn="ctr"/>
+                      <a:r>
+                        <a:rPr lang="zh-HK" altLang="en-US" sz="2000" b="0" dirty="0">
+                          <a:latin typeface="Meiryo UI" panose="020B0604030504040204" pitchFamily="34" charset="-128"/>
+                          <a:ea typeface="Meiryo UI" panose="020B0604030504040204" pitchFamily="34" charset="-128"/>
+                        </a:rPr>
+                        <a:t>履歴書</a:t>
+                      </a:r>
+                    </a:p>
+                  </a:txBody>
+                  <a:tcPr marL="83737" marR="83737" marT="41868" marB="41868" anchor="ctr"/>
+                </a:tc>
+                <a:tc>
+                  <a:txBody>
+                    <a:bodyPr/>
+                    <a:lstStyle/>
+                    <a:p>
+                      <a:pPr algn="ctr"/>
+                      <a:r>
+                        <a:rPr lang="ja-JP" altLang="en-US" sz="2000" b="0">
+                          <a:latin typeface="Meiryo UI" panose="020B0604030504040204" pitchFamily="34" charset="-128"/>
+                          <a:ea typeface="Meiryo UI" panose="020B0604030504040204" pitchFamily="34" charset="-128"/>
+                        </a:rPr>
+                        <a:t>スキャン</a:t>
+                      </a:r>
+                      <a:r>
+                        <a:rPr lang="zh-HK" altLang="en-US" sz="2000" b="0" dirty="0">
+                          <a:latin typeface="Meiryo UI" panose="020B0604030504040204" pitchFamily="34" charset="-128"/>
+                          <a:ea typeface="Meiryo UI" panose="020B0604030504040204" pitchFamily="34" charset="-128"/>
+                        </a:rPr>
+                        <a:t>した写真</a:t>
+                      </a:r>
+                    </a:p>
+                  </a:txBody>
+                  <a:tcPr marL="83737" marR="83737" marT="41868" marB="41868" anchor="ctr"/>
+                </a:tc>
+                <a:extLst>
+                  <a:ext uri="{0D108BD9-81ED-4DB2-BD59-A6C34878D82A}">
+                    <a16:rowId xmlns:a16="http://schemas.microsoft.com/office/drawing/2014/main" val="1059439517"/>
+                  </a:ext>
+                </a:extLst>
+              </a:tr>
+              <a:tr h="953363">
+                <a:tc>
+                  <a:txBody>
+                    <a:bodyPr/>
+                    <a:lstStyle/>
+                    <a:p>
+                      <a:pPr algn="ctr"/>
+                      <a:r>
+                        <a:rPr lang="en-US" altLang="zh-HK" sz="2000" dirty="0">
+                          <a:latin typeface="Meiryo UI" panose="020B0604030504040204" pitchFamily="34" charset="-128"/>
+                          <a:ea typeface="Meiryo UI" panose="020B0604030504040204" pitchFamily="34" charset="-128"/>
+                        </a:rPr>
+                        <a:t>114KB</a:t>
+                      </a:r>
+                      <a:endParaRPr lang="zh-HK" altLang="en-US" sz="2000" dirty="0">
+                        <a:latin typeface="Meiryo UI" panose="020B0604030504040204" pitchFamily="34" charset="-128"/>
+                        <a:ea typeface="Meiryo UI" panose="020B0604030504040204" pitchFamily="34" charset="-128"/>
+                      </a:endParaRPr>
+                    </a:p>
+                  </a:txBody>
+                  <a:tcPr marL="83737" marR="83737" marT="41868" marB="41868" anchor="ctr"/>
+                </a:tc>
+                <a:tc>
+                  <a:txBody>
+                    <a:bodyPr/>
+                    <a:lstStyle/>
+                    <a:p>
+                      <a:pPr algn="ctr"/>
+                      <a:r>
+                        <a:rPr lang="en-US" altLang="zh-HK" sz="2000" dirty="0">
+                          <a:latin typeface="Meiryo UI" panose="020B0604030504040204" pitchFamily="34" charset="-128"/>
+                          <a:ea typeface="Meiryo UI" panose="020B0604030504040204" pitchFamily="34" charset="-128"/>
+                        </a:rPr>
+                        <a:t>426 KB</a:t>
+                      </a:r>
+                      <a:endParaRPr lang="zh-HK" altLang="en-US" sz="2000" dirty="0">
+                        <a:latin typeface="Meiryo UI" panose="020B0604030504040204" pitchFamily="34" charset="-128"/>
+                        <a:ea typeface="Meiryo UI" panose="020B0604030504040204" pitchFamily="34" charset="-128"/>
+                      </a:endParaRPr>
+                    </a:p>
+                  </a:txBody>
+                  <a:tcPr marL="83737" marR="83737" marT="41868" marB="41868" anchor="ctr"/>
+                </a:tc>
+                <a:tc>
+                  <a:txBody>
+                    <a:bodyPr/>
+                    <a:lstStyle/>
+                    <a:p>
+                      <a:pPr algn="ctr"/>
+                      <a:r>
+                        <a:rPr lang="en-US" altLang="zh-HK" sz="2000" dirty="0">
+                          <a:latin typeface="Meiryo UI" panose="020B0604030504040204" pitchFamily="34" charset="-128"/>
+                          <a:ea typeface="Meiryo UI" panose="020B0604030504040204" pitchFamily="34" charset="-128"/>
+                        </a:rPr>
+                        <a:t>257 KB</a:t>
+                      </a:r>
+                      <a:endParaRPr lang="zh-HK" altLang="en-US" sz="2000" dirty="0">
+                        <a:latin typeface="Meiryo UI" panose="020B0604030504040204" pitchFamily="34" charset="-128"/>
+                        <a:ea typeface="Meiryo UI" panose="020B0604030504040204" pitchFamily="34" charset="-128"/>
+                      </a:endParaRPr>
+                    </a:p>
+                  </a:txBody>
+                  <a:tcPr marL="83737" marR="83737" marT="41868" marB="41868" anchor="ctr"/>
+                </a:tc>
+                <a:tc>
+                  <a:txBody>
+                    <a:bodyPr/>
+                    <a:lstStyle/>
+                    <a:p>
+                      <a:pPr algn="ctr"/>
+                      <a:r>
+                        <a:rPr lang="en-US" altLang="zh-HK" sz="2000" dirty="0">
+                          <a:latin typeface="Meiryo UI" panose="020B0604030504040204" pitchFamily="34" charset="-128"/>
+                          <a:ea typeface="Meiryo UI" panose="020B0604030504040204" pitchFamily="34" charset="-128"/>
+                        </a:rPr>
+                        <a:t>10.6 MB</a:t>
+                      </a:r>
+                      <a:endParaRPr lang="zh-HK" altLang="en-US" sz="2000" dirty="0">
+                        <a:latin typeface="Meiryo UI" panose="020B0604030504040204" pitchFamily="34" charset="-128"/>
+                        <a:ea typeface="Meiryo UI" panose="020B0604030504040204" pitchFamily="34" charset="-128"/>
+                      </a:endParaRPr>
+                    </a:p>
+                  </a:txBody>
+                  <a:tcPr marL="83737" marR="83737" marT="41868" marB="41868" anchor="ctr"/>
+                </a:tc>
+                <a:extLst>
+                  <a:ext uri="{0D108BD9-81ED-4DB2-BD59-A6C34878D82A}">
+                    <a16:rowId xmlns:a16="http://schemas.microsoft.com/office/drawing/2014/main" val="818966460"/>
+                  </a:ext>
+                </a:extLst>
+              </a:tr>
+              <a:tr h="953363">
+                <a:tc>
+                  <a:txBody>
+                    <a:bodyPr/>
+                    <a:lstStyle/>
+                    <a:p>
+                      <a:pPr algn="ctr"/>
+                      <a:r>
+                        <a:rPr lang="en-US" altLang="zh-HK" sz="2000" dirty="0">
+                          <a:latin typeface="Meiryo UI" panose="020B0604030504040204" pitchFamily="34" charset="-128"/>
+                          <a:ea typeface="Meiryo UI" panose="020B0604030504040204" pitchFamily="34" charset="-128"/>
+                        </a:rPr>
+                        <a:t>~3</a:t>
+                      </a:r>
+                      <a:r>
+                        <a:rPr lang="zh-HK" altLang="en-US" sz="2000" dirty="0">
+                          <a:latin typeface="Meiryo UI" panose="020B0604030504040204" pitchFamily="34" charset="-128"/>
+                          <a:ea typeface="Meiryo UI" panose="020B0604030504040204" pitchFamily="34" charset="-128"/>
+                        </a:rPr>
+                        <a:t>分</a:t>
+                      </a:r>
+                      <a:endParaRPr lang="en-US" altLang="zh-HK" sz="2000" dirty="0">
+                        <a:latin typeface="Meiryo UI" panose="020B0604030504040204" pitchFamily="34" charset="-128"/>
+                        <a:ea typeface="Meiryo UI" panose="020B0604030504040204" pitchFamily="34" charset="-128"/>
+                      </a:endParaRPr>
+                    </a:p>
+                  </a:txBody>
+                  <a:tcPr marL="83737" marR="83737" marT="41868" marB="41868" anchor="ctr"/>
+                </a:tc>
+                <a:tc>
+                  <a:txBody>
+                    <a:bodyPr/>
+                    <a:lstStyle/>
+                    <a:p>
+                      <a:pPr marL="0" marR="0" lvl="0" indent="0" algn="ctr" defTabSz="457200" rtl="0" eaLnBrk="1" fontAlgn="auto" latinLnBrk="0" hangingPunct="1">
+                        <a:lnSpc>
+                          <a:spcPct val="100000"/>
+                        </a:lnSpc>
+                        <a:spcBef>
+                          <a:spcPts val="0"/>
+                        </a:spcBef>
+                        <a:spcAft>
+                          <a:spcPts val="0"/>
+                        </a:spcAft>
+                        <a:buClrTx/>
+                        <a:buSzTx/>
+                        <a:buFontTx/>
+                        <a:buNone/>
+                        <a:tabLst/>
+                        <a:defRPr/>
+                      </a:pPr>
+                      <a:r>
+                        <a:rPr lang="en-US" altLang="zh-HK" sz="2000" dirty="0">
+                          <a:latin typeface="Meiryo UI" panose="020B0604030504040204" pitchFamily="34" charset="-128"/>
+                          <a:ea typeface="Meiryo UI" panose="020B0604030504040204" pitchFamily="34" charset="-128"/>
+                        </a:rPr>
+                        <a:t>3</a:t>
+                      </a:r>
+                      <a:r>
+                        <a:rPr lang="zh-HK" altLang="en-US" sz="2000" dirty="0">
+                          <a:latin typeface="Meiryo UI" panose="020B0604030504040204" pitchFamily="34" charset="-128"/>
+                          <a:ea typeface="Meiryo UI" panose="020B0604030504040204" pitchFamily="34" charset="-128"/>
+                        </a:rPr>
+                        <a:t>分</a:t>
+                      </a:r>
+                      <a:r>
+                        <a:rPr lang="en-US" altLang="zh-HK" sz="2000" dirty="0">
+                          <a:latin typeface="Meiryo UI" panose="020B0604030504040204" pitchFamily="34" charset="-128"/>
+                          <a:ea typeface="Meiryo UI" panose="020B0604030504040204" pitchFamily="34" charset="-128"/>
+                        </a:rPr>
+                        <a:t>30~5</a:t>
+                      </a:r>
+                      <a:r>
+                        <a:rPr lang="zh-HK" altLang="en-US" sz="2000" dirty="0">
+                          <a:latin typeface="Meiryo UI" panose="020B0604030504040204" pitchFamily="34" charset="-128"/>
+                          <a:ea typeface="Meiryo UI" panose="020B0604030504040204" pitchFamily="34" charset="-128"/>
+                        </a:rPr>
+                        <a:t>分</a:t>
+                      </a:r>
+                    </a:p>
+                  </a:txBody>
+                  <a:tcPr marL="83737" marR="83737" marT="41868" marB="41868" anchor="ctr"/>
+                </a:tc>
+                <a:tc>
+                  <a:txBody>
+                    <a:bodyPr/>
+                    <a:lstStyle/>
+                    <a:p>
+                      <a:pPr algn="ctr"/>
+                      <a:r>
+                        <a:rPr lang="en-US" altLang="zh-HK" sz="2000" dirty="0">
+                          <a:latin typeface="Meiryo UI" panose="020B0604030504040204" pitchFamily="34" charset="-128"/>
+                          <a:ea typeface="Meiryo UI" panose="020B0604030504040204" pitchFamily="34" charset="-128"/>
+                        </a:rPr>
+                        <a:t>7</a:t>
+                      </a:r>
+                      <a:r>
+                        <a:rPr lang="zh-HK" altLang="en-US" sz="2000" dirty="0">
+                          <a:latin typeface="Meiryo UI" panose="020B0604030504040204" pitchFamily="34" charset="-128"/>
+                          <a:ea typeface="Meiryo UI" panose="020B0604030504040204" pitchFamily="34" charset="-128"/>
+                        </a:rPr>
+                        <a:t>分</a:t>
+                      </a:r>
+                      <a:r>
+                        <a:rPr lang="en-US" altLang="zh-HK" sz="2000" dirty="0">
+                          <a:latin typeface="Meiryo UI" panose="020B0604030504040204" pitchFamily="34" charset="-128"/>
+                          <a:ea typeface="Meiryo UI" panose="020B0604030504040204" pitchFamily="34" charset="-128"/>
+                        </a:rPr>
+                        <a:t>30〜8</a:t>
+                      </a:r>
+                      <a:r>
+                        <a:rPr lang="zh-HK" altLang="en-US" sz="2000" dirty="0">
+                          <a:latin typeface="Meiryo UI" panose="020B0604030504040204" pitchFamily="34" charset="-128"/>
+                          <a:ea typeface="Meiryo UI" panose="020B0604030504040204" pitchFamily="34" charset="-128"/>
+                        </a:rPr>
+                        <a:t>分</a:t>
+                      </a:r>
+                    </a:p>
+                  </a:txBody>
+                  <a:tcPr marL="83737" marR="83737" marT="41868" marB="41868" anchor="ctr"/>
+                </a:tc>
+                <a:tc>
+                  <a:txBody>
+                    <a:bodyPr/>
+                    <a:lstStyle/>
+                    <a:p>
+                      <a:pPr algn="ctr"/>
+                      <a:r>
+                        <a:rPr lang="en-US" altLang="zh-HK" sz="2000" dirty="0">
+                          <a:latin typeface="Meiryo UI" panose="020B0604030504040204" pitchFamily="34" charset="-128"/>
+                          <a:ea typeface="Meiryo UI" panose="020B0604030504040204" pitchFamily="34" charset="-128"/>
+                        </a:rPr>
+                        <a:t>87</a:t>
+                      </a:r>
+                      <a:r>
+                        <a:rPr lang="zh-HK" altLang="en-US" sz="2000" dirty="0">
+                          <a:latin typeface="Meiryo UI" panose="020B0604030504040204" pitchFamily="34" charset="-128"/>
+                          <a:ea typeface="Meiryo UI" panose="020B0604030504040204" pitchFamily="34" charset="-128"/>
+                        </a:rPr>
+                        <a:t>分</a:t>
+                      </a:r>
+                    </a:p>
+                  </a:txBody>
+                  <a:tcPr marL="83737" marR="83737" marT="41868" marB="41868" anchor="ctr"/>
+                </a:tc>
+                <a:extLst>
+                  <a:ext uri="{0D108BD9-81ED-4DB2-BD59-A6C34878D82A}">
+                    <a16:rowId xmlns:a16="http://schemas.microsoft.com/office/drawing/2014/main" val="3334350174"/>
+                  </a:ext>
+                </a:extLst>
+              </a:tr>
+            </a:tbl>
+          </a:graphicData>
+        </a:graphic>
+      </p:graphicFrame>
+      <p:sp>
+        <p:nvSpPr>
+          <p:cNvPr id="7" name="文字方塊 6">
+            <a:extLst>
+              <a:ext uri="{FF2B5EF4-FFF2-40B4-BE49-F238E27FC236}">
+                <a16:creationId xmlns:a16="http://schemas.microsoft.com/office/drawing/2014/main" id="{8BD9EA9E-D4E3-FC30-61B3-FC7D81E2C2E8}"/>
+              </a:ext>
+            </a:extLst>
+          </p:cNvPr>
+          <p:cNvSpPr txBox="1"/>
+          <p:nvPr/>
+        </p:nvSpPr>
+        <p:spPr>
+          <a:xfrm>
+            <a:off x="1192310" y="1456267"/>
+            <a:ext cx="6756864" cy="707886"/>
+          </a:xfrm>
+          <a:prstGeom prst="rect">
+            <a:avLst/>
+          </a:prstGeom>
+          <a:noFill/>
+        </p:spPr>
+        <p:txBody>
+          <a:bodyPr wrap="square" rtlCol="0">
+            <a:spAutoFit/>
+          </a:bodyPr>
+          <a:lstStyle/>
+          <a:p>
+            <a:r>
+              <a:rPr kumimoji="1" lang="zh-HK" altLang="en-US" sz="2000" dirty="0">
+                <a:latin typeface="Meiryo UI" panose="020B0604030504040204" pitchFamily="34" charset="-128"/>
+                <a:ea typeface="Meiryo UI" panose="020B0604030504040204" pitchFamily="34" charset="-128"/>
+              </a:rPr>
+              <a:t>前回の結果</a:t>
+            </a:r>
+            <a:endParaRPr kumimoji="1" lang="en-US" altLang="zh-HK" sz="2000" dirty="0">
+              <a:latin typeface="Meiryo UI" panose="020B0604030504040204" pitchFamily="34" charset="-128"/>
+              <a:ea typeface="Meiryo UI" panose="020B0604030504040204" pitchFamily="34" charset="-128"/>
+            </a:endParaRPr>
+          </a:p>
+          <a:p>
+            <a:r>
+              <a:rPr kumimoji="1" lang="en-US" altLang="zh-HK" sz="2000" dirty="0">
+                <a:latin typeface="Meiryo UI" panose="020B0604030504040204" pitchFamily="34" charset="-128"/>
+                <a:ea typeface="Meiryo UI" panose="020B0604030504040204" pitchFamily="34" charset="-128"/>
+              </a:rPr>
+              <a:t>Sha256</a:t>
+            </a:r>
+            <a:r>
+              <a:rPr kumimoji="1" lang="ja-JP" altLang="en-US" sz="2000">
+                <a:latin typeface="Meiryo UI" panose="020B0604030504040204" pitchFamily="34" charset="-128"/>
+                <a:ea typeface="Meiryo UI" panose="020B0604030504040204" pitchFamily="34" charset="-128"/>
+              </a:rPr>
+              <a:t> </a:t>
+            </a:r>
+            <a:r>
+              <a:rPr kumimoji="1" lang="en-US" altLang="ja-JP" sz="2000" dirty="0">
+                <a:latin typeface="Meiryo UI" panose="020B0604030504040204" pitchFamily="34" charset="-128"/>
+                <a:ea typeface="Meiryo UI" panose="020B0604030504040204" pitchFamily="34" charset="-128"/>
+              </a:rPr>
+              <a:t>=&gt; </a:t>
+            </a:r>
+            <a:r>
+              <a:rPr kumimoji="1" lang="en-US" altLang="ja-JP" sz="2000" dirty="0" err="1">
+                <a:latin typeface="Meiryo UI" panose="020B0604030504040204" pitchFamily="34" charset="-128"/>
+                <a:ea typeface="Meiryo UI" panose="020B0604030504040204" pitchFamily="34" charset="-128"/>
+              </a:rPr>
+              <a:t>Svg</a:t>
+            </a:r>
+            <a:r>
+              <a:rPr kumimoji="1" lang="en-US" altLang="ja-JP" sz="2000" dirty="0">
+                <a:latin typeface="Meiryo UI" panose="020B0604030504040204" pitchFamily="34" charset="-128"/>
+                <a:ea typeface="Meiryo UI" panose="020B0604030504040204" pitchFamily="34" charset="-128"/>
+              </a:rPr>
+              <a:t> =&gt; Base64(String)</a:t>
+            </a:r>
+            <a:endParaRPr kumimoji="1" lang="zh-HK" altLang="en-US" sz="2000" dirty="0">
+              <a:latin typeface="Meiryo UI" panose="020B0604030504040204" pitchFamily="34" charset="-128"/>
+              <a:ea typeface="Meiryo UI" panose="020B0604030504040204" pitchFamily="34" charset="-128"/>
+            </a:endParaRPr>
+          </a:p>
+        </p:txBody>
+      </p:sp>
+      <p:sp>
+        <p:nvSpPr>
+          <p:cNvPr id="9" name="文字方塊 8">
+            <a:extLst>
+              <a:ext uri="{FF2B5EF4-FFF2-40B4-BE49-F238E27FC236}">
+                <a16:creationId xmlns:a16="http://schemas.microsoft.com/office/drawing/2014/main" id="{17153F31-E44A-7B41-49C6-DE89425A44D4}"/>
+              </a:ext>
+            </a:extLst>
+          </p:cNvPr>
+          <p:cNvSpPr txBox="1"/>
+          <p:nvPr/>
+        </p:nvSpPr>
+        <p:spPr>
+          <a:xfrm>
+            <a:off x="1192310" y="5147353"/>
+            <a:ext cx="6452828" cy="369332"/>
+          </a:xfrm>
+          <a:prstGeom prst="rect">
+            <a:avLst/>
+          </a:prstGeom>
+          <a:noFill/>
+        </p:spPr>
+        <p:txBody>
+          <a:bodyPr wrap="square" rtlCol="0">
+            <a:spAutoFit/>
+          </a:bodyPr>
+          <a:lstStyle/>
+          <a:p>
+            <a:r>
+              <a:rPr kumimoji="1" lang="zh-HK" altLang="en-US" dirty="0">
+                <a:latin typeface="Meiryo UI" panose="020B0604030504040204" pitchFamily="34" charset="-128"/>
+                <a:ea typeface="Meiryo UI" panose="020B0604030504040204" pitchFamily="34" charset="-128"/>
+              </a:rPr>
+              <a:t>*</a:t>
+            </a:r>
+            <a:r>
+              <a:rPr kumimoji="1" lang="ja-JP" altLang="en-US">
+                <a:latin typeface="Meiryo UI" panose="020B0604030504040204" pitchFamily="34" charset="-128"/>
+                <a:ea typeface="Meiryo UI" panose="020B0604030504040204" pitchFamily="34" charset="-128"/>
+              </a:rPr>
+              <a:t>　</a:t>
+            </a:r>
+            <a:r>
+              <a:rPr kumimoji="1" lang="zh-HK" altLang="en-US" dirty="0">
+                <a:latin typeface="Meiryo UI" panose="020B0604030504040204" pitchFamily="34" charset="-128"/>
+                <a:ea typeface="Meiryo UI" panose="020B0604030504040204" pitchFamily="34" charset="-128"/>
+              </a:rPr>
+              <a:t>新しいファイルでブロックを初めて作る時間</a:t>
+            </a:r>
+          </a:p>
+        </p:txBody>
+      </p:sp>
+    </p:spTree>
+    <p:extLst>
+      <p:ext uri="{BB962C8B-B14F-4D97-AF65-F5344CB8AC3E}">
+        <p14:creationId xmlns:p14="http://schemas.microsoft.com/office/powerpoint/2010/main" val="3537265621"/>
       </p:ext>
     </p:extLst>
   </p:cSld>

--- a/Y3-Sem2/ITゼミ演習II/2024年度_11月報告会_Sk3a04_文家俊.pptx
+++ b/Y3-Sem2/ITゼミ演習II/2024年度_11月報告会_Sk3a04_文家俊.pptx
@@ -1037,7 +1037,7 @@
               <a:latin typeface="Meiryo UI" panose="020B0604030504040204" pitchFamily="34" charset="-128"/>
               <a:ea typeface="Meiryo UI" panose="020B0604030504040204" pitchFamily="34" charset="-128"/>
             </a:rPr>
-            <a:t>前回の研究コードを整理</a:t>
+            <a:t>前回の研究コードを整理する</a:t>
           </a:r>
           <a:endParaRPr lang="zh-TW" altLang="en-US" sz="2400" dirty="0">
             <a:latin typeface="Meiryo UI" panose="020B0604030504040204" pitchFamily="34" charset="-128"/>
@@ -1088,7 +1088,7 @@
               <a:latin typeface="Meiryo UI" panose="020B0604030504040204" pitchFamily="34" charset="-128"/>
               <a:ea typeface="Meiryo UI" panose="020B0604030504040204" pitchFamily="34" charset="-128"/>
             </a:rPr>
-            <a:t>ハッシュンのコードと監視のツールを調べる</a:t>
+            <a:t>ハッシュン関数と監視のツールを調べる</a:t>
           </a:r>
           <a:endParaRPr lang="zh-TW" altLang="en-US" sz="2400" dirty="0">
             <a:latin typeface="Meiryo UI" panose="020B0604030504040204" pitchFamily="34" charset="-128"/>
@@ -1467,7 +1467,7 @@
               <a:latin typeface="Meiryo UI" panose="020B0604030504040204" pitchFamily="34" charset="-128"/>
               <a:ea typeface="Meiryo UI" panose="020B0604030504040204" pitchFamily="34" charset="-128"/>
             </a:rPr>
-            <a:t>前回の研究コードを整理</a:t>
+            <a:t>前回の研究コードを整理する</a:t>
           </a:r>
           <a:endParaRPr lang="zh-TW" altLang="en-US" sz="2400" kern="1200" dirty="0">
             <a:latin typeface="Meiryo UI" panose="020B0604030504040204" pitchFamily="34" charset="-128"/>
@@ -1561,7 +1561,7 @@
               <a:latin typeface="Meiryo UI" panose="020B0604030504040204" pitchFamily="34" charset="-128"/>
               <a:ea typeface="Meiryo UI" panose="020B0604030504040204" pitchFamily="34" charset="-128"/>
             </a:rPr>
-            <a:t>ハッシュンのコードと監視のツールを調べる</a:t>
+            <a:t>ハッシュン関数と監視のツールを調べる</a:t>
           </a:r>
           <a:endParaRPr lang="zh-TW" altLang="en-US" sz="2400" kern="1200" dirty="0">
             <a:latin typeface="Meiryo UI" panose="020B0604030504040204" pitchFamily="34" charset="-128"/>
@@ -4078,7 +4078,7 @@
           <a:p>
             <a:fld id="{A25B1EB1-CDC4-F948-A361-2ADBE5BAC4B6}" type="datetimeFigureOut">
               <a:rPr kumimoji="1" lang="zh-HK" altLang="en-US" smtClean="0"/>
-              <a:t>30/10/24</a:t>
+              <a:t>01/11/24</a:t>
             </a:fld>
             <a:endParaRPr kumimoji="1" lang="zh-HK" altLang="en-US"/>
           </a:p>
@@ -4390,6 +4390,13 @@
           <a:bodyPr/>
           <a:lstStyle/>
           <a:p>
+            <a:r>
+              <a:rPr lang="ja-JP" altLang="en-US" sz="1200">
+                <a:latin typeface="Meiryo UI" panose="020B0604030504040204" pitchFamily="34" charset="-128"/>
+                <a:ea typeface="Meiryo UI" panose="020B0604030504040204" pitchFamily="34" charset="-128"/>
+              </a:rPr>
+              <a:t>パフォーマンス</a:t>
+            </a:r>
             <a:endParaRPr kumimoji="1" lang="zh-HK" altLang="en-US" dirty="0"/>
           </a:p>
         </p:txBody>
@@ -4474,7 +4481,10 @@
           <a:bodyPr/>
           <a:lstStyle/>
           <a:p>
-            <a:endParaRPr kumimoji="1" lang="zh-HK" altLang="en-US" dirty="0"/>
+            <a:r>
+              <a:rPr kumimoji="1" lang="zh-HK" altLang="en-US" dirty="0"/>
+              <a:t>低減（ていげん）</a:t>
+            </a:r>
           </a:p>
         </p:txBody>
       </p:sp>
@@ -4721,6 +4731,9 @@
             <a:br>
               <a:rPr lang="en-US" altLang="ja-JP" dirty="0"/>
             </a:br>
+            <a:br>
+              <a:rPr lang="en-US" altLang="ja-JP" dirty="0"/>
+            </a:br>
             <a:r>
               <a:rPr lang="ja-JP" altLang="en-US"/>
               <a:t>ブロックチェーンにハッシュを</a:t>
@@ -4772,6 +4785,9 @@
             <a:br>
               <a:rPr lang="en-US" altLang="zh-HK" dirty="0"/>
             </a:br>
+            <a:br>
+              <a:rPr lang="en-US" altLang="zh-HK" dirty="0"/>
+            </a:br>
             <a:r>
               <a:rPr lang="zh-HK" altLang="en-US" dirty="0"/>
               <a:t>今回</a:t>
@@ -4789,8 +4805,11 @@
               <a:t>つのハッシュ</a:t>
             </a:r>
             <a:r>
-              <a:rPr lang="zh-HK" altLang="en-US" dirty="0"/>
-              <a:t>コード</a:t>
+              <a:rPr lang="zh-HK" altLang="en-US" dirty="0">
+                <a:latin typeface="Meiryo UI" panose="020B0604030504040204" pitchFamily="34" charset="-128"/>
+                <a:ea typeface="Meiryo UI" panose="020B0604030504040204" pitchFamily="34" charset="-128"/>
+              </a:rPr>
+              <a:t>関数</a:t>
             </a:r>
             <a:r>
               <a:rPr lang="ja-JP" altLang="en-US"/>
@@ -4804,9 +4823,10 @@
               <a:rPr lang="ja-JP" altLang="en-US"/>
               <a:t>です。</a:t>
             </a:r>
-            <a:br>
-              <a:rPr lang="ja-JP" altLang="en-US"/>
-            </a:br>
+            <a:r>
+              <a:rPr lang="zh-HK" altLang="en-US" dirty="0"/>
+              <a:t>選択する理由はただ今まで使ったことがないハッシュン関数です。</a:t>
+            </a:r>
             <a:endParaRPr lang="en-US" altLang="zh-HK" dirty="0"/>
           </a:p>
           <a:p>
@@ -4827,13 +4847,33 @@
               <a:tabLst/>
               <a:defRPr/>
             </a:pPr>
+            <a:endParaRPr lang="en-US" altLang="zh-HK" dirty="0"/>
+          </a:p>
+          <a:p>
+            <a:pPr marL="0" marR="0" lvl="0" indent="0" algn="l" defTabSz="914400" rtl="0" eaLnBrk="1" fontAlgn="auto" latinLnBrk="0" hangingPunct="1">
+              <a:lnSpc>
+                <a:spcPct val="100000"/>
+              </a:lnSpc>
+              <a:spcBef>
+                <a:spcPts val="0"/>
+              </a:spcBef>
+              <a:spcAft>
+                <a:spcPts val="0"/>
+              </a:spcAft>
+              <a:buClrTx/>
+              <a:buSzTx/>
+              <a:buFontTx/>
+              <a:buNone/>
+              <a:tabLst/>
+              <a:defRPr/>
+            </a:pPr>
             <a:r>
               <a:rPr lang="zh-HK" altLang="en-US" dirty="0"/>
               <a:t>整合性（</a:t>
             </a:r>
             <a:r>
               <a:rPr lang="ja-JP" altLang="en-US"/>
-              <a:t>とうごうせい</a:t>
+              <a:t>せいごうせい</a:t>
             </a:r>
             <a:r>
               <a:rPr lang="zh-HK" altLang="en-US" dirty="0"/>
@@ -4862,6 +4902,10 @@
             <a:r>
               <a:rPr lang="ja-JP" altLang="en-US"/>
               <a:t>）</a:t>
+            </a:r>
+            <a:r>
+              <a:rPr lang="en-US" altLang="zh-HK" dirty="0"/>
+              <a:t>l</a:t>
             </a:r>
             <a:endParaRPr kumimoji="1" lang="zh-HK" altLang="en-US" dirty="0"/>
           </a:p>
@@ -5016,7 +5060,15 @@
             </a:r>
             <a:r>
               <a:rPr lang="en-US" altLang="zh-HK" dirty="0"/>
-              <a:t>Go Max Procs</a:t>
+              <a:t>Go Max Procs ( Po</a:t>
+            </a:r>
+            <a:r>
+              <a:rPr lang="zh-HK" altLang="en-US" dirty="0"/>
+              <a:t>ス</a:t>
+            </a:r>
+            <a:r>
+              <a:rPr lang="en-US" altLang="zh-HK" dirty="0"/>
+              <a:t> ) </a:t>
             </a:r>
             <a:r>
               <a:rPr lang="ja-JP" altLang="en-US"/>
@@ -5126,11 +5178,11 @@
             </a:r>
             <a:r>
               <a:rPr kumimoji="1" lang="ja-JP" altLang="en-US"/>
-              <a:t> </a:t>
+              <a:t>  </a:t>
             </a:r>
             <a:r>
               <a:rPr kumimoji="1" lang="en-US" altLang="ja-JP" dirty="0"/>
-              <a:t>pop</a:t>
+              <a:t>pop f</a:t>
             </a:r>
             <a:r>
               <a:rPr kumimoji="1" lang="zh-HK" altLang="en-US" dirty="0"/>
@@ -5777,7 +5829,7 @@
           <a:p>
             <a:fld id="{6488FF91-0940-194F-9C77-DAE915FA224C}" type="datetime1">
               <a:rPr lang="zh-HK" altLang="en-US" smtClean="0"/>
-              <a:t>30/10/24</a:t>
+              <a:t>01/11/24</a:t>
             </a:fld>
             <a:endParaRPr lang="en-US" dirty="0"/>
           </a:p>
@@ -6107,7 +6159,7 @@
           <a:p>
             <a:fld id="{FA0DF90C-D644-6640-B8E0-8DE46E7F0644}" type="datetime1">
               <a:rPr lang="zh-HK" altLang="en-US" smtClean="0"/>
-              <a:t>30/10/24</a:t>
+              <a:t>01/11/24</a:t>
             </a:fld>
             <a:endParaRPr lang="en-US" dirty="0"/>
           </a:p>
@@ -6381,7 +6433,7 @@
           <a:p>
             <a:fld id="{A3E15762-F46E-5946-89D2-6B3C47526378}" type="datetime1">
               <a:rPr lang="zh-HK" altLang="en-US" smtClean="0"/>
-              <a:t>30/10/24</a:t>
+              <a:t>01/11/24</a:t>
             </a:fld>
             <a:endParaRPr lang="en-US" dirty="0"/>
           </a:p>
@@ -6945,7 +6997,7 @@
           <a:p>
             <a:fld id="{B1B66AF3-55CB-4E4C-8497-9B186D03A391}" type="datetime1">
               <a:rPr lang="zh-HK" altLang="en-US" smtClean="0"/>
-              <a:t>30/10/24</a:t>
+              <a:t>01/11/24</a:t>
             </a:fld>
             <a:endParaRPr lang="en-US" dirty="0"/>
           </a:p>
@@ -7219,7 +7271,7 @@
           <a:p>
             <a:fld id="{AD6D1AB9-DE2E-F74E-B26B-51B4C34E11D7}" type="datetime1">
               <a:rPr lang="zh-HK" altLang="en-US" smtClean="0"/>
-              <a:t>30/10/24</a:t>
+              <a:t>01/11/24</a:t>
             </a:fld>
             <a:endParaRPr lang="en-US" dirty="0"/>
           </a:p>
@@ -7777,7 +7829,7 @@
           <a:p>
             <a:fld id="{C604EF20-0F4F-5D4B-981E-76360C562C67}" type="datetime1">
               <a:rPr lang="zh-HK" altLang="en-US" smtClean="0"/>
-              <a:t>30/10/24</a:t>
+              <a:t>01/11/24</a:t>
             </a:fld>
             <a:endParaRPr lang="en-US" dirty="0"/>
           </a:p>
@@ -8100,7 +8152,7 @@
           <a:p>
             <a:fld id="{3CBAF90F-A823-E34C-A78F-4AE4CC7F67D9}" type="datetime1">
               <a:rPr lang="zh-HK" altLang="en-US" smtClean="0"/>
-              <a:t>30/10/24</a:t>
+              <a:t>01/11/24</a:t>
             </a:fld>
             <a:endParaRPr lang="en-US" dirty="0"/>
           </a:p>
@@ -8273,7 +8325,7 @@
           <a:p>
             <a:fld id="{360D99CF-A52E-1943-B2AF-2BB78B1FDB5F}" type="datetime1">
               <a:rPr lang="zh-HK" altLang="en-US" smtClean="0"/>
-              <a:t>30/10/24</a:t>
+              <a:t>01/11/24</a:t>
             </a:fld>
             <a:endParaRPr lang="en-US" dirty="0"/>
           </a:p>
@@ -8507,7 +8559,7 @@
           <a:p>
             <a:fld id="{8F0553CA-2D29-764D-AA8F-1197C6038739}" type="datetime1">
               <a:rPr lang="zh-HK" altLang="en-US" smtClean="0"/>
-              <a:t>30/10/24</a:t>
+              <a:t>01/11/24</a:t>
             </a:fld>
             <a:endParaRPr lang="en-US" dirty="0"/>
           </a:p>
@@ -8703,7 +8755,7 @@
           <a:p>
             <a:fld id="{090483E7-7DB3-3E42-9AA5-4E286FE4D513}" type="datetime1">
               <a:rPr lang="zh-HK" altLang="en-US" smtClean="0"/>
-              <a:t>30/10/24</a:t>
+              <a:t>01/11/24</a:t>
             </a:fld>
             <a:endParaRPr lang="en-US" dirty="0"/>
           </a:p>
@@ -8975,7 +9027,7 @@
           <a:p>
             <a:fld id="{88E40C52-B9B1-6D4B-AD30-EA6291ADE45B}" type="datetime1">
               <a:rPr lang="zh-HK" altLang="en-US" smtClean="0"/>
-              <a:t>30/10/24</a:t>
+              <a:t>01/11/24</a:t>
             </a:fld>
             <a:endParaRPr lang="en-US" dirty="0"/>
           </a:p>
@@ -9237,7 +9289,7 @@
           <a:p>
             <a:fld id="{B60E899F-DB52-CE42-A56D-2D8EF91025F2}" type="datetime1">
               <a:rPr lang="zh-HK" altLang="en-US" smtClean="0"/>
-              <a:t>30/10/24</a:t>
+              <a:t>01/11/24</a:t>
             </a:fld>
             <a:endParaRPr lang="en-US" dirty="0"/>
           </a:p>
@@ -9607,7 +9659,7 @@
           <a:p>
             <a:fld id="{5FEC8C46-8D78-CD47-8A77-31D3D7DDC27C}" type="datetime1">
               <a:rPr lang="zh-HK" altLang="en-US" smtClean="0"/>
-              <a:t>30/10/24</a:t>
+              <a:t>01/11/24</a:t>
             </a:fld>
             <a:endParaRPr lang="en-US" dirty="0"/>
           </a:p>
@@ -9751,7 +9803,7 @@
           <a:p>
             <a:fld id="{FE08F07B-E490-A64D-A8FD-15A7600DEDC6}" type="datetime1">
               <a:rPr lang="zh-HK" altLang="en-US" smtClean="0"/>
-              <a:t>30/10/24</a:t>
+              <a:t>01/11/24</a:t>
             </a:fld>
             <a:endParaRPr lang="en-US" dirty="0"/>
           </a:p>
@@ -9872,7 +9924,7 @@
           <a:p>
             <a:fld id="{0E7C8759-FE0A-E346-957B-D93FCC1699B5}" type="datetime1">
               <a:rPr lang="zh-HK" altLang="en-US" smtClean="0"/>
-              <a:t>30/10/24</a:t>
+              <a:t>01/11/24</a:t>
             </a:fld>
             <a:endParaRPr lang="en-US" dirty="0"/>
           </a:p>
@@ -10153,7 +10205,7 @@
           <a:p>
             <a:fld id="{D9D2399D-36B5-7243-824A-D8DDB2F38D52}" type="datetime1">
               <a:rPr lang="zh-HK" altLang="en-US" smtClean="0"/>
-              <a:t>30/10/24</a:t>
+              <a:t>01/11/24</a:t>
             </a:fld>
             <a:endParaRPr lang="en-US" dirty="0"/>
           </a:p>
@@ -10473,7 +10525,7 @@
           <a:p>
             <a:fld id="{A75A1BCC-89DB-FD42-9808-1E6C9FD979D2}" type="datetime1">
               <a:rPr lang="zh-HK" altLang="en-US" smtClean="0"/>
-              <a:t>30/10/24</a:t>
+              <a:t>01/11/24</a:t>
             </a:fld>
             <a:endParaRPr lang="en-US" dirty="0"/>
           </a:p>
@@ -10683,7 +10735,7 @@
           <a:p>
             <a:fld id="{6D0A750E-E3A6-1740-A438-6E87315FF5E3}" type="datetime1">
               <a:rPr lang="zh-HK" altLang="en-US" smtClean="0"/>
-              <a:t>30/10/24</a:t>
+              <a:t>01/11/24</a:t>
             </a:fld>
             <a:endParaRPr lang="en-US" dirty="0"/>
           </a:p>
@@ -11409,7 +11461,7 @@
         <p:spPr>
           <a:xfrm>
             <a:off x="1030287" y="1464734"/>
-            <a:ext cx="10131425" cy="4273201"/>
+            <a:ext cx="10131425" cy="4405841"/>
           </a:xfrm>
         </p:spPr>
         <p:txBody>
@@ -11500,7 +11552,15 @@
                 <a:ea typeface="Meiryo UI" panose="020B0604030504040204" pitchFamily="34" charset="-128"/>
                 <a:cs typeface="Times New Roman" panose="02020603050405020304" pitchFamily="18" charset="0"/>
               </a:rPr>
-              <a:t>分くらいですので、</a:t>
+              <a:t>分くらい</a:t>
+            </a:r>
+            <a:r>
+              <a:rPr lang="zh-HK" altLang="en-US" sz="2800" kern="100" dirty="0">
+                <a:latin typeface="Meiryo UI" panose="020B0604030504040204" pitchFamily="34" charset="-128"/>
+                <a:ea typeface="Meiryo UI" panose="020B0604030504040204" pitchFamily="34" charset="-128"/>
+                <a:cs typeface="Times New Roman" panose="02020603050405020304" pitchFamily="18" charset="0"/>
+              </a:rPr>
+              <a:t>かかります、</a:t>
             </a:r>
             <a:r>
               <a:rPr lang="zh-HK" altLang="en-US" sz="2800" dirty="0">
@@ -11549,7 +11609,7 @@
                 <a:latin typeface="Meiryo UI" panose="020B0604030504040204" pitchFamily="34" charset="-128"/>
                 <a:ea typeface="Meiryo UI" panose="020B0604030504040204" pitchFamily="34" charset="-128"/>
               </a:rPr>
-              <a:t>拡大</a:t>
+              <a:t>拡大できます</a:t>
             </a:r>
             <a:br>
               <a:rPr lang="en-US" altLang="ja-JP" sz="2800" kern="100" dirty="0">
@@ -11582,7 +11642,7 @@
                 <a:ea typeface="Meiryo UI" panose="020B0604030504040204" pitchFamily="34" charset="-128"/>
                 <a:cs typeface="Times New Roman" panose="02020603050405020304" pitchFamily="18" charset="0"/>
               </a:rPr>
-              <a:t>することが必要</a:t>
+              <a:t>することが必要です</a:t>
             </a:r>
             <a:endParaRPr lang="en-US" altLang="ja-JP" sz="2800" kern="100" dirty="0">
               <a:effectLst/>
@@ -11708,7 +11768,7 @@
         <p:spPr>
           <a:xfrm>
             <a:off x="1030287" y="1554238"/>
-            <a:ext cx="10131425" cy="3649133"/>
+            <a:ext cx="10131425" cy="4316337"/>
           </a:xfrm>
         </p:spPr>
         <p:txBody>
@@ -11823,14 +11883,7 @@
                 <a:latin typeface="Meiryo UI" panose="020B0604030504040204" pitchFamily="34" charset="-128"/>
                 <a:ea typeface="Meiryo UI" panose="020B0604030504040204" pitchFamily="34" charset="-128"/>
               </a:rPr>
-              <a:t>目指</a:t>
-            </a:r>
-            <a:r>
-              <a:rPr lang="ja-JP" altLang="en-US" sz="2800">
-                <a:latin typeface="Meiryo UI" panose="020B0604030504040204" pitchFamily="34" charset="-128"/>
-                <a:ea typeface="Meiryo UI" panose="020B0604030504040204" pitchFamily="34" charset="-128"/>
-              </a:rPr>
-              <a:t>します</a:t>
+              <a:t>目指します</a:t>
             </a:r>
             <a:endParaRPr kumimoji="1" lang="zh-HK" altLang="en-US" sz="2800" dirty="0">
               <a:latin typeface="Meiryo UI" panose="020B0604030504040204" pitchFamily="34" charset="-128"/>
@@ -11926,6 +11979,41 @@
           <a:lstStyle/>
           <a:p>
             <a:r>
+              <a:rPr lang="en-US" altLang="zh-HK" dirty="0">
+                <a:latin typeface="Meiryo UI" panose="020B0604030504040204" pitchFamily="34" charset="-128"/>
+                <a:ea typeface="Meiryo UI" panose="020B0604030504040204" pitchFamily="34" charset="-128"/>
+              </a:rPr>
+              <a:t>11</a:t>
+            </a:r>
+            <a:r>
+              <a:rPr lang="zh-HK" altLang="en-US" dirty="0">
+                <a:latin typeface="Meiryo UI" panose="020B0604030504040204" pitchFamily="34" charset="-128"/>
+                <a:ea typeface="Meiryo UI" panose="020B0604030504040204" pitchFamily="34" charset="-128"/>
+              </a:rPr>
+              <a:t>月</a:t>
+            </a:r>
+            <a:r>
+              <a:rPr lang="zh-TW" altLang="en-US" dirty="0">
+                <a:latin typeface="Meiryo UI" panose="020B0604030504040204" pitchFamily="34" charset="-128"/>
+                <a:ea typeface="Meiryo UI" panose="020B0604030504040204" pitchFamily="34" charset="-128"/>
+              </a:rPr>
+              <a:t> </a:t>
+            </a:r>
+            <a:r>
+              <a:rPr lang="en-US" altLang="zh-HK" dirty="0">
+                <a:latin typeface="Meiryo UI" panose="020B0604030504040204" pitchFamily="34" charset="-128"/>
+                <a:ea typeface="Meiryo UI" panose="020B0604030504040204" pitchFamily="34" charset="-128"/>
+              </a:rPr>
+              <a:t>-</a:t>
+            </a:r>
+            <a:r>
+              <a:rPr lang="zh-TW" altLang="en-US" dirty="0">
+                <a:latin typeface="Meiryo UI" panose="020B0604030504040204" pitchFamily="34" charset="-128"/>
+                <a:ea typeface="Meiryo UI" panose="020B0604030504040204" pitchFamily="34" charset="-128"/>
+              </a:rPr>
+              <a:t> </a:t>
+            </a:r>
+            <a:r>
               <a:rPr lang="zh-HK" altLang="en-US" dirty="0">
                 <a:latin typeface="Meiryo UI" panose="020B0604030504040204" pitchFamily="34" charset="-128"/>
                 <a:ea typeface="Meiryo UI" panose="020B0604030504040204" pitchFamily="34" charset="-128"/>
@@ -11955,7 +12043,7 @@
             <p:ph idx="1"/>
             <p:extLst>
               <p:ext uri="{D42A27DB-BD31-4B8C-83A1-F6EECF244321}">
-                <p14:modId xmlns:p14="http://schemas.microsoft.com/office/powerpoint/2010/main" val="1881793756"/>
+                <p14:modId xmlns:p14="http://schemas.microsoft.com/office/powerpoint/2010/main" val="872082212"/>
               </p:ext>
             </p:extLst>
           </p:nvPr>
@@ -12112,6 +12200,41 @@
           <a:lstStyle/>
           <a:p>
             <a:r>
+              <a:rPr lang="en-US" altLang="zh-HK" dirty="0">
+                <a:latin typeface="Meiryo UI" panose="020B0604030504040204" pitchFamily="34" charset="-128"/>
+                <a:ea typeface="Meiryo UI" panose="020B0604030504040204" pitchFamily="34" charset="-128"/>
+              </a:rPr>
+              <a:t>11</a:t>
+            </a:r>
+            <a:r>
+              <a:rPr lang="zh-HK" altLang="en-US" dirty="0">
+                <a:latin typeface="Meiryo UI" panose="020B0604030504040204" pitchFamily="34" charset="-128"/>
+                <a:ea typeface="Meiryo UI" panose="020B0604030504040204" pitchFamily="34" charset="-128"/>
+              </a:rPr>
+              <a:t>月</a:t>
+            </a:r>
+            <a:r>
+              <a:rPr lang="zh-TW" altLang="en-US" dirty="0">
+                <a:latin typeface="Meiryo UI" panose="020B0604030504040204" pitchFamily="34" charset="-128"/>
+                <a:ea typeface="Meiryo UI" panose="020B0604030504040204" pitchFamily="34" charset="-128"/>
+              </a:rPr>
+              <a:t> </a:t>
+            </a:r>
+            <a:r>
+              <a:rPr lang="en-US" altLang="zh-HK" dirty="0">
+                <a:latin typeface="Meiryo UI" panose="020B0604030504040204" pitchFamily="34" charset="-128"/>
+                <a:ea typeface="Meiryo UI" panose="020B0604030504040204" pitchFamily="34" charset="-128"/>
+              </a:rPr>
+              <a:t>-</a:t>
+            </a:r>
+            <a:r>
+              <a:rPr lang="zh-TW" altLang="en-US" dirty="0">
+                <a:latin typeface="Meiryo UI" panose="020B0604030504040204" pitchFamily="34" charset="-128"/>
+                <a:ea typeface="Meiryo UI" panose="020B0604030504040204" pitchFamily="34" charset="-128"/>
+              </a:rPr>
+              <a:t> </a:t>
+            </a:r>
+            <a:r>
               <a:rPr lang="zh-HK" altLang="en-US" dirty="0">
                 <a:latin typeface="Meiryo UI" panose="020B0604030504040204" pitchFamily="34" charset="-128"/>
                 <a:ea typeface="Meiryo UI" panose="020B0604030504040204" pitchFamily="34" charset="-128"/>
@@ -12141,14 +12264,14 @@
             <p:ph idx="1"/>
             <p:extLst>
               <p:ext uri="{D42A27DB-BD31-4B8C-83A1-F6EECF244321}">
-                <p14:modId xmlns:p14="http://schemas.microsoft.com/office/powerpoint/2010/main" val="2479036669"/>
+                <p14:modId xmlns:p14="http://schemas.microsoft.com/office/powerpoint/2010/main" val="606975462"/>
               </p:ext>
             </p:extLst>
           </p:nvPr>
         </p:nvGraphicFramePr>
         <p:xfrm>
-          <a:off x="695998" y="1268998"/>
-          <a:ext cx="10800000" cy="4320003"/>
+          <a:off x="965998" y="1456267"/>
+          <a:ext cx="10260000" cy="4209765"/>
         </p:xfrm>
         <a:graphic>
           <a:graphicData uri="http://schemas.openxmlformats.org/drawingml/2006/table">
@@ -12157,14 +12280,14 @@
                 <a:tableStyleId>{5C22544A-7EE6-4342-B048-85BDC9FD1C3A}</a:tableStyleId>
               </a:tblPr>
               <a:tblGrid>
-                <a:gridCol w="2892690">
+                <a:gridCol w="2412961">
                   <a:extLst>
                     <a:ext uri="{9D8B030D-6E8A-4147-A177-3AD203B41FA5}">
                       <a16:colId xmlns:a16="http://schemas.microsoft.com/office/drawing/2014/main" val="3365443076"/>
                     </a:ext>
                   </a:extLst>
                 </a:gridCol>
-                <a:gridCol w="7907310">
+                <a:gridCol w="7847039">
                   <a:extLst>
                     <a:ext uri="{9D8B030D-6E8A-4147-A177-3AD203B41FA5}">
                       <a16:colId xmlns:a16="http://schemas.microsoft.com/office/drawing/2014/main" val="573703539"/>
@@ -12172,7 +12295,7 @@
                   </a:extLst>
                 </a:gridCol>
               </a:tblGrid>
-              <a:tr h="555627">
+              <a:tr h="232684">
                 <a:tc>
                   <a:txBody>
                     <a:bodyPr/>
@@ -12195,7 +12318,7 @@
                           <a:latin typeface="Meiryo UI" panose="020B0604030504040204" pitchFamily="34" charset="-128"/>
                           <a:ea typeface="Meiryo UI" panose="020B0604030504040204" pitchFamily="34" charset="-128"/>
                         </a:rPr>
-                        <a:t>関数名</a:t>
+                        <a:t>関数</a:t>
                       </a:r>
                     </a:p>
                   </a:txBody>
@@ -13307,6 +13430,41 @@
           <a:lstStyle/>
           <a:p>
             <a:r>
+              <a:rPr lang="en-US" altLang="zh-HK" dirty="0">
+                <a:latin typeface="Meiryo UI" panose="020B0604030504040204" pitchFamily="34" charset="-128"/>
+                <a:ea typeface="Meiryo UI" panose="020B0604030504040204" pitchFamily="34" charset="-128"/>
+              </a:rPr>
+              <a:t>11</a:t>
+            </a:r>
+            <a:r>
+              <a:rPr lang="zh-HK" altLang="en-US" dirty="0">
+                <a:latin typeface="Meiryo UI" panose="020B0604030504040204" pitchFamily="34" charset="-128"/>
+                <a:ea typeface="Meiryo UI" panose="020B0604030504040204" pitchFamily="34" charset="-128"/>
+              </a:rPr>
+              <a:t>月</a:t>
+            </a:r>
+            <a:r>
+              <a:rPr lang="zh-TW" altLang="en-US" dirty="0">
+                <a:latin typeface="Meiryo UI" panose="020B0604030504040204" pitchFamily="34" charset="-128"/>
+                <a:ea typeface="Meiryo UI" panose="020B0604030504040204" pitchFamily="34" charset="-128"/>
+              </a:rPr>
+              <a:t> </a:t>
+            </a:r>
+            <a:r>
+              <a:rPr lang="en-US" altLang="zh-HK" dirty="0">
+                <a:latin typeface="Meiryo UI" panose="020B0604030504040204" pitchFamily="34" charset="-128"/>
+                <a:ea typeface="Meiryo UI" panose="020B0604030504040204" pitchFamily="34" charset="-128"/>
+              </a:rPr>
+              <a:t>-</a:t>
+            </a:r>
+            <a:r>
+              <a:rPr lang="zh-TW" altLang="en-US" dirty="0">
+                <a:latin typeface="Meiryo UI" panose="020B0604030504040204" pitchFamily="34" charset="-128"/>
+                <a:ea typeface="Meiryo UI" panose="020B0604030504040204" pitchFamily="34" charset="-128"/>
+              </a:rPr>
+              <a:t> </a:t>
+            </a:r>
+            <a:r>
               <a:rPr lang="zh-HK" altLang="en-US" dirty="0">
                 <a:latin typeface="Meiryo UI" panose="020B0604030504040204" pitchFamily="34" charset="-128"/>
                 <a:ea typeface="Meiryo UI" panose="020B0604030504040204" pitchFamily="34" charset="-128"/>
@@ -14004,6 +14162,34 @@
               </a:rPr>
               <a:t>し、</a:t>
             </a:r>
+            <a:r>
+              <a:rPr lang="zh-HK" altLang="en-US" sz="2800" dirty="0">
+                <a:latin typeface="Meiryo UI" panose="020B0604030504040204" pitchFamily="34" charset="-128"/>
+                <a:ea typeface="Meiryo UI" panose="020B0604030504040204" pitchFamily="34" charset="-128"/>
+              </a:rPr>
+              <a:t>効率</a:t>
+            </a:r>
+            <a:r>
+              <a:rPr lang="ja-JP" altLang="en-US" sz="2800">
+                <a:latin typeface="Meiryo UI" panose="020B0604030504040204" pitchFamily="34" charset="-128"/>
+                <a:ea typeface="Meiryo UI" panose="020B0604030504040204" pitchFamily="34" charset="-128"/>
+              </a:rPr>
+              <a:t>を</a:t>
+            </a:r>
+            <a:r>
+              <a:rPr lang="zh-HK" altLang="en-US" sz="2800" dirty="0">
+                <a:latin typeface="Meiryo UI" panose="020B0604030504040204" pitchFamily="34" charset="-128"/>
+                <a:ea typeface="Meiryo UI" panose="020B0604030504040204" pitchFamily="34" charset="-128"/>
+              </a:rPr>
+              <a:t>向上</a:t>
+            </a:r>
+            <a:r>
+              <a:rPr lang="ja-JP" altLang="en-US" sz="2800">
+                <a:latin typeface="Meiryo UI" panose="020B0604030504040204" pitchFamily="34" charset="-128"/>
+                <a:ea typeface="Meiryo UI" panose="020B0604030504040204" pitchFamily="34" charset="-128"/>
+              </a:rPr>
+              <a:t>させるために、</a:t>
+            </a:r>
             <a:br>
               <a:rPr lang="en-US" altLang="ja-JP" sz="2800" dirty="0">
                 <a:latin typeface="Meiryo UI" panose="020B0604030504040204" pitchFamily="34" charset="-128"/>
@@ -14011,34 +14197,6 @@
               </a:rPr>
             </a:br>
             <a:r>
-              <a:rPr lang="zh-HK" altLang="en-US" sz="2800" dirty="0">
-                <a:latin typeface="Meiryo UI" panose="020B0604030504040204" pitchFamily="34" charset="-128"/>
-                <a:ea typeface="Meiryo UI" panose="020B0604030504040204" pitchFamily="34" charset="-128"/>
-              </a:rPr>
-              <a:t>効率</a:t>
-            </a:r>
-            <a:r>
-              <a:rPr lang="ja-JP" altLang="en-US" sz="2800">
-                <a:latin typeface="Meiryo UI" panose="020B0604030504040204" pitchFamily="34" charset="-128"/>
-                <a:ea typeface="Meiryo UI" panose="020B0604030504040204" pitchFamily="34" charset="-128"/>
-              </a:rPr>
-              <a:t>を</a:t>
-            </a:r>
-            <a:r>
-              <a:rPr lang="zh-HK" altLang="en-US" sz="2800" dirty="0">
-                <a:latin typeface="Meiryo UI" panose="020B0604030504040204" pitchFamily="34" charset="-128"/>
-                <a:ea typeface="Meiryo UI" panose="020B0604030504040204" pitchFamily="34" charset="-128"/>
-              </a:rPr>
-              <a:t>向上</a:t>
-            </a:r>
-            <a:r>
-              <a:rPr lang="ja-JP" altLang="en-US" sz="2800">
-                <a:latin typeface="Meiryo UI" panose="020B0604030504040204" pitchFamily="34" charset="-128"/>
-                <a:ea typeface="Meiryo UI" panose="020B0604030504040204" pitchFamily="34" charset="-128"/>
-              </a:rPr>
-              <a:t>させるために、</a:t>
-            </a:r>
-            <a:r>
               <a:rPr lang="en-US" altLang="zh-HK" sz="2800" dirty="0">
                 <a:latin typeface="Meiryo UI" panose="020B0604030504040204" pitchFamily="34" charset="-128"/>
                 <a:ea typeface="Meiryo UI" panose="020B0604030504040204" pitchFamily="34" charset="-128"/>
@@ -14064,7 +14222,7 @@
                 <a:latin typeface="Meiryo UI" panose="020B0604030504040204" pitchFamily="34" charset="-128"/>
                 <a:ea typeface="Meiryo UI" panose="020B0604030504040204" pitchFamily="34" charset="-128"/>
               </a:rPr>
-              <a:t>すること</a:t>
+              <a:t>する</a:t>
             </a:r>
             <a:endParaRPr lang="ja-JP" altLang="en-US" sz="2800">
               <a:solidFill>
